--- a/Visão Computacional/Aula 04 - Classificação/Aula 04 - Classificação.pptx
+++ b/Visão Computacional/Aula 04 - Classificação/Aula 04 - Classificação.pptx
@@ -7,7 +7,7 @@
     <p:sldMasterId id="2147483763" r:id="rId3"/>
   </p:sldMasterIdLst>
   <p:notesMasterIdLst>
-    <p:notesMasterId r:id="rId31"/>
+    <p:notesMasterId r:id="rId32"/>
   </p:notesMasterIdLst>
   <p:sldIdLst>
     <p:sldId id="376" r:id="rId4"/>
@@ -18,30 +18,31 @@
     <p:sldId id="388" r:id="rId9"/>
     <p:sldId id="391" r:id="rId10"/>
     <p:sldId id="394" r:id="rId11"/>
-    <p:sldId id="397" r:id="rId12"/>
-    <p:sldId id="400" r:id="rId13"/>
-    <p:sldId id="403" r:id="rId14"/>
-    <p:sldId id="406" r:id="rId15"/>
-    <p:sldId id="409" r:id="rId16"/>
-    <p:sldId id="412" r:id="rId17"/>
-    <p:sldId id="415" r:id="rId18"/>
-    <p:sldId id="418" r:id="rId19"/>
-    <p:sldId id="421" r:id="rId20"/>
-    <p:sldId id="424" r:id="rId21"/>
-    <p:sldId id="427" r:id="rId22"/>
-    <p:sldId id="430" r:id="rId23"/>
-    <p:sldId id="433" r:id="rId24"/>
-    <p:sldId id="436" r:id="rId25"/>
-    <p:sldId id="439" r:id="rId26"/>
-    <p:sldId id="442" r:id="rId27"/>
-    <p:sldId id="445" r:id="rId28"/>
-    <p:sldId id="448" r:id="rId29"/>
-    <p:sldId id="451" r:id="rId30"/>
+    <p:sldId id="456" r:id="rId12"/>
+    <p:sldId id="397" r:id="rId13"/>
+    <p:sldId id="400" r:id="rId14"/>
+    <p:sldId id="403" r:id="rId15"/>
+    <p:sldId id="406" r:id="rId16"/>
+    <p:sldId id="409" r:id="rId17"/>
+    <p:sldId id="412" r:id="rId18"/>
+    <p:sldId id="415" r:id="rId19"/>
+    <p:sldId id="418" r:id="rId20"/>
+    <p:sldId id="421" r:id="rId21"/>
+    <p:sldId id="424" r:id="rId22"/>
+    <p:sldId id="427" r:id="rId23"/>
+    <p:sldId id="430" r:id="rId24"/>
+    <p:sldId id="433" r:id="rId25"/>
+    <p:sldId id="436" r:id="rId26"/>
+    <p:sldId id="439" r:id="rId27"/>
+    <p:sldId id="442" r:id="rId28"/>
+    <p:sldId id="445" r:id="rId29"/>
+    <p:sldId id="448" r:id="rId30"/>
+    <p:sldId id="451" r:id="rId31"/>
   </p:sldIdLst>
   <p:sldSz cx="10080625" cy="7559675"/>
   <p:notesSz cx="6858000" cy="9144000"/>
   <p:custDataLst>
-    <p:tags r:id="rId32"/>
+    <p:tags r:id="rId33"/>
   </p:custDataLst>
   <p:defaultTextStyle>
     <a:defPPr>
@@ -707,7 +708,7 @@
     </p:spTree>
     <p:extLst>
       <p:ext uri="{BB962C8B-B14F-4D97-AF65-F5344CB8AC3E}">
-        <p14:creationId xmlns:p14="http://schemas.microsoft.com/office/powerpoint/2010/main" val="2936045037"/>
+        <p14:creationId xmlns:p14="http://schemas.microsoft.com/office/powerpoint/2010/main" val="2020497576"/>
       </p:ext>
     </p:extLst>
   </p:cSld>
@@ -841,7 +842,7 @@
     </p:spTree>
     <p:extLst>
       <p:ext uri="{BB962C8B-B14F-4D97-AF65-F5344CB8AC3E}">
-        <p14:creationId xmlns:p14="http://schemas.microsoft.com/office/powerpoint/2010/main" val="1884332430"/>
+        <p14:creationId xmlns:p14="http://schemas.microsoft.com/office/powerpoint/2010/main" val="2936045037"/>
       </p:ext>
     </p:extLst>
   </p:cSld>
@@ -975,7 +976,7 @@
     </p:spTree>
     <p:extLst>
       <p:ext uri="{BB962C8B-B14F-4D97-AF65-F5344CB8AC3E}">
-        <p14:creationId xmlns:p14="http://schemas.microsoft.com/office/powerpoint/2010/main" val="4046148248"/>
+        <p14:creationId xmlns:p14="http://schemas.microsoft.com/office/powerpoint/2010/main" val="1884332430"/>
       </p:ext>
     </p:extLst>
   </p:cSld>
@@ -1109,7 +1110,7 @@
     </p:spTree>
     <p:extLst>
       <p:ext uri="{BB962C8B-B14F-4D97-AF65-F5344CB8AC3E}">
-        <p14:creationId xmlns:p14="http://schemas.microsoft.com/office/powerpoint/2010/main" val="4284158454"/>
+        <p14:creationId xmlns:p14="http://schemas.microsoft.com/office/powerpoint/2010/main" val="4046148248"/>
       </p:ext>
     </p:extLst>
   </p:cSld>
@@ -1243,7 +1244,7 @@
     </p:spTree>
     <p:extLst>
       <p:ext uri="{BB962C8B-B14F-4D97-AF65-F5344CB8AC3E}">
-        <p14:creationId xmlns:p14="http://schemas.microsoft.com/office/powerpoint/2010/main" val="1223636066"/>
+        <p14:creationId xmlns:p14="http://schemas.microsoft.com/office/powerpoint/2010/main" val="4284158454"/>
       </p:ext>
     </p:extLst>
   </p:cSld>
@@ -1377,7 +1378,7 @@
     </p:spTree>
     <p:extLst>
       <p:ext uri="{BB962C8B-B14F-4D97-AF65-F5344CB8AC3E}">
-        <p14:creationId xmlns:p14="http://schemas.microsoft.com/office/powerpoint/2010/main" val="1972398640"/>
+        <p14:creationId xmlns:p14="http://schemas.microsoft.com/office/powerpoint/2010/main" val="1223636066"/>
       </p:ext>
     </p:extLst>
   </p:cSld>
@@ -1511,7 +1512,7 @@
     </p:spTree>
     <p:extLst>
       <p:ext uri="{BB962C8B-B14F-4D97-AF65-F5344CB8AC3E}">
-        <p14:creationId xmlns:p14="http://schemas.microsoft.com/office/powerpoint/2010/main" val="3733158535"/>
+        <p14:creationId xmlns:p14="http://schemas.microsoft.com/office/powerpoint/2010/main" val="1972398640"/>
       </p:ext>
     </p:extLst>
   </p:cSld>
@@ -1645,7 +1646,7 @@
     </p:spTree>
     <p:extLst>
       <p:ext uri="{BB962C8B-B14F-4D97-AF65-F5344CB8AC3E}">
-        <p14:creationId xmlns:p14="http://schemas.microsoft.com/office/powerpoint/2010/main" val="3129499479"/>
+        <p14:creationId xmlns:p14="http://schemas.microsoft.com/office/powerpoint/2010/main" val="3733158535"/>
       </p:ext>
     </p:extLst>
   </p:cSld>
@@ -1779,7 +1780,7 @@
     </p:spTree>
     <p:extLst>
       <p:ext uri="{BB962C8B-B14F-4D97-AF65-F5344CB8AC3E}">
-        <p14:creationId xmlns:p14="http://schemas.microsoft.com/office/powerpoint/2010/main" val="3598711856"/>
+        <p14:creationId xmlns:p14="http://schemas.microsoft.com/office/powerpoint/2010/main" val="3129499479"/>
       </p:ext>
     </p:extLst>
   </p:cSld>
@@ -1913,7 +1914,7 @@
     </p:spTree>
     <p:extLst>
       <p:ext uri="{BB962C8B-B14F-4D97-AF65-F5344CB8AC3E}">
-        <p14:creationId xmlns:p14="http://schemas.microsoft.com/office/powerpoint/2010/main" val="679010724"/>
+        <p14:creationId xmlns:p14="http://schemas.microsoft.com/office/powerpoint/2010/main" val="3598711856"/>
       </p:ext>
     </p:extLst>
   </p:cSld>
@@ -2176,7 +2177,7 @@
     </p:spTree>
     <p:extLst>
       <p:ext uri="{BB962C8B-B14F-4D97-AF65-F5344CB8AC3E}">
-        <p14:creationId xmlns:p14="http://schemas.microsoft.com/office/powerpoint/2010/main" val="4016518082"/>
+        <p14:creationId xmlns:p14="http://schemas.microsoft.com/office/powerpoint/2010/main" val="679010724"/>
       </p:ext>
     </p:extLst>
   </p:cSld>
@@ -2310,7 +2311,7 @@
     </p:spTree>
     <p:extLst>
       <p:ext uri="{BB962C8B-B14F-4D97-AF65-F5344CB8AC3E}">
-        <p14:creationId xmlns:p14="http://schemas.microsoft.com/office/powerpoint/2010/main" val="1194173917"/>
+        <p14:creationId xmlns:p14="http://schemas.microsoft.com/office/powerpoint/2010/main" val="4016518082"/>
       </p:ext>
     </p:extLst>
   </p:cSld>
@@ -2444,7 +2445,7 @@
     </p:spTree>
     <p:extLst>
       <p:ext uri="{BB962C8B-B14F-4D97-AF65-F5344CB8AC3E}">
-        <p14:creationId xmlns:p14="http://schemas.microsoft.com/office/powerpoint/2010/main" val="1473305349"/>
+        <p14:creationId xmlns:p14="http://schemas.microsoft.com/office/powerpoint/2010/main" val="1194173917"/>
       </p:ext>
     </p:extLst>
   </p:cSld>
@@ -2578,7 +2579,7 @@
     </p:spTree>
     <p:extLst>
       <p:ext uri="{BB962C8B-B14F-4D97-AF65-F5344CB8AC3E}">
-        <p14:creationId xmlns:p14="http://schemas.microsoft.com/office/powerpoint/2010/main" val="3574012987"/>
+        <p14:creationId xmlns:p14="http://schemas.microsoft.com/office/powerpoint/2010/main" val="1473305349"/>
       </p:ext>
     </p:extLst>
   </p:cSld>
@@ -2712,7 +2713,7 @@
     </p:spTree>
     <p:extLst>
       <p:ext uri="{BB962C8B-B14F-4D97-AF65-F5344CB8AC3E}">
-        <p14:creationId xmlns:p14="http://schemas.microsoft.com/office/powerpoint/2010/main" val="1497013880"/>
+        <p14:creationId xmlns:p14="http://schemas.microsoft.com/office/powerpoint/2010/main" val="3574012987"/>
       </p:ext>
     </p:extLst>
   </p:cSld>
@@ -2846,7 +2847,7 @@
     </p:spTree>
     <p:extLst>
       <p:ext uri="{BB962C8B-B14F-4D97-AF65-F5344CB8AC3E}">
-        <p14:creationId xmlns:p14="http://schemas.microsoft.com/office/powerpoint/2010/main" val="642840284"/>
+        <p14:creationId xmlns:p14="http://schemas.microsoft.com/office/powerpoint/2010/main" val="1497013880"/>
       </p:ext>
     </p:extLst>
   </p:cSld>
@@ -2980,6 +2981,140 @@
     </p:spTree>
     <p:extLst>
       <p:ext uri="{BB962C8B-B14F-4D97-AF65-F5344CB8AC3E}">
+        <p14:creationId xmlns:p14="http://schemas.microsoft.com/office/powerpoint/2010/main" val="642840284"/>
+      </p:ext>
+    </p:extLst>
+  </p:cSld>
+  <p:clrMapOvr>
+    <a:masterClrMapping/>
+  </p:clrMapOvr>
+</p:notes>
+</file>
+
+<file path=ppt/notesSlides/notesSlide27.xml><?xml version="1.0" encoding="utf-8"?>
+<p:notes xmlns:a="http://schemas.openxmlformats.org/drawingml/2006/main" xmlns:r="http://schemas.openxmlformats.org/officeDocument/2006/relationships" xmlns:p="http://schemas.openxmlformats.org/presentationml/2006/main">
+  <p:cSld>
+    <p:spTree>
+      <p:nvGrpSpPr>
+        <p:cNvPr id="1" name=""/>
+        <p:cNvGrpSpPr/>
+        <p:nvPr/>
+      </p:nvGrpSpPr>
+      <p:grpSpPr>
+        <a:xfrm>
+          <a:off x="0" y="0"/>
+          <a:ext cx="0" cy="0"/>
+          <a:chOff x="0" y="0"/>
+          <a:chExt cx="0" cy="0"/>
+        </a:xfrm>
+      </p:grpSpPr>
+      <p:sp>
+        <p:nvSpPr>
+          <p:cNvPr id="168" name="PlaceHolder 1"/>
+          <p:cNvSpPr>
+            <a:spLocks noGrp="1" noRot="1" noChangeAspect="1"/>
+          </p:cNvSpPr>
+          <p:nvPr>
+            <p:ph type="sldImg"/>
+          </p:nvPr>
+        </p:nvSpPr>
+        <p:spPr>
+          <a:xfrm>
+            <a:off x="1376363" y="1336675"/>
+            <a:ext cx="4803775" cy="3603625"/>
+          </a:xfrm>
+          <a:prstGeom prst="rect">
+            <a:avLst/>
+          </a:prstGeom>
+        </p:spPr>
+      </p:sp>
+      <p:sp>
+        <p:nvSpPr>
+          <p:cNvPr id="169" name="PlaceHolder 2"/>
+          <p:cNvSpPr>
+            <a:spLocks noGrp="1"/>
+          </p:cNvSpPr>
+          <p:nvPr>
+            <p:ph type="body" idx="1"/>
+          </p:nvPr>
+        </p:nvSpPr>
+        <p:spPr>
+          <a:xfrm>
+            <a:off x="756000" y="5145120"/>
+            <a:ext cx="6044040" cy="4206240"/>
+          </a:xfrm>
+          <a:prstGeom prst="rect">
+            <a:avLst/>
+          </a:prstGeom>
+        </p:spPr>
+        <p:txBody>
+          <a:bodyPr lIns="0" tIns="0" rIns="0" bIns="0"/>
+          <a:lstStyle/>
+          <a:p>
+            <a:endParaRPr lang="pt-BR" sz="2000" b="0" strike="noStrike" spc="-1">
+              <a:latin typeface="Arial" pitchFamily="34" charset="0"/>
+            </a:endParaRPr>
+          </a:p>
+        </p:txBody>
+      </p:sp>
+      <p:sp>
+        <p:nvSpPr>
+          <p:cNvPr id="170" name="CustomShape 3"/>
+          <p:cNvSpPr/>
+          <p:nvPr/>
+        </p:nvSpPr>
+        <p:spPr>
+          <a:xfrm>
+            <a:off x="0" y="10155240"/>
+            <a:ext cx="3272400" cy="532800"/>
+          </a:xfrm>
+          <a:prstGeom prst="rect">
+            <a:avLst/>
+          </a:prstGeom>
+          <a:noFill/>
+          <a:ln>
+            <a:noFill/>
+          </a:ln>
+        </p:spPr>
+        <p:style>
+          <a:lnRef idx="0">
+            <a:scrgbClr r="0" g="0" b="0"/>
+          </a:lnRef>
+          <a:fillRef idx="0">
+            <a:scrgbClr r="0" g="0" b="0"/>
+          </a:fillRef>
+          <a:effectRef idx="0">
+            <a:scrgbClr r="0" g="0" b="0"/>
+          </a:effectRef>
+          <a:fontRef idx="minor"/>
+        </p:style>
+        <p:txBody>
+          <a:bodyPr lIns="90000" tIns="45000" rIns="90000" bIns="45000" anchor="b"/>
+          <a:lstStyle/>
+          <a:p>
+            <a:pPr>
+              <a:lnSpc>
+                <a:spcPct val="100000"/>
+              </a:lnSpc>
+            </a:pPr>
+            <a:r>
+              <a:rPr lang="pt-BR" sz="1200" b="0" strike="noStrike" spc="-1">
+                <a:solidFill>
+                  <a:srgbClr val="000000"/>
+                </a:solidFill>
+                <a:latin typeface="Times New Roman"/>
+              </a:rPr>
+              <a:t>Prof. André Hochuli</a:t>
+            </a:r>
+            <a:endParaRPr lang="pt-BR" sz="1200" b="0" strike="noStrike" spc="-1">
+              <a:latin typeface="Arial" pitchFamily="34" charset="0"/>
+            </a:endParaRPr>
+          </a:p>
+        </p:txBody>
+      </p:sp>
+    </p:spTree>
+    <p:extLst>
+      <p:ext uri="{BB962C8B-B14F-4D97-AF65-F5344CB8AC3E}">
         <p14:creationId xmlns:p14="http://schemas.microsoft.com/office/powerpoint/2010/main" val="3209438064"/>
       </p:ext>
     </p:extLst>
@@ -2990,7 +3125,7 @@
 </p:notes>
 </file>
 
-<file path=ppt/notesSlides/notesSlide27.xml><?xml version="1.0" encoding="utf-8"?>
+<file path=ppt/notesSlides/notesSlide28.xml><?xml version="1.0" encoding="utf-8"?>
 <p:notes xmlns:a="http://schemas.openxmlformats.org/drawingml/2006/main" xmlns:r="http://schemas.openxmlformats.org/officeDocument/2006/relationships" xmlns:p="http://schemas.openxmlformats.org/presentationml/2006/main">
   <p:cSld>
     <p:spTree>
@@ -4052,7 +4187,7 @@
     </p:spTree>
     <p:extLst>
       <p:ext uri="{BB962C8B-B14F-4D97-AF65-F5344CB8AC3E}">
-        <p14:creationId xmlns:p14="http://schemas.microsoft.com/office/powerpoint/2010/main" val="2020497576"/>
+        <p14:creationId xmlns:p14="http://schemas.microsoft.com/office/powerpoint/2010/main" val="1152508027"/>
       </p:ext>
     </p:extLst>
   </p:cSld>
@@ -4231,7 +4366,7 @@
           <a:p>
             <a:fld id="{1E70C3DA-890E-403A-A394-12590D674BA9}" type="datetimeFigureOut">
               <a:rPr lang="en-US" smtClean="0"/>
-              <a:t>10/14/2022</a:t>
+              <a:t>10/15/2022</a:t>
             </a:fld>
             <a:endParaRPr lang="en-US"/>
           </a:p>
@@ -4394,7 +4529,7 @@
           <a:p>
             <a:fld id="{9C74593B-6BDF-43DE-A371-3B62B07974C5}" type="datetimeFigureOut">
               <a:rPr lang="en-US" smtClean="0"/>
-              <a:t>10/14/2022</a:t>
+              <a:t>10/15/2022</a:t>
             </a:fld>
             <a:endParaRPr lang="en-US"/>
           </a:p>
@@ -4557,7 +4692,7 @@
           <a:p>
             <a:fld id="{76DF1ECD-7B5D-4ED5-B354-B514CC2D989D}" type="datetimeFigureOut">
               <a:rPr lang="en-US" smtClean="0"/>
-              <a:t>10/14/2022</a:t>
+              <a:t>10/15/2022</a:t>
             </a:fld>
             <a:endParaRPr lang="en-US"/>
           </a:p>
@@ -5447,7 +5582,7 @@
           <a:p>
             <a:fld id="{10B7CD33-797B-40E9-B6C1-B200728C487E}" type="datetimeFigureOut">
               <a:rPr lang="en-US" smtClean="0"/>
-              <a:t>10/14/2022</a:t>
+              <a:t>10/15/2022</a:t>
             </a:fld>
             <a:endParaRPr lang="en-US"/>
           </a:p>
@@ -6795,7 +6930,7 @@
           <a:p>
             <a:fld id="{2CD2FFFD-5B9F-4330-9053-92D63BD29E49}" type="datetimeFigureOut">
               <a:rPr lang="en-US" smtClean="0"/>
-              <a:t>10/14/2022</a:t>
+              <a:t>10/15/2022</a:t>
             </a:fld>
             <a:endParaRPr lang="en-US"/>
           </a:p>
@@ -8051,7 +8186,7 @@
           <a:p>
             <a:fld id="{42016035-970B-46C4-B62F-D2A8CDEEA4EA}" type="datetimeFigureOut">
               <a:rPr lang="en-US" smtClean="0"/>
-              <a:t>10/14/2022</a:t>
+              <a:t>10/15/2022</a:t>
             </a:fld>
             <a:endParaRPr lang="en-US"/>
           </a:p>
@@ -8438,7 +8573,7 @@
           <a:p>
             <a:fld id="{32240F4E-B457-4DFF-8827-E4069535D59D}" type="datetimeFigureOut">
               <a:rPr lang="en-US" smtClean="0"/>
-              <a:t>10/14/2022</a:t>
+              <a:t>10/15/2022</a:t>
             </a:fld>
             <a:endParaRPr lang="en-US"/>
           </a:p>
@@ -8551,7 +8686,7 @@
           <a:p>
             <a:fld id="{CA948287-0DC0-4C23-A348-491CC4BB958F}" type="datetimeFigureOut">
               <a:rPr lang="en-US" smtClean="0"/>
-              <a:t>10/14/2022</a:t>
+              <a:t>10/15/2022</a:t>
             </a:fld>
             <a:endParaRPr lang="en-US"/>
           </a:p>
@@ -8642,7 +8777,7 @@
           <a:p>
             <a:fld id="{6945C689-0618-482C-BDF9-E83D2E9AA2B1}" type="datetimeFigureOut">
               <a:rPr lang="en-US" smtClean="0"/>
-              <a:t>10/14/2022</a:t>
+              <a:t>10/15/2022</a:t>
             </a:fld>
             <a:endParaRPr lang="en-US"/>
           </a:p>
@@ -8896,7 +9031,7 @@
           <a:p>
             <a:fld id="{A42121E0-F184-436A-92D2-2E2C43F2E7F2}" type="datetimeFigureOut">
               <a:rPr lang="en-US" smtClean="0"/>
-              <a:t>10/14/2022</a:t>
+              <a:t>10/15/2022</a:t>
             </a:fld>
             <a:endParaRPr lang="en-US"/>
           </a:p>
@@ -9128,7 +9263,7 @@
           <a:p>
             <a:fld id="{94909959-A17F-44CF-ABF3-4FB5CC832A25}" type="datetimeFigureOut">
               <a:rPr lang="en-US" smtClean="0"/>
-              <a:t>10/14/2022</a:t>
+              <a:t>10/15/2022</a:t>
             </a:fld>
             <a:endParaRPr lang="en-US"/>
           </a:p>
@@ -9334,7 +9469,7 @@
           <a:p>
             <a:fld id="{E8FD0B7A-F5DD-4F40-B4CB-3B2C354B893A}" type="datetimeFigureOut">
               <a:rPr lang="en-US" smtClean="0"/>
-              <a:t>10/14/2022</a:t>
+              <a:t>10/15/2022</a:t>
             </a:fld>
             <a:endParaRPr lang="en-US"/>
           </a:p>
@@ -12439,7 +12574,7 @@
                 </a:solidFill>
                 <a:latin typeface="Latin Modern Sans"/>
               </a:rPr>
-              <a:t>Modelos</a:t>
+              <a:t>Problema</a:t>
             </a:r>
             <a:r>
               <a:rPr lang="en-US" sz="3200" b="1" spc="-1" dirty="0">
@@ -12448,42 +12583,7 @@
                 </a:solidFill>
                 <a:latin typeface="Latin Modern Sans"/>
               </a:rPr>
-              <a:t> de </a:t>
-            </a:r>
-            <a:r>
-              <a:rPr lang="en-US" sz="3200" b="1" spc="-1" dirty="0" err="1">
-                <a:solidFill>
-                  <a:srgbClr val="FFFFFF"/>
-                </a:solidFill>
-                <a:latin typeface="Latin Modern Sans"/>
-              </a:rPr>
-              <a:t>Classificação</a:t>
-            </a:r>
-            <a:endParaRPr lang="en-US" sz="3200" b="1" spc="-1" dirty="0">
-              <a:solidFill>
-                <a:srgbClr val="FFFFFF"/>
-              </a:solidFill>
-              <a:latin typeface="Latin Modern Sans"/>
-            </a:endParaRPr>
-          </a:p>
-          <a:p>
-            <a:r>
-              <a:rPr lang="en-US" sz="3200" b="1" spc="-1" dirty="0">
-                <a:solidFill>
-                  <a:srgbClr val="FFFFFF"/>
-                </a:solidFill>
-                <a:latin typeface="Latin Modern Sans"/>
-              </a:rPr>
-              <a:t>K</a:t>
-            </a:r>
-            <a:r>
-              <a:rPr lang="en-US" sz="3200" b="1" strike="noStrike" spc="-1" dirty="0">
-                <a:solidFill>
-                  <a:srgbClr val="FFFFFF"/>
-                </a:solidFill>
-                <a:latin typeface="Latin Modern Sans"/>
-              </a:rPr>
-              <a:t>NN</a:t>
+              <a:t> </a:t>
             </a:r>
             <a:endParaRPr lang="en-US" sz="3200" b="0" strike="noStrike" spc="-1" dirty="0">
               <a:latin typeface="Arial" pitchFamily="34" charset="0"/>
@@ -12506,7 +12606,7 @@
         <p:spPr>
           <a:xfrm>
             <a:off x="200025" y="1742667"/>
-            <a:ext cx="9516375" cy="1477328"/>
+            <a:ext cx="9516375" cy="369332"/>
           </a:xfrm>
           <a:prstGeom prst="rect">
             <a:avLst/>
@@ -12618,22 +12718,933 @@
               <a:buChar char="•"/>
             </a:pPr>
             <a:r>
+              <a:rPr lang="en-US" dirty="0">
+                <a:latin typeface="Calibri" panose="020F0502020204030204" pitchFamily="34" charset="0"/>
+                <a:cs typeface="Calibri" panose="020F0502020204030204" pitchFamily="34" charset="0"/>
+              </a:rPr>
+              <a:t>Multi-Class </a:t>
+            </a:r>
+          </a:p>
+        </p:txBody>
+      </p:sp>
+      <p:pic>
+        <p:nvPicPr>
+          <p:cNvPr id="4" name="Imagem 3">
+            <a:extLst>
+              <a:ext uri="{FF2B5EF4-FFF2-40B4-BE49-F238E27FC236}">
+                <a16:creationId xmlns:a16="http://schemas.microsoft.com/office/drawing/2014/main" id="{6321143F-BCBA-5F7C-8CD6-6F9089C0E8A8}"/>
+              </a:ext>
+            </a:extLst>
+          </p:cNvPr>
+          <p:cNvPicPr>
+            <a:picLocks noChangeAspect="1"/>
+          </p:cNvPicPr>
+          <p:nvPr/>
+        </p:nvPicPr>
+        <p:blipFill>
+          <a:blip r:embed="rId3"/>
+          <a:stretch>
+            <a:fillRect/>
+          </a:stretch>
+        </p:blipFill>
+        <p:spPr>
+          <a:xfrm>
+            <a:off x="3752515" y="1730476"/>
+            <a:ext cx="2800350" cy="2277208"/>
+          </a:xfrm>
+          <a:prstGeom prst="rect">
+            <a:avLst/>
+          </a:prstGeom>
+        </p:spPr>
+      </p:pic>
+      <p:pic>
+        <p:nvPicPr>
+          <p:cNvPr id="7" name="Imagem 6">
+            <a:extLst>
+              <a:ext uri="{FF2B5EF4-FFF2-40B4-BE49-F238E27FC236}">
+                <a16:creationId xmlns:a16="http://schemas.microsoft.com/office/drawing/2014/main" id="{3F444AF5-2364-D745-42A2-546503E64A05}"/>
+              </a:ext>
+            </a:extLst>
+          </p:cNvPr>
+          <p:cNvPicPr>
+            <a:picLocks noChangeAspect="1"/>
+          </p:cNvPicPr>
+          <p:nvPr/>
+        </p:nvPicPr>
+        <p:blipFill>
+          <a:blip r:embed="rId4"/>
+          <a:stretch>
+            <a:fillRect/>
+          </a:stretch>
+        </p:blipFill>
+        <p:spPr>
+          <a:xfrm>
+            <a:off x="1016985" y="4112254"/>
+            <a:ext cx="8042430" cy="2670844"/>
+          </a:xfrm>
+          <a:prstGeom prst="rect">
+            <a:avLst/>
+          </a:prstGeom>
+        </p:spPr>
+      </p:pic>
+      <p:sp>
+        <p:nvSpPr>
+          <p:cNvPr id="5" name="CustomShape 3">
+            <a:extLst>
+              <a:ext uri="{FF2B5EF4-FFF2-40B4-BE49-F238E27FC236}">
+                <a16:creationId xmlns:a16="http://schemas.microsoft.com/office/drawing/2014/main" id="{14DC5279-5721-9C4D-AD5C-0120E8E3DF17}"/>
+              </a:ext>
+            </a:extLst>
+          </p:cNvPr>
+          <p:cNvSpPr/>
+          <p:nvPr/>
+        </p:nvSpPr>
+        <p:spPr>
+          <a:xfrm>
+            <a:off x="7608600" y="6886080"/>
+            <a:ext cx="2281680" cy="361440"/>
+          </a:xfrm>
+          <a:prstGeom prst="rect">
+            <a:avLst/>
+          </a:prstGeom>
+          <a:noFill/>
+          <a:ln>
+            <a:noFill/>
+          </a:ln>
+        </p:spPr>
+        <p:style>
+          <a:lnRef idx="0">
+            <a:scrgbClr r="0" g="0" b="0"/>
+          </a:lnRef>
+          <a:fillRef idx="0">
+            <a:scrgbClr r="0" g="0" b="0"/>
+          </a:fillRef>
+          <a:effectRef idx="0">
+            <a:scrgbClr r="0" g="0" b="0"/>
+          </a:effectRef>
+          <a:fontRef idx="minor"/>
+        </p:style>
+        <p:txBody>
+          <a:bodyPr lIns="90000" tIns="45000" rIns="90000" bIns="45000"/>
+          <a:lstStyle/>
+          <a:p>
+            <a:pPr>
+              <a:lnSpc>
+                <a:spcPct val="100000"/>
+              </a:lnSpc>
+            </a:pPr>
+            <a:r>
+              <a:rPr lang="pt-BR" sz="1800" b="0" strike="noStrike" spc="-1" dirty="0">
+                <a:solidFill>
+                  <a:srgbClr val="000000"/>
+                </a:solidFill>
+                <a:latin typeface="Arial"/>
+                <a:ea typeface="DejaVu Sans"/>
+              </a:rPr>
+              <a:t>Aula 04</a:t>
+            </a:r>
+            <a:endParaRPr lang="pt-BR" sz="1800" b="0" strike="noStrike" spc="-1" dirty="0">
+              <a:latin typeface="Arial"/>
+            </a:endParaRPr>
+          </a:p>
+        </p:txBody>
+      </p:sp>
+      <p:sp>
+        <p:nvSpPr>
+          <p:cNvPr id="6" name="CustomShape 2">
+            <a:extLst>
+              <a:ext uri="{FF2B5EF4-FFF2-40B4-BE49-F238E27FC236}">
+                <a16:creationId xmlns:a16="http://schemas.microsoft.com/office/drawing/2014/main" id="{610E0372-25B2-1ACA-C146-D1655DD130A7}"/>
+              </a:ext>
+            </a:extLst>
+          </p:cNvPr>
+          <p:cNvSpPr/>
+          <p:nvPr/>
+        </p:nvSpPr>
+        <p:spPr>
+          <a:xfrm>
+            <a:off x="897120" y="6886080"/>
+            <a:ext cx="6443640" cy="361440"/>
+          </a:xfrm>
+          <a:prstGeom prst="rect">
+            <a:avLst/>
+          </a:prstGeom>
+          <a:noFill/>
+          <a:ln>
+            <a:noFill/>
+          </a:ln>
+        </p:spPr>
+        <p:style>
+          <a:lnRef idx="0">
+            <a:scrgbClr r="0" g="0" b="0"/>
+          </a:lnRef>
+          <a:fillRef idx="0">
+            <a:scrgbClr r="0" g="0" b="0"/>
+          </a:fillRef>
+          <a:effectRef idx="0">
+            <a:scrgbClr r="0" g="0" b="0"/>
+          </a:effectRef>
+          <a:fontRef idx="minor"/>
+        </p:style>
+        <p:txBody>
+          <a:bodyPr lIns="90000" tIns="45000" rIns="90000" bIns="45000"/>
+          <a:lstStyle>
+            <a:defPPr>
+              <a:defRPr lang="pt-BR"/>
+            </a:defPPr>
+            <a:lvl1pPr marL="0" marR="0" indent="0" algn="l" defTabSz="914400" rtl="0" eaLnBrk="1" fontAlgn="auto" latinLnBrk="0" hangingPunct="1">
+              <a:lnSpc>
+                <a:spcPct val="100000"/>
+              </a:lnSpc>
+              <a:spcBef>
+                <a:spcPct val="0"/>
+              </a:spcBef>
+              <a:spcAft>
+                <a:spcPct val="0"/>
+              </a:spcAft>
+              <a:buClrTx/>
+              <a:buSzTx/>
+              <a:buFontTx/>
+              <a:buNone/>
+              <a:defRPr kumimoji="0" sz="1800" b="0" i="0" u="none" strike="noStrike" kern="1200" cap="none" spc="0" normalizeH="0" baseline="0" noProof="0">
+                <a:solidFill>
+                  <a:schemeClr val="tx1"/>
+                </a:solidFill>
+                <a:uLnTx/>
+                <a:uFillTx/>
+                <a:latin typeface="Arial" pitchFamily="34" charset="0"/>
+                <a:ea typeface="DejaVu Sans"/>
+                <a:cs typeface="DejaVu Sans"/>
+                <a:sym typeface="Wingdings" charset="2"/>
+              </a:defRPr>
+            </a:lvl1pPr>
+            <a:lvl2pPr marL="457200" marR="0" indent="0" algn="l" defTabSz="914400" rtl="0" eaLnBrk="1" fontAlgn="auto" latinLnBrk="0" hangingPunct="1">
+              <a:lnSpc>
+                <a:spcPct val="100000"/>
+              </a:lnSpc>
+              <a:spcBef>
+                <a:spcPct val="0"/>
+              </a:spcBef>
+              <a:spcAft>
+                <a:spcPct val="0"/>
+              </a:spcAft>
+              <a:buClrTx/>
+              <a:buSzTx/>
+              <a:buFontTx/>
+              <a:buNone/>
+              <a:defRPr kumimoji="0" sz="1800" b="0" i="0" u="none" strike="noStrike" kern="1200" cap="none" spc="0" normalizeH="0" baseline="0" noProof="0">
+                <a:solidFill>
+                  <a:schemeClr val="tx1"/>
+                </a:solidFill>
+                <a:uLnTx/>
+                <a:uFillTx/>
+                <a:latin typeface="Arial" pitchFamily="34" charset="0"/>
+                <a:ea typeface="DejaVu Sans"/>
+                <a:cs typeface="DejaVu Sans"/>
+                <a:sym typeface="Wingdings" charset="2"/>
+              </a:defRPr>
+            </a:lvl2pPr>
+            <a:lvl3pPr marL="914400" marR="0" indent="0" algn="l" defTabSz="914400" rtl="0" eaLnBrk="1" fontAlgn="auto" latinLnBrk="0" hangingPunct="1">
+              <a:lnSpc>
+                <a:spcPct val="100000"/>
+              </a:lnSpc>
+              <a:spcBef>
+                <a:spcPct val="0"/>
+              </a:spcBef>
+              <a:spcAft>
+                <a:spcPct val="0"/>
+              </a:spcAft>
+              <a:buClrTx/>
+              <a:buSzTx/>
+              <a:buFontTx/>
+              <a:buNone/>
+              <a:defRPr kumimoji="0" sz="1800" b="0" i="0" u="none" strike="noStrike" kern="1200" cap="none" spc="0" normalizeH="0" baseline="0" noProof="0">
+                <a:solidFill>
+                  <a:schemeClr val="tx1"/>
+                </a:solidFill>
+                <a:uLnTx/>
+                <a:uFillTx/>
+                <a:latin typeface="Arial" pitchFamily="34" charset="0"/>
+                <a:ea typeface="DejaVu Sans"/>
+                <a:cs typeface="DejaVu Sans"/>
+                <a:sym typeface="Wingdings" charset="2"/>
+              </a:defRPr>
+            </a:lvl3pPr>
+            <a:lvl4pPr marL="1371600" marR="0" indent="0" algn="l" defTabSz="914400" rtl="0" eaLnBrk="1" fontAlgn="auto" latinLnBrk="0" hangingPunct="1">
+              <a:lnSpc>
+                <a:spcPct val="100000"/>
+              </a:lnSpc>
+              <a:spcBef>
+                <a:spcPct val="0"/>
+              </a:spcBef>
+              <a:spcAft>
+                <a:spcPct val="0"/>
+              </a:spcAft>
+              <a:buClrTx/>
+              <a:buSzTx/>
+              <a:buFontTx/>
+              <a:buNone/>
+              <a:defRPr kumimoji="0" sz="1800" b="0" i="0" u="none" strike="noStrike" kern="1200" cap="none" spc="0" normalizeH="0" baseline="0" noProof="0">
+                <a:solidFill>
+                  <a:schemeClr val="tx1"/>
+                </a:solidFill>
+                <a:uLnTx/>
+                <a:uFillTx/>
+                <a:latin typeface="Arial" pitchFamily="34" charset="0"/>
+                <a:ea typeface="DejaVu Sans"/>
+                <a:cs typeface="DejaVu Sans"/>
+                <a:sym typeface="Wingdings" charset="2"/>
+              </a:defRPr>
+            </a:lvl4pPr>
+            <a:lvl5pPr marL="1828800" marR="0" indent="0" algn="l" defTabSz="914400" rtl="0" eaLnBrk="1" fontAlgn="auto" latinLnBrk="0" hangingPunct="1">
+              <a:lnSpc>
+                <a:spcPct val="100000"/>
+              </a:lnSpc>
+              <a:spcBef>
+                <a:spcPct val="0"/>
+              </a:spcBef>
+              <a:spcAft>
+                <a:spcPct val="0"/>
+              </a:spcAft>
+              <a:buClrTx/>
+              <a:buSzTx/>
+              <a:buFontTx/>
+              <a:buNone/>
+              <a:defRPr kumimoji="0" sz="1800" b="0" i="0" u="none" strike="noStrike" kern="1200" cap="none" spc="0" normalizeH="0" baseline="0" noProof="0">
+                <a:solidFill>
+                  <a:schemeClr val="tx1"/>
+                </a:solidFill>
+                <a:uLnTx/>
+                <a:uFillTx/>
+                <a:latin typeface="Arial" pitchFamily="34" charset="0"/>
+                <a:ea typeface="DejaVu Sans"/>
+                <a:cs typeface="DejaVu Sans"/>
+                <a:sym typeface="Wingdings" charset="2"/>
+              </a:defRPr>
+            </a:lvl5pPr>
+            <a:lvl6pPr marL="2286000" marR="0" indent="0" algn="l" defTabSz="914400" rtl="0" eaLnBrk="1" fontAlgn="auto" latinLnBrk="0" hangingPunct="1">
+              <a:lnSpc>
+                <a:spcPct val="100000"/>
+              </a:lnSpc>
+              <a:spcBef>
+                <a:spcPct val="0"/>
+              </a:spcBef>
+              <a:spcAft>
+                <a:spcPct val="0"/>
+              </a:spcAft>
+              <a:buClrTx/>
+              <a:buSzTx/>
+              <a:buFontTx/>
+              <a:buNone/>
+              <a:defRPr kumimoji="0" sz="1800" b="0" i="0" u="none" strike="noStrike" kern="1200" cap="none" spc="0" normalizeH="0" baseline="0" noProof="0">
+                <a:solidFill>
+                  <a:schemeClr val="tx1"/>
+                </a:solidFill>
+                <a:uLnTx/>
+                <a:uFillTx/>
+                <a:latin typeface="Arial" pitchFamily="34" charset="0"/>
+                <a:ea typeface="DejaVu Sans"/>
+                <a:cs typeface="DejaVu Sans"/>
+                <a:sym typeface="Wingdings" charset="2"/>
+              </a:defRPr>
+            </a:lvl6pPr>
+            <a:lvl7pPr marL="2743200" marR="0" indent="0" algn="l" defTabSz="914400" rtl="0" eaLnBrk="1" fontAlgn="auto" latinLnBrk="0" hangingPunct="1">
+              <a:lnSpc>
+                <a:spcPct val="100000"/>
+              </a:lnSpc>
+              <a:spcBef>
+                <a:spcPct val="0"/>
+              </a:spcBef>
+              <a:spcAft>
+                <a:spcPct val="0"/>
+              </a:spcAft>
+              <a:buClrTx/>
+              <a:buSzTx/>
+              <a:buFontTx/>
+              <a:buNone/>
+              <a:defRPr kumimoji="0" sz="1800" b="0" i="0" u="none" strike="noStrike" kern="1200" cap="none" spc="0" normalizeH="0" baseline="0" noProof="0">
+                <a:solidFill>
+                  <a:schemeClr val="tx1"/>
+                </a:solidFill>
+                <a:uLnTx/>
+                <a:uFillTx/>
+                <a:latin typeface="Arial" pitchFamily="34" charset="0"/>
+                <a:ea typeface="DejaVu Sans"/>
+                <a:cs typeface="DejaVu Sans"/>
+                <a:sym typeface="Wingdings" charset="2"/>
+              </a:defRPr>
+            </a:lvl7pPr>
+            <a:lvl8pPr marL="3200400" marR="0" indent="0" algn="l" defTabSz="914400" rtl="0" eaLnBrk="1" fontAlgn="auto" latinLnBrk="0" hangingPunct="1">
+              <a:lnSpc>
+                <a:spcPct val="100000"/>
+              </a:lnSpc>
+              <a:spcBef>
+                <a:spcPct val="0"/>
+              </a:spcBef>
+              <a:spcAft>
+                <a:spcPct val="0"/>
+              </a:spcAft>
+              <a:buClrTx/>
+              <a:buSzTx/>
+              <a:buFontTx/>
+              <a:buNone/>
+              <a:defRPr kumimoji="0" sz="1800" b="0" i="0" u="none" strike="noStrike" kern="1200" cap="none" spc="0" normalizeH="0" baseline="0" noProof="0">
+                <a:solidFill>
+                  <a:schemeClr val="tx1"/>
+                </a:solidFill>
+                <a:uLnTx/>
+                <a:uFillTx/>
+                <a:latin typeface="Arial" pitchFamily="34" charset="0"/>
+                <a:ea typeface="DejaVu Sans"/>
+                <a:cs typeface="DejaVu Sans"/>
+                <a:sym typeface="Wingdings" charset="2"/>
+              </a:defRPr>
+            </a:lvl8pPr>
+            <a:lvl9pPr marL="3657600" marR="0" indent="0" algn="l" defTabSz="914400" rtl="0" eaLnBrk="1" fontAlgn="auto" latinLnBrk="0" hangingPunct="1">
+              <a:lnSpc>
+                <a:spcPct val="100000"/>
+              </a:lnSpc>
+              <a:spcBef>
+                <a:spcPct val="0"/>
+              </a:spcBef>
+              <a:spcAft>
+                <a:spcPct val="0"/>
+              </a:spcAft>
+              <a:buClrTx/>
+              <a:buSzTx/>
+              <a:buFontTx/>
+              <a:buNone/>
+              <a:defRPr kumimoji="0" sz="1800" b="0" i="0" u="none" strike="noStrike" kern="1200" cap="none" spc="0" normalizeH="0" baseline="0" noProof="0">
+                <a:solidFill>
+                  <a:schemeClr val="tx1"/>
+                </a:solidFill>
+                <a:uLnTx/>
+                <a:uFillTx/>
+                <a:latin typeface="Arial" pitchFamily="34" charset="0"/>
+                <a:ea typeface="DejaVu Sans"/>
+                <a:cs typeface="DejaVu Sans"/>
+                <a:sym typeface="Wingdings" charset="2"/>
+              </a:defRPr>
+            </a:lvl9pPr>
+          </a:lstStyle>
+          <a:p>
+            <a:pPr>
+              <a:lnSpc>
+                <a:spcPct val="100000"/>
+              </a:lnSpc>
+            </a:pPr>
+            <a:r>
+              <a:rPr lang="pt-BR" sz="1800" b="0" strike="noStrike" spc="-1" dirty="0">
+                <a:solidFill>
+                  <a:srgbClr val="000000"/>
+                </a:solidFill>
+                <a:latin typeface="Arial" pitchFamily="34" charset="0"/>
+                <a:ea typeface="DejaVu Sans"/>
+              </a:rPr>
+              <a:t>Visão Computacional - Prof. André Hochuli</a:t>
+            </a:r>
+            <a:endParaRPr lang="pt-BR" sz="1800" b="0" strike="noStrike" spc="-1" dirty="0">
+              <a:latin typeface="Arial" pitchFamily="34" charset="0"/>
+            </a:endParaRPr>
+          </a:p>
+        </p:txBody>
+      </p:sp>
+    </p:spTree>
+    <p:extLst>
+      <p:ext uri="{BB962C8B-B14F-4D97-AF65-F5344CB8AC3E}">
+        <p14:creationId xmlns:p14="http://schemas.microsoft.com/office/powerpoint/2010/main" val="487614696"/>
+      </p:ext>
+    </p:extLst>
+  </p:cSld>
+  <p:clrMapOvr>
+    <a:masterClrMapping/>
+  </p:clrMapOvr>
+  <p:transition/>
+</p:sld>
+</file>
+
+<file path=ppt/slides/slide11.xml><?xml version="1.0" encoding="utf-8"?>
+<p:sld xmlns:a="http://schemas.openxmlformats.org/drawingml/2006/main" xmlns:r="http://schemas.openxmlformats.org/officeDocument/2006/relationships" xmlns:p="http://schemas.openxmlformats.org/presentationml/2006/main">
+  <p:cSld>
+    <p:spTree>
+      <p:nvGrpSpPr>
+        <p:cNvPr id="1" name=""/>
+        <p:cNvGrpSpPr/>
+        <p:nvPr/>
+      </p:nvGrpSpPr>
+      <p:grpSpPr>
+        <a:xfrm>
+          <a:off x="0" y="0"/>
+          <a:ext cx="0" cy="0"/>
+          <a:chOff x="0" y="0"/>
+          <a:chExt cx="0" cy="0"/>
+        </a:xfrm>
+      </p:grpSpPr>
+      <p:sp>
+        <p:nvSpPr>
+          <p:cNvPr id="99" name="CustomShape 1"/>
+          <p:cNvSpPr/>
+          <p:nvPr/>
+        </p:nvSpPr>
+        <p:spPr>
+          <a:xfrm>
+            <a:off x="360000" y="360000"/>
+            <a:ext cx="9356400" cy="896400"/>
+          </a:xfrm>
+          <a:prstGeom prst="rect">
+            <a:avLst/>
+          </a:prstGeom>
+          <a:noFill/>
+          <a:ln>
+            <a:noFill/>
+          </a:ln>
+        </p:spPr>
+        <p:style>
+          <a:lnRef idx="0">
+            <a:scrgbClr r="0" g="0" b="0"/>
+          </a:lnRef>
+          <a:fillRef idx="0">
+            <a:scrgbClr r="0" g="0" b="0"/>
+          </a:fillRef>
+          <a:effectRef idx="0">
+            <a:scrgbClr r="0" g="0" b="0"/>
+          </a:effectRef>
+          <a:fontRef idx="minor"/>
+        </p:style>
+        <p:txBody>
+          <a:bodyPr lIns="0" tIns="0" rIns="0" bIns="0" anchor="b"/>
+          <a:lstStyle>
+            <a:defPPr>
+              <a:defRPr lang="pt-BR"/>
+            </a:defPPr>
+            <a:lvl1pPr marL="0" marR="0" indent="0" algn="l" defTabSz="914400" rtl="0" eaLnBrk="1" fontAlgn="auto" latinLnBrk="0" hangingPunct="1">
+              <a:lnSpc>
+                <a:spcPct val="100000"/>
+              </a:lnSpc>
+              <a:spcBef>
+                <a:spcPct val="0"/>
+              </a:spcBef>
+              <a:spcAft>
+                <a:spcPct val="0"/>
+              </a:spcAft>
+              <a:buClrTx/>
+              <a:buSzTx/>
+              <a:buFontTx/>
+              <a:buNone/>
+              <a:defRPr kumimoji="0" sz="1800" b="0" i="0" u="none" strike="noStrike" kern="1200" cap="none" spc="0" normalizeH="0" baseline="0" noProof="0">
+                <a:solidFill>
+                  <a:schemeClr val="tx1"/>
+                </a:solidFill>
+                <a:uLnTx/>
+                <a:uFillTx/>
+                <a:latin typeface="Arial" pitchFamily="34" charset="0"/>
+                <a:ea typeface="DejaVu Sans"/>
+                <a:cs typeface="DejaVu Sans"/>
+                <a:sym typeface="Wingdings" charset="2"/>
+              </a:defRPr>
+            </a:lvl1pPr>
+            <a:lvl2pPr marL="457200" marR="0" indent="0" algn="l" defTabSz="914400" rtl="0" eaLnBrk="1" fontAlgn="auto" latinLnBrk="0" hangingPunct="1">
+              <a:lnSpc>
+                <a:spcPct val="100000"/>
+              </a:lnSpc>
+              <a:spcBef>
+                <a:spcPct val="0"/>
+              </a:spcBef>
+              <a:spcAft>
+                <a:spcPct val="0"/>
+              </a:spcAft>
+              <a:buClrTx/>
+              <a:buSzTx/>
+              <a:buFontTx/>
+              <a:buNone/>
+              <a:defRPr kumimoji="0" sz="1800" b="0" i="0" u="none" strike="noStrike" kern="1200" cap="none" spc="0" normalizeH="0" baseline="0" noProof="0">
+                <a:solidFill>
+                  <a:schemeClr val="tx1"/>
+                </a:solidFill>
+                <a:uLnTx/>
+                <a:uFillTx/>
+                <a:latin typeface="Arial" pitchFamily="34" charset="0"/>
+                <a:ea typeface="DejaVu Sans"/>
+                <a:cs typeface="DejaVu Sans"/>
+                <a:sym typeface="Wingdings" charset="2"/>
+              </a:defRPr>
+            </a:lvl2pPr>
+            <a:lvl3pPr marL="914400" marR="0" indent="0" algn="l" defTabSz="914400" rtl="0" eaLnBrk="1" fontAlgn="auto" latinLnBrk="0" hangingPunct="1">
+              <a:lnSpc>
+                <a:spcPct val="100000"/>
+              </a:lnSpc>
+              <a:spcBef>
+                <a:spcPct val="0"/>
+              </a:spcBef>
+              <a:spcAft>
+                <a:spcPct val="0"/>
+              </a:spcAft>
+              <a:buClrTx/>
+              <a:buSzTx/>
+              <a:buFontTx/>
+              <a:buNone/>
+              <a:defRPr kumimoji="0" sz="1800" b="0" i="0" u="none" strike="noStrike" kern="1200" cap="none" spc="0" normalizeH="0" baseline="0" noProof="0">
+                <a:solidFill>
+                  <a:schemeClr val="tx1"/>
+                </a:solidFill>
+                <a:uLnTx/>
+                <a:uFillTx/>
+                <a:latin typeface="Arial" pitchFamily="34" charset="0"/>
+                <a:ea typeface="DejaVu Sans"/>
+                <a:cs typeface="DejaVu Sans"/>
+                <a:sym typeface="Wingdings" charset="2"/>
+              </a:defRPr>
+            </a:lvl3pPr>
+            <a:lvl4pPr marL="1371600" marR="0" indent="0" algn="l" defTabSz="914400" rtl="0" eaLnBrk="1" fontAlgn="auto" latinLnBrk="0" hangingPunct="1">
+              <a:lnSpc>
+                <a:spcPct val="100000"/>
+              </a:lnSpc>
+              <a:spcBef>
+                <a:spcPct val="0"/>
+              </a:spcBef>
+              <a:spcAft>
+                <a:spcPct val="0"/>
+              </a:spcAft>
+              <a:buClrTx/>
+              <a:buSzTx/>
+              <a:buFontTx/>
+              <a:buNone/>
+              <a:defRPr kumimoji="0" sz="1800" b="0" i="0" u="none" strike="noStrike" kern="1200" cap="none" spc="0" normalizeH="0" baseline="0" noProof="0">
+                <a:solidFill>
+                  <a:schemeClr val="tx1"/>
+                </a:solidFill>
+                <a:uLnTx/>
+                <a:uFillTx/>
+                <a:latin typeface="Arial" pitchFamily="34" charset="0"/>
+                <a:ea typeface="DejaVu Sans"/>
+                <a:cs typeface="DejaVu Sans"/>
+                <a:sym typeface="Wingdings" charset="2"/>
+              </a:defRPr>
+            </a:lvl4pPr>
+            <a:lvl5pPr marL="1828800" marR="0" indent="0" algn="l" defTabSz="914400" rtl="0" eaLnBrk="1" fontAlgn="auto" latinLnBrk="0" hangingPunct="1">
+              <a:lnSpc>
+                <a:spcPct val="100000"/>
+              </a:lnSpc>
+              <a:spcBef>
+                <a:spcPct val="0"/>
+              </a:spcBef>
+              <a:spcAft>
+                <a:spcPct val="0"/>
+              </a:spcAft>
+              <a:buClrTx/>
+              <a:buSzTx/>
+              <a:buFontTx/>
+              <a:buNone/>
+              <a:defRPr kumimoji="0" sz="1800" b="0" i="0" u="none" strike="noStrike" kern="1200" cap="none" spc="0" normalizeH="0" baseline="0" noProof="0">
+                <a:solidFill>
+                  <a:schemeClr val="tx1"/>
+                </a:solidFill>
+                <a:uLnTx/>
+                <a:uFillTx/>
+                <a:latin typeface="Arial" pitchFamily="34" charset="0"/>
+                <a:ea typeface="DejaVu Sans"/>
+                <a:cs typeface="DejaVu Sans"/>
+                <a:sym typeface="Wingdings" charset="2"/>
+              </a:defRPr>
+            </a:lvl5pPr>
+            <a:lvl6pPr marL="2286000" marR="0" indent="0" algn="l" defTabSz="914400" rtl="0" eaLnBrk="1" fontAlgn="auto" latinLnBrk="0" hangingPunct="1">
+              <a:lnSpc>
+                <a:spcPct val="100000"/>
+              </a:lnSpc>
+              <a:spcBef>
+                <a:spcPct val="0"/>
+              </a:spcBef>
+              <a:spcAft>
+                <a:spcPct val="0"/>
+              </a:spcAft>
+              <a:buClrTx/>
+              <a:buSzTx/>
+              <a:buFontTx/>
+              <a:buNone/>
+              <a:defRPr kumimoji="0" sz="1800" b="0" i="0" u="none" strike="noStrike" kern="1200" cap="none" spc="0" normalizeH="0" baseline="0" noProof="0">
+                <a:solidFill>
+                  <a:schemeClr val="tx1"/>
+                </a:solidFill>
+                <a:uLnTx/>
+                <a:uFillTx/>
+                <a:latin typeface="Arial" pitchFamily="34" charset="0"/>
+                <a:ea typeface="DejaVu Sans"/>
+                <a:cs typeface="DejaVu Sans"/>
+                <a:sym typeface="Wingdings" charset="2"/>
+              </a:defRPr>
+            </a:lvl6pPr>
+            <a:lvl7pPr marL="2743200" marR="0" indent="0" algn="l" defTabSz="914400" rtl="0" eaLnBrk="1" fontAlgn="auto" latinLnBrk="0" hangingPunct="1">
+              <a:lnSpc>
+                <a:spcPct val="100000"/>
+              </a:lnSpc>
+              <a:spcBef>
+                <a:spcPct val="0"/>
+              </a:spcBef>
+              <a:spcAft>
+                <a:spcPct val="0"/>
+              </a:spcAft>
+              <a:buClrTx/>
+              <a:buSzTx/>
+              <a:buFontTx/>
+              <a:buNone/>
+              <a:defRPr kumimoji="0" sz="1800" b="0" i="0" u="none" strike="noStrike" kern="1200" cap="none" spc="0" normalizeH="0" baseline="0" noProof="0">
+                <a:solidFill>
+                  <a:schemeClr val="tx1"/>
+                </a:solidFill>
+                <a:uLnTx/>
+                <a:uFillTx/>
+                <a:latin typeface="Arial" pitchFamily="34" charset="0"/>
+                <a:ea typeface="DejaVu Sans"/>
+                <a:cs typeface="DejaVu Sans"/>
+                <a:sym typeface="Wingdings" charset="2"/>
+              </a:defRPr>
+            </a:lvl7pPr>
+            <a:lvl8pPr marL="3200400" marR="0" indent="0" algn="l" defTabSz="914400" rtl="0" eaLnBrk="1" fontAlgn="auto" latinLnBrk="0" hangingPunct="1">
+              <a:lnSpc>
+                <a:spcPct val="100000"/>
+              </a:lnSpc>
+              <a:spcBef>
+                <a:spcPct val="0"/>
+              </a:spcBef>
+              <a:spcAft>
+                <a:spcPct val="0"/>
+              </a:spcAft>
+              <a:buClrTx/>
+              <a:buSzTx/>
+              <a:buFontTx/>
+              <a:buNone/>
+              <a:defRPr kumimoji="0" sz="1800" b="0" i="0" u="none" strike="noStrike" kern="1200" cap="none" spc="0" normalizeH="0" baseline="0" noProof="0">
+                <a:solidFill>
+                  <a:schemeClr val="tx1"/>
+                </a:solidFill>
+                <a:uLnTx/>
+                <a:uFillTx/>
+                <a:latin typeface="Arial" pitchFamily="34" charset="0"/>
+                <a:ea typeface="DejaVu Sans"/>
+                <a:cs typeface="DejaVu Sans"/>
+                <a:sym typeface="Wingdings" charset="2"/>
+              </a:defRPr>
+            </a:lvl8pPr>
+            <a:lvl9pPr marL="3657600" marR="0" indent="0" algn="l" defTabSz="914400" rtl="0" eaLnBrk="1" fontAlgn="auto" latinLnBrk="0" hangingPunct="1">
+              <a:lnSpc>
+                <a:spcPct val="100000"/>
+              </a:lnSpc>
+              <a:spcBef>
+                <a:spcPct val="0"/>
+              </a:spcBef>
+              <a:spcAft>
+                <a:spcPct val="0"/>
+              </a:spcAft>
+              <a:buClrTx/>
+              <a:buSzTx/>
+              <a:buFontTx/>
+              <a:buNone/>
+              <a:defRPr kumimoji="0" sz="1800" b="0" i="0" u="none" strike="noStrike" kern="1200" cap="none" spc="0" normalizeH="0" baseline="0" noProof="0">
+                <a:solidFill>
+                  <a:schemeClr val="tx1"/>
+                </a:solidFill>
+                <a:uLnTx/>
+                <a:uFillTx/>
+                <a:latin typeface="Arial" pitchFamily="34" charset="0"/>
+                <a:ea typeface="DejaVu Sans"/>
+                <a:cs typeface="DejaVu Sans"/>
+                <a:sym typeface="Wingdings" charset="2"/>
+              </a:defRPr>
+            </a:lvl9pPr>
+          </a:lstStyle>
+          <a:p>
+            <a:r>
+              <a:rPr lang="en-US" sz="3200" b="1" spc="-1" dirty="0" err="1">
+                <a:solidFill>
+                  <a:srgbClr val="FFFFFF"/>
+                </a:solidFill>
+                <a:latin typeface="Latin Modern Sans"/>
+              </a:rPr>
+              <a:t>Modelos</a:t>
+            </a:r>
+            <a:r>
+              <a:rPr lang="en-US" sz="3200" b="1" spc="-1" dirty="0">
+                <a:solidFill>
+                  <a:srgbClr val="FFFFFF"/>
+                </a:solidFill>
+                <a:latin typeface="Latin Modern Sans"/>
+              </a:rPr>
+              <a:t> de </a:t>
+            </a:r>
+            <a:r>
+              <a:rPr lang="en-US" sz="3200" b="1" spc="-1" dirty="0" err="1">
+                <a:solidFill>
+                  <a:srgbClr val="FFFFFF"/>
+                </a:solidFill>
+                <a:latin typeface="Latin Modern Sans"/>
+              </a:rPr>
+              <a:t>Classificação</a:t>
+            </a:r>
+            <a:endParaRPr lang="en-US" sz="3200" b="1" spc="-1" dirty="0">
+              <a:solidFill>
+                <a:srgbClr val="FFFFFF"/>
+              </a:solidFill>
+              <a:latin typeface="Latin Modern Sans"/>
+            </a:endParaRPr>
+          </a:p>
+          <a:p>
+            <a:r>
+              <a:rPr lang="en-US" sz="3200" b="1" spc="-1" dirty="0">
+                <a:solidFill>
+                  <a:srgbClr val="FFFFFF"/>
+                </a:solidFill>
+                <a:latin typeface="Latin Modern Sans"/>
+              </a:rPr>
+              <a:t>K</a:t>
+            </a:r>
+            <a:r>
+              <a:rPr lang="en-US" sz="3200" b="1" strike="noStrike" spc="-1" dirty="0">
+                <a:solidFill>
+                  <a:srgbClr val="FFFFFF"/>
+                </a:solidFill>
+                <a:latin typeface="Latin Modern Sans"/>
+              </a:rPr>
+              <a:t>NN</a:t>
+            </a:r>
+            <a:endParaRPr lang="en-US" sz="3200" b="0" strike="noStrike" spc="-1" dirty="0">
+              <a:latin typeface="Arial" pitchFamily="34" charset="0"/>
+            </a:endParaRPr>
+          </a:p>
+        </p:txBody>
+      </p:sp>
+      <p:sp>
+        <p:nvSpPr>
+          <p:cNvPr id="2" name="CaixaDeTexto 1">
+            <a:extLst>
+              <a:ext uri="{FF2B5EF4-FFF2-40B4-BE49-F238E27FC236}">
+                <a16:creationId xmlns:a16="http://schemas.microsoft.com/office/drawing/2014/main" id="{D744B707-1B4A-5A5F-CC17-5C9D8382FBD9}"/>
+              </a:ext>
+            </a:extLst>
+          </p:cNvPr>
+          <p:cNvSpPr txBox="1"/>
+          <p:nvPr/>
+        </p:nvSpPr>
+        <p:spPr>
+          <a:xfrm>
+            <a:off x="200025" y="1742667"/>
+            <a:ext cx="9516375" cy="923330"/>
+          </a:xfrm>
+          <a:prstGeom prst="rect">
+            <a:avLst/>
+          </a:prstGeom>
+          <a:noFill/>
+        </p:spPr>
+        <p:txBody>
+          <a:bodyPr wrap="square" rtlCol="0">
+            <a:spAutoFit/>
+          </a:bodyPr>
+          <a:lstStyle>
+            <a:defPPr>
+              <a:defRPr lang="pt-BR"/>
+            </a:defPPr>
+            <a:lvl1pPr marL="0" algn="l" defTabSz="914400" rtl="0" eaLnBrk="1" latinLnBrk="0" hangingPunct="1">
+              <a:defRPr sz="1800" kern="1200">
+                <a:solidFill>
+                  <a:schemeClr val="tx1"/>
+                </a:solidFill>
+                <a:latin typeface="Arial" pitchFamily="34" charset="0"/>
+                <a:ea typeface="DejaVu Sans"/>
+                <a:cs typeface="DejaVu Sans"/>
+              </a:defRPr>
+            </a:lvl1pPr>
+            <a:lvl2pPr marL="457200" algn="l" defTabSz="914400" rtl="0" eaLnBrk="1" latinLnBrk="0" hangingPunct="1">
+              <a:defRPr sz="1800" kern="1200">
+                <a:solidFill>
+                  <a:schemeClr val="tx1"/>
+                </a:solidFill>
+                <a:latin typeface="Arial" pitchFamily="34" charset="0"/>
+                <a:ea typeface="DejaVu Sans"/>
+                <a:cs typeface="DejaVu Sans"/>
+              </a:defRPr>
+            </a:lvl2pPr>
+            <a:lvl3pPr marL="914400" algn="l" defTabSz="914400" rtl="0" eaLnBrk="1" latinLnBrk="0" hangingPunct="1">
+              <a:defRPr sz="1800" kern="1200">
+                <a:solidFill>
+                  <a:schemeClr val="tx1"/>
+                </a:solidFill>
+                <a:latin typeface="Arial" pitchFamily="34" charset="0"/>
+                <a:ea typeface="DejaVu Sans"/>
+                <a:cs typeface="DejaVu Sans"/>
+              </a:defRPr>
+            </a:lvl3pPr>
+            <a:lvl4pPr marL="1371600" algn="l" defTabSz="914400" rtl="0" eaLnBrk="1" latinLnBrk="0" hangingPunct="1">
+              <a:defRPr sz="1800" kern="1200">
+                <a:solidFill>
+                  <a:schemeClr val="tx1"/>
+                </a:solidFill>
+                <a:latin typeface="Arial" pitchFamily="34" charset="0"/>
+                <a:ea typeface="DejaVu Sans"/>
+                <a:cs typeface="DejaVu Sans"/>
+              </a:defRPr>
+            </a:lvl4pPr>
+            <a:lvl5pPr marL="1828800" algn="l" defTabSz="914400" rtl="0" eaLnBrk="1" latinLnBrk="0" hangingPunct="1">
+              <a:defRPr sz="1800" kern="1200">
+                <a:solidFill>
+                  <a:schemeClr val="tx1"/>
+                </a:solidFill>
+                <a:latin typeface="Arial" pitchFamily="34" charset="0"/>
+                <a:ea typeface="DejaVu Sans"/>
+                <a:cs typeface="DejaVu Sans"/>
+              </a:defRPr>
+            </a:lvl5pPr>
+            <a:lvl6pPr marL="2286000" algn="l" defTabSz="914400" rtl="0" eaLnBrk="1" latinLnBrk="0" hangingPunct="1">
+              <a:defRPr sz="1800" kern="1200">
+                <a:solidFill>
+                  <a:schemeClr val="tx1"/>
+                </a:solidFill>
+                <a:latin typeface="Arial" pitchFamily="34" charset="0"/>
+                <a:ea typeface="DejaVu Sans"/>
+                <a:cs typeface="DejaVu Sans"/>
+              </a:defRPr>
+            </a:lvl6pPr>
+            <a:lvl7pPr marL="2743200" algn="l" defTabSz="914400" rtl="0" eaLnBrk="1" latinLnBrk="0" hangingPunct="1">
+              <a:defRPr sz="1800" kern="1200">
+                <a:solidFill>
+                  <a:schemeClr val="tx1"/>
+                </a:solidFill>
+                <a:latin typeface="Arial" pitchFamily="34" charset="0"/>
+                <a:ea typeface="DejaVu Sans"/>
+                <a:cs typeface="DejaVu Sans"/>
+              </a:defRPr>
+            </a:lvl7pPr>
+            <a:lvl8pPr marL="3200400" algn="l" defTabSz="914400" rtl="0" eaLnBrk="1" latinLnBrk="0" hangingPunct="1">
+              <a:defRPr sz="1800" kern="1200">
+                <a:solidFill>
+                  <a:schemeClr val="tx1"/>
+                </a:solidFill>
+                <a:latin typeface="Arial" pitchFamily="34" charset="0"/>
+                <a:ea typeface="DejaVu Sans"/>
+                <a:cs typeface="DejaVu Sans"/>
+              </a:defRPr>
+            </a:lvl8pPr>
+            <a:lvl9pPr marL="3657600" algn="l" defTabSz="914400" rtl="0" eaLnBrk="1" latinLnBrk="0" hangingPunct="1">
+              <a:defRPr sz="1800" kern="1200">
+                <a:solidFill>
+                  <a:schemeClr val="tx1"/>
+                </a:solidFill>
+                <a:latin typeface="Arial" pitchFamily="34" charset="0"/>
+                <a:ea typeface="DejaVu Sans"/>
+                <a:cs typeface="DejaVu Sans"/>
+              </a:defRPr>
+            </a:lvl9pPr>
+          </a:lstStyle>
+          <a:p>
+            <a:pPr marL="285750" indent="-285750">
+              <a:buFont typeface="Arial" pitchFamily="34" charset="0"/>
+              <a:buChar char="•"/>
+            </a:pPr>
+            <a:r>
               <a:rPr lang="pt-BR" dirty="0">
                 <a:latin typeface="Calibri" panose="020F0502020204030204" pitchFamily="34" charset="0"/>
                 <a:cs typeface="Calibri" panose="020F0502020204030204" pitchFamily="34" charset="0"/>
               </a:rPr>
               <a:t>Computa a similaridade no espaço de característica (Distância Euclidiana, Manhattan….)</a:t>
             </a:r>
-          </a:p>
-          <a:p>
-            <a:pPr marL="285750" indent="-285750">
-              <a:buFont typeface="Arial" pitchFamily="34" charset="0"/>
-              <a:buChar char="•"/>
-            </a:pPr>
-            <a:endParaRPr lang="pt-BR" dirty="0">
-              <a:latin typeface="Calibri" panose="020F0502020204030204" pitchFamily="34" charset="0"/>
-              <a:cs typeface="Calibri" panose="020F0502020204030204" pitchFamily="34" charset="0"/>
-            </a:endParaRPr>
           </a:p>
           <a:p>
             <a:pPr marL="285750" indent="-285750">
@@ -12647,12 +13658,6 @@
               </a:rPr>
               <a:t>K-Vizinhos mais próximos determinam a classe (Votação)</a:t>
             </a:r>
-          </a:p>
-          <a:p>
-            <a:endParaRPr lang="pt-BR" dirty="0">
-              <a:latin typeface="Calibri" panose="020F0502020204030204" pitchFamily="34" charset="0"/>
-              <a:cs typeface="Calibri" panose="020F0502020204030204" pitchFamily="34" charset="0"/>
-            </a:endParaRPr>
           </a:p>
           <a:p>
             <a:pPr marL="285750" indent="-285750">
@@ -13122,7 +14127,7 @@
 </p:sld>
 </file>
 
-<file path=ppt/slides/slide11.xml><?xml version="1.0" encoding="utf-8"?>
+<file path=ppt/slides/slide12.xml><?xml version="1.0" encoding="utf-8"?>
 <p:sld xmlns:a="http://schemas.openxmlformats.org/drawingml/2006/main" xmlns:r="http://schemas.openxmlformats.org/officeDocument/2006/relationships" xmlns:p="http://schemas.openxmlformats.org/presentationml/2006/main">
   <p:cSld>
     <p:spTree>
@@ -14033,7 +15038,7 @@
 </p:sld>
 </file>
 
-<file path=ppt/slides/slide12.xml><?xml version="1.0" encoding="utf-8"?>
+<file path=ppt/slides/slide13.xml><?xml version="1.0" encoding="utf-8"?>
 <p:sld xmlns:a="http://schemas.openxmlformats.org/drawingml/2006/main" xmlns:r="http://schemas.openxmlformats.org/officeDocument/2006/relationships" xmlns:p="http://schemas.openxmlformats.org/presentationml/2006/main">
   <p:cSld>
     <p:spTree>
@@ -15034,7 +16039,7 @@
 </p:sld>
 </file>
 
-<file path=ppt/slides/slide13.xml><?xml version="1.0" encoding="utf-8"?>
+<file path=ppt/slides/slide14.xml><?xml version="1.0" encoding="utf-8"?>
 <p:sld xmlns:a="http://schemas.openxmlformats.org/drawingml/2006/main" xmlns:r="http://schemas.openxmlformats.org/officeDocument/2006/relationships" xmlns:p="http://schemas.openxmlformats.org/presentationml/2006/main">
   <p:cSld>
     <p:spTree>
@@ -15932,7 +16937,7 @@
 </p:sld>
 </file>
 
-<file path=ppt/slides/slide14.xml><?xml version="1.0" encoding="utf-8"?>
+<file path=ppt/slides/slide15.xml><?xml version="1.0" encoding="utf-8"?>
 <p:sld xmlns:a="http://schemas.openxmlformats.org/drawingml/2006/main" xmlns:r="http://schemas.openxmlformats.org/officeDocument/2006/relationships" xmlns:p="http://schemas.openxmlformats.org/presentationml/2006/main">
   <p:cSld>
     <p:spTree>
@@ -16833,7 +17838,7 @@
 </p:sld>
 </file>
 
-<file path=ppt/slides/slide15.xml><?xml version="1.0" encoding="utf-8"?>
+<file path=ppt/slides/slide16.xml><?xml version="1.0" encoding="utf-8"?>
 <p:sld xmlns:a="http://schemas.openxmlformats.org/drawingml/2006/main" xmlns:r="http://schemas.openxmlformats.org/officeDocument/2006/relationships" xmlns:p="http://schemas.openxmlformats.org/presentationml/2006/main">
   <p:cSld>
     <p:spTree>
@@ -18302,960 +19307,6 @@
 </p:sld>
 </file>
 
-<file path=ppt/slides/slide16.xml><?xml version="1.0" encoding="utf-8"?>
-<p:sld xmlns:a="http://schemas.openxmlformats.org/drawingml/2006/main" xmlns:r="http://schemas.openxmlformats.org/officeDocument/2006/relationships" xmlns:p="http://schemas.openxmlformats.org/presentationml/2006/main">
-  <p:cSld>
-    <p:spTree>
-      <p:nvGrpSpPr>
-        <p:cNvPr id="1" name=""/>
-        <p:cNvGrpSpPr/>
-        <p:nvPr/>
-      </p:nvGrpSpPr>
-      <p:grpSpPr>
-        <a:xfrm>
-          <a:off x="0" y="0"/>
-          <a:ext cx="0" cy="0"/>
-          <a:chOff x="0" y="0"/>
-          <a:chExt cx="0" cy="0"/>
-        </a:xfrm>
-      </p:grpSpPr>
-      <p:sp>
-        <p:nvSpPr>
-          <p:cNvPr id="99" name="CustomShape 1"/>
-          <p:cNvSpPr/>
-          <p:nvPr/>
-        </p:nvSpPr>
-        <p:spPr>
-          <a:xfrm>
-            <a:off x="360000" y="360000"/>
-            <a:ext cx="9356400" cy="896400"/>
-          </a:xfrm>
-          <a:prstGeom prst="rect">
-            <a:avLst/>
-          </a:prstGeom>
-          <a:noFill/>
-          <a:ln>
-            <a:noFill/>
-          </a:ln>
-        </p:spPr>
-        <p:style>
-          <a:lnRef idx="0">
-            <a:scrgbClr r="0" g="0" b="0"/>
-          </a:lnRef>
-          <a:fillRef idx="0">
-            <a:scrgbClr r="0" g="0" b="0"/>
-          </a:fillRef>
-          <a:effectRef idx="0">
-            <a:scrgbClr r="0" g="0" b="0"/>
-          </a:effectRef>
-          <a:fontRef idx="minor"/>
-        </p:style>
-        <p:txBody>
-          <a:bodyPr lIns="0" tIns="0" rIns="0" bIns="0" anchor="b"/>
-          <a:lstStyle>
-            <a:defPPr>
-              <a:defRPr lang="pt-BR"/>
-            </a:defPPr>
-            <a:lvl1pPr marL="0" marR="0" indent="0" algn="l" defTabSz="914400" rtl="0" eaLnBrk="1" fontAlgn="auto" latinLnBrk="0" hangingPunct="1">
-              <a:lnSpc>
-                <a:spcPct val="100000"/>
-              </a:lnSpc>
-              <a:spcBef>
-                <a:spcPct val="0"/>
-              </a:spcBef>
-              <a:spcAft>
-                <a:spcPct val="0"/>
-              </a:spcAft>
-              <a:buClrTx/>
-              <a:buSzTx/>
-              <a:buFontTx/>
-              <a:buNone/>
-              <a:defRPr kumimoji="0" sz="1800" b="0" i="0" u="none" strike="noStrike" kern="1200" cap="none" spc="0" normalizeH="0" baseline="0" noProof="0">
-                <a:solidFill>
-                  <a:schemeClr val="tx1"/>
-                </a:solidFill>
-                <a:uLnTx/>
-                <a:uFillTx/>
-                <a:latin typeface="Arial" pitchFamily="34" charset="0"/>
-                <a:ea typeface="DejaVu Sans"/>
-                <a:cs typeface="DejaVu Sans"/>
-                <a:sym typeface="Wingdings" charset="2"/>
-              </a:defRPr>
-            </a:lvl1pPr>
-            <a:lvl2pPr marL="457200" marR="0" indent="0" algn="l" defTabSz="914400" rtl="0" eaLnBrk="1" fontAlgn="auto" latinLnBrk="0" hangingPunct="1">
-              <a:lnSpc>
-                <a:spcPct val="100000"/>
-              </a:lnSpc>
-              <a:spcBef>
-                <a:spcPct val="0"/>
-              </a:spcBef>
-              <a:spcAft>
-                <a:spcPct val="0"/>
-              </a:spcAft>
-              <a:buClrTx/>
-              <a:buSzTx/>
-              <a:buFontTx/>
-              <a:buNone/>
-              <a:defRPr kumimoji="0" sz="1800" b="0" i="0" u="none" strike="noStrike" kern="1200" cap="none" spc="0" normalizeH="0" baseline="0" noProof="0">
-                <a:solidFill>
-                  <a:schemeClr val="tx1"/>
-                </a:solidFill>
-                <a:uLnTx/>
-                <a:uFillTx/>
-                <a:latin typeface="Arial" pitchFamily="34" charset="0"/>
-                <a:ea typeface="DejaVu Sans"/>
-                <a:cs typeface="DejaVu Sans"/>
-                <a:sym typeface="Wingdings" charset="2"/>
-              </a:defRPr>
-            </a:lvl2pPr>
-            <a:lvl3pPr marL="914400" marR="0" indent="0" algn="l" defTabSz="914400" rtl="0" eaLnBrk="1" fontAlgn="auto" latinLnBrk="0" hangingPunct="1">
-              <a:lnSpc>
-                <a:spcPct val="100000"/>
-              </a:lnSpc>
-              <a:spcBef>
-                <a:spcPct val="0"/>
-              </a:spcBef>
-              <a:spcAft>
-                <a:spcPct val="0"/>
-              </a:spcAft>
-              <a:buClrTx/>
-              <a:buSzTx/>
-              <a:buFontTx/>
-              <a:buNone/>
-              <a:defRPr kumimoji="0" sz="1800" b="0" i="0" u="none" strike="noStrike" kern="1200" cap="none" spc="0" normalizeH="0" baseline="0" noProof="0">
-                <a:solidFill>
-                  <a:schemeClr val="tx1"/>
-                </a:solidFill>
-                <a:uLnTx/>
-                <a:uFillTx/>
-                <a:latin typeface="Arial" pitchFamily="34" charset="0"/>
-                <a:ea typeface="DejaVu Sans"/>
-                <a:cs typeface="DejaVu Sans"/>
-                <a:sym typeface="Wingdings" charset="2"/>
-              </a:defRPr>
-            </a:lvl3pPr>
-            <a:lvl4pPr marL="1371600" marR="0" indent="0" algn="l" defTabSz="914400" rtl="0" eaLnBrk="1" fontAlgn="auto" latinLnBrk="0" hangingPunct="1">
-              <a:lnSpc>
-                <a:spcPct val="100000"/>
-              </a:lnSpc>
-              <a:spcBef>
-                <a:spcPct val="0"/>
-              </a:spcBef>
-              <a:spcAft>
-                <a:spcPct val="0"/>
-              </a:spcAft>
-              <a:buClrTx/>
-              <a:buSzTx/>
-              <a:buFontTx/>
-              <a:buNone/>
-              <a:defRPr kumimoji="0" sz="1800" b="0" i="0" u="none" strike="noStrike" kern="1200" cap="none" spc="0" normalizeH="0" baseline="0" noProof="0">
-                <a:solidFill>
-                  <a:schemeClr val="tx1"/>
-                </a:solidFill>
-                <a:uLnTx/>
-                <a:uFillTx/>
-                <a:latin typeface="Arial" pitchFamily="34" charset="0"/>
-                <a:ea typeface="DejaVu Sans"/>
-                <a:cs typeface="DejaVu Sans"/>
-                <a:sym typeface="Wingdings" charset="2"/>
-              </a:defRPr>
-            </a:lvl4pPr>
-            <a:lvl5pPr marL="1828800" marR="0" indent="0" algn="l" defTabSz="914400" rtl="0" eaLnBrk="1" fontAlgn="auto" latinLnBrk="0" hangingPunct="1">
-              <a:lnSpc>
-                <a:spcPct val="100000"/>
-              </a:lnSpc>
-              <a:spcBef>
-                <a:spcPct val="0"/>
-              </a:spcBef>
-              <a:spcAft>
-                <a:spcPct val="0"/>
-              </a:spcAft>
-              <a:buClrTx/>
-              <a:buSzTx/>
-              <a:buFontTx/>
-              <a:buNone/>
-              <a:defRPr kumimoji="0" sz="1800" b="0" i="0" u="none" strike="noStrike" kern="1200" cap="none" spc="0" normalizeH="0" baseline="0" noProof="0">
-                <a:solidFill>
-                  <a:schemeClr val="tx1"/>
-                </a:solidFill>
-                <a:uLnTx/>
-                <a:uFillTx/>
-                <a:latin typeface="Arial" pitchFamily="34" charset="0"/>
-                <a:ea typeface="DejaVu Sans"/>
-                <a:cs typeface="DejaVu Sans"/>
-                <a:sym typeface="Wingdings" charset="2"/>
-              </a:defRPr>
-            </a:lvl5pPr>
-            <a:lvl6pPr marL="2286000" marR="0" indent="0" algn="l" defTabSz="914400" rtl="0" eaLnBrk="1" fontAlgn="auto" latinLnBrk="0" hangingPunct="1">
-              <a:lnSpc>
-                <a:spcPct val="100000"/>
-              </a:lnSpc>
-              <a:spcBef>
-                <a:spcPct val="0"/>
-              </a:spcBef>
-              <a:spcAft>
-                <a:spcPct val="0"/>
-              </a:spcAft>
-              <a:buClrTx/>
-              <a:buSzTx/>
-              <a:buFontTx/>
-              <a:buNone/>
-              <a:defRPr kumimoji="0" sz="1800" b="0" i="0" u="none" strike="noStrike" kern="1200" cap="none" spc="0" normalizeH="0" baseline="0" noProof="0">
-                <a:solidFill>
-                  <a:schemeClr val="tx1"/>
-                </a:solidFill>
-                <a:uLnTx/>
-                <a:uFillTx/>
-                <a:latin typeface="Arial" pitchFamily="34" charset="0"/>
-                <a:ea typeface="DejaVu Sans"/>
-                <a:cs typeface="DejaVu Sans"/>
-                <a:sym typeface="Wingdings" charset="2"/>
-              </a:defRPr>
-            </a:lvl6pPr>
-            <a:lvl7pPr marL="2743200" marR="0" indent="0" algn="l" defTabSz="914400" rtl="0" eaLnBrk="1" fontAlgn="auto" latinLnBrk="0" hangingPunct="1">
-              <a:lnSpc>
-                <a:spcPct val="100000"/>
-              </a:lnSpc>
-              <a:spcBef>
-                <a:spcPct val="0"/>
-              </a:spcBef>
-              <a:spcAft>
-                <a:spcPct val="0"/>
-              </a:spcAft>
-              <a:buClrTx/>
-              <a:buSzTx/>
-              <a:buFontTx/>
-              <a:buNone/>
-              <a:defRPr kumimoji="0" sz="1800" b="0" i="0" u="none" strike="noStrike" kern="1200" cap="none" spc="0" normalizeH="0" baseline="0" noProof="0">
-                <a:solidFill>
-                  <a:schemeClr val="tx1"/>
-                </a:solidFill>
-                <a:uLnTx/>
-                <a:uFillTx/>
-                <a:latin typeface="Arial" pitchFamily="34" charset="0"/>
-                <a:ea typeface="DejaVu Sans"/>
-                <a:cs typeface="DejaVu Sans"/>
-                <a:sym typeface="Wingdings" charset="2"/>
-              </a:defRPr>
-            </a:lvl7pPr>
-            <a:lvl8pPr marL="3200400" marR="0" indent="0" algn="l" defTabSz="914400" rtl="0" eaLnBrk="1" fontAlgn="auto" latinLnBrk="0" hangingPunct="1">
-              <a:lnSpc>
-                <a:spcPct val="100000"/>
-              </a:lnSpc>
-              <a:spcBef>
-                <a:spcPct val="0"/>
-              </a:spcBef>
-              <a:spcAft>
-                <a:spcPct val="0"/>
-              </a:spcAft>
-              <a:buClrTx/>
-              <a:buSzTx/>
-              <a:buFontTx/>
-              <a:buNone/>
-              <a:defRPr kumimoji="0" sz="1800" b="0" i="0" u="none" strike="noStrike" kern="1200" cap="none" spc="0" normalizeH="0" baseline="0" noProof="0">
-                <a:solidFill>
-                  <a:schemeClr val="tx1"/>
-                </a:solidFill>
-                <a:uLnTx/>
-                <a:uFillTx/>
-                <a:latin typeface="Arial" pitchFamily="34" charset="0"/>
-                <a:ea typeface="DejaVu Sans"/>
-                <a:cs typeface="DejaVu Sans"/>
-                <a:sym typeface="Wingdings" charset="2"/>
-              </a:defRPr>
-            </a:lvl8pPr>
-            <a:lvl9pPr marL="3657600" marR="0" indent="0" algn="l" defTabSz="914400" rtl="0" eaLnBrk="1" fontAlgn="auto" latinLnBrk="0" hangingPunct="1">
-              <a:lnSpc>
-                <a:spcPct val="100000"/>
-              </a:lnSpc>
-              <a:spcBef>
-                <a:spcPct val="0"/>
-              </a:spcBef>
-              <a:spcAft>
-                <a:spcPct val="0"/>
-              </a:spcAft>
-              <a:buClrTx/>
-              <a:buSzTx/>
-              <a:buFontTx/>
-              <a:buNone/>
-              <a:defRPr kumimoji="0" sz="1800" b="0" i="0" u="none" strike="noStrike" kern="1200" cap="none" spc="0" normalizeH="0" baseline="0" noProof="0">
-                <a:solidFill>
-                  <a:schemeClr val="tx1"/>
-                </a:solidFill>
-                <a:uLnTx/>
-                <a:uFillTx/>
-                <a:latin typeface="Arial" pitchFamily="34" charset="0"/>
-                <a:ea typeface="DejaVu Sans"/>
-                <a:cs typeface="DejaVu Sans"/>
-                <a:sym typeface="Wingdings" charset="2"/>
-              </a:defRPr>
-            </a:lvl9pPr>
-          </a:lstStyle>
-          <a:p>
-            <a:r>
-              <a:rPr lang="en-US" sz="3200" b="1" spc="-1" dirty="0" err="1">
-                <a:solidFill>
-                  <a:srgbClr val="FFFFFF"/>
-                </a:solidFill>
-                <a:latin typeface="Latin Modern Sans"/>
-              </a:rPr>
-              <a:t>Modelos</a:t>
-            </a:r>
-            <a:r>
-              <a:rPr lang="en-US" sz="3200" b="1" spc="-1" dirty="0">
-                <a:solidFill>
-                  <a:srgbClr val="FFFFFF"/>
-                </a:solidFill>
-                <a:latin typeface="Latin Modern Sans"/>
-              </a:rPr>
-              <a:t> de </a:t>
-            </a:r>
-            <a:r>
-              <a:rPr lang="en-US" sz="3200" b="1" spc="-1" dirty="0" err="1">
-                <a:solidFill>
-                  <a:srgbClr val="FFFFFF"/>
-                </a:solidFill>
-                <a:latin typeface="Latin Modern Sans"/>
-              </a:rPr>
-              <a:t>Classificação</a:t>
-            </a:r>
-            <a:endParaRPr lang="en-US" sz="3200" b="1" spc="-1" dirty="0">
-              <a:solidFill>
-                <a:srgbClr val="FFFFFF"/>
-              </a:solidFill>
-              <a:latin typeface="Latin Modern Sans"/>
-            </a:endParaRPr>
-          </a:p>
-          <a:p>
-            <a:r>
-              <a:rPr lang="en-US" sz="3200" b="1" strike="noStrike" spc="-1" dirty="0">
-                <a:solidFill>
-                  <a:srgbClr val="FFFFFF"/>
-                </a:solidFill>
-                <a:latin typeface="Latin Modern Sans"/>
-              </a:rPr>
-              <a:t>Decision Tree</a:t>
-            </a:r>
-            <a:endParaRPr lang="en-US" sz="3200" b="0" strike="noStrike" spc="-1" dirty="0">
-              <a:latin typeface="Arial" pitchFamily="34" charset="0"/>
-            </a:endParaRPr>
-          </a:p>
-        </p:txBody>
-      </p:sp>
-      <p:sp>
-        <p:nvSpPr>
-          <p:cNvPr id="2" name="CaixaDeTexto 1">
-            <a:extLst>
-              <a:ext uri="{FF2B5EF4-FFF2-40B4-BE49-F238E27FC236}">
-                <a16:creationId xmlns:a16="http://schemas.microsoft.com/office/drawing/2014/main" id="{D744B707-1B4A-5A5F-CC17-5C9D8382FBD9}"/>
-              </a:ext>
-            </a:extLst>
-          </p:cNvPr>
-          <p:cNvSpPr txBox="1"/>
-          <p:nvPr/>
-        </p:nvSpPr>
-        <p:spPr>
-          <a:xfrm>
-            <a:off x="200025" y="1742667"/>
-            <a:ext cx="9516375" cy="646331"/>
-          </a:xfrm>
-          <a:prstGeom prst="rect">
-            <a:avLst/>
-          </a:prstGeom>
-          <a:noFill/>
-        </p:spPr>
-        <p:txBody>
-          <a:bodyPr wrap="square" rtlCol="0">
-            <a:spAutoFit/>
-          </a:bodyPr>
-          <a:lstStyle>
-            <a:defPPr>
-              <a:defRPr lang="pt-BR"/>
-            </a:defPPr>
-            <a:lvl1pPr marL="0" algn="l" defTabSz="914400" rtl="0" eaLnBrk="1" latinLnBrk="0" hangingPunct="1">
-              <a:defRPr sz="1800" kern="1200">
-                <a:solidFill>
-                  <a:schemeClr val="tx1"/>
-                </a:solidFill>
-                <a:latin typeface="Arial" pitchFamily="34" charset="0"/>
-                <a:ea typeface="DejaVu Sans"/>
-                <a:cs typeface="DejaVu Sans"/>
-              </a:defRPr>
-            </a:lvl1pPr>
-            <a:lvl2pPr marL="457200" algn="l" defTabSz="914400" rtl="0" eaLnBrk="1" latinLnBrk="0" hangingPunct="1">
-              <a:defRPr sz="1800" kern="1200">
-                <a:solidFill>
-                  <a:schemeClr val="tx1"/>
-                </a:solidFill>
-                <a:latin typeface="Arial" pitchFamily="34" charset="0"/>
-                <a:ea typeface="DejaVu Sans"/>
-                <a:cs typeface="DejaVu Sans"/>
-              </a:defRPr>
-            </a:lvl2pPr>
-            <a:lvl3pPr marL="914400" algn="l" defTabSz="914400" rtl="0" eaLnBrk="1" latinLnBrk="0" hangingPunct="1">
-              <a:defRPr sz="1800" kern="1200">
-                <a:solidFill>
-                  <a:schemeClr val="tx1"/>
-                </a:solidFill>
-                <a:latin typeface="Arial" pitchFamily="34" charset="0"/>
-                <a:ea typeface="DejaVu Sans"/>
-                <a:cs typeface="DejaVu Sans"/>
-              </a:defRPr>
-            </a:lvl3pPr>
-            <a:lvl4pPr marL="1371600" algn="l" defTabSz="914400" rtl="0" eaLnBrk="1" latinLnBrk="0" hangingPunct="1">
-              <a:defRPr sz="1800" kern="1200">
-                <a:solidFill>
-                  <a:schemeClr val="tx1"/>
-                </a:solidFill>
-                <a:latin typeface="Arial" pitchFamily="34" charset="0"/>
-                <a:ea typeface="DejaVu Sans"/>
-                <a:cs typeface="DejaVu Sans"/>
-              </a:defRPr>
-            </a:lvl4pPr>
-            <a:lvl5pPr marL="1828800" algn="l" defTabSz="914400" rtl="0" eaLnBrk="1" latinLnBrk="0" hangingPunct="1">
-              <a:defRPr sz="1800" kern="1200">
-                <a:solidFill>
-                  <a:schemeClr val="tx1"/>
-                </a:solidFill>
-                <a:latin typeface="Arial" pitchFamily="34" charset="0"/>
-                <a:ea typeface="DejaVu Sans"/>
-                <a:cs typeface="DejaVu Sans"/>
-              </a:defRPr>
-            </a:lvl5pPr>
-            <a:lvl6pPr marL="2286000" algn="l" defTabSz="914400" rtl="0" eaLnBrk="1" latinLnBrk="0" hangingPunct="1">
-              <a:defRPr sz="1800" kern="1200">
-                <a:solidFill>
-                  <a:schemeClr val="tx1"/>
-                </a:solidFill>
-                <a:latin typeface="Arial" pitchFamily="34" charset="0"/>
-                <a:ea typeface="DejaVu Sans"/>
-                <a:cs typeface="DejaVu Sans"/>
-              </a:defRPr>
-            </a:lvl6pPr>
-            <a:lvl7pPr marL="2743200" algn="l" defTabSz="914400" rtl="0" eaLnBrk="1" latinLnBrk="0" hangingPunct="1">
-              <a:defRPr sz="1800" kern="1200">
-                <a:solidFill>
-                  <a:schemeClr val="tx1"/>
-                </a:solidFill>
-                <a:latin typeface="Arial" pitchFamily="34" charset="0"/>
-                <a:ea typeface="DejaVu Sans"/>
-                <a:cs typeface="DejaVu Sans"/>
-              </a:defRPr>
-            </a:lvl7pPr>
-            <a:lvl8pPr marL="3200400" algn="l" defTabSz="914400" rtl="0" eaLnBrk="1" latinLnBrk="0" hangingPunct="1">
-              <a:defRPr sz="1800" kern="1200">
-                <a:solidFill>
-                  <a:schemeClr val="tx1"/>
-                </a:solidFill>
-                <a:latin typeface="Arial" pitchFamily="34" charset="0"/>
-                <a:ea typeface="DejaVu Sans"/>
-                <a:cs typeface="DejaVu Sans"/>
-              </a:defRPr>
-            </a:lvl8pPr>
-            <a:lvl9pPr marL="3657600" algn="l" defTabSz="914400" rtl="0" eaLnBrk="1" latinLnBrk="0" hangingPunct="1">
-              <a:defRPr sz="1800" kern="1200">
-                <a:solidFill>
-                  <a:schemeClr val="tx1"/>
-                </a:solidFill>
-                <a:latin typeface="Arial" pitchFamily="34" charset="0"/>
-                <a:ea typeface="DejaVu Sans"/>
-                <a:cs typeface="DejaVu Sans"/>
-              </a:defRPr>
-            </a:lvl9pPr>
-          </a:lstStyle>
-          <a:p>
-            <a:pPr marL="285750" indent="-285750">
-              <a:buFont typeface="Arial" pitchFamily="34" charset="0"/>
-              <a:buChar char="•"/>
-            </a:pPr>
-            <a:r>
-              <a:rPr lang="pt-BR" dirty="0">
-                <a:latin typeface="Calibri" panose="020F0502020204030204" pitchFamily="34" charset="0"/>
-                <a:cs typeface="Calibri" panose="020F0502020204030204" pitchFamily="34" charset="0"/>
-              </a:rPr>
-              <a:t>Determina regras de decisão</a:t>
-            </a:r>
-          </a:p>
-          <a:p>
-            <a:pPr marL="742950" lvl="1" indent="-285750">
-              <a:buFont typeface="Arial" pitchFamily="34" charset="0"/>
-              <a:buChar char="•"/>
-            </a:pPr>
-            <a:endParaRPr lang="en-US" dirty="0">
-              <a:latin typeface="Calibri" panose="020F0502020204030204" pitchFamily="34" charset="0"/>
-              <a:cs typeface="Calibri" panose="020F0502020204030204" pitchFamily="34" charset="0"/>
-            </a:endParaRPr>
-          </a:p>
-        </p:txBody>
-      </p:sp>
-      <p:pic>
-        <p:nvPicPr>
-          <p:cNvPr id="18434" name="Picture 2" descr="Plot the decision surface of a decision tree on the iris dataset —  scikit-learn 0.15-git documentation">
-            <a:extLst>
-              <a:ext uri="{FF2B5EF4-FFF2-40B4-BE49-F238E27FC236}">
-                <a16:creationId xmlns:a16="http://schemas.microsoft.com/office/drawing/2014/main" id="{76E9182F-4596-05EA-2CC7-35F61A35E1B4}"/>
-              </a:ext>
-            </a:extLst>
-          </p:cNvPr>
-          <p:cNvPicPr>
-            <a:picLocks noChangeAspect="1" noChangeArrowheads="1"/>
-          </p:cNvPicPr>
-          <p:nvPr/>
-        </p:nvPicPr>
-        <p:blipFill>
-          <a:blip r:embed="rId3">
-            <a:extLst>
-              <a:ext uri="{28A0092B-C50C-407E-A947-70E740481C1C}">
-                <a14:useLocalDpi xmlns:a14="http://schemas.microsoft.com/office/drawing/2010/main" val="0"/>
-              </a:ext>
-            </a:extLst>
-          </a:blip>
-          <a:stretch>
-            <a:fillRect/>
-          </a:stretch>
-        </p:blipFill>
-        <p:spPr bwMode="auto">
-          <a:xfrm>
-            <a:off x="0" y="2306320"/>
-            <a:ext cx="5878724" cy="4409044"/>
-          </a:xfrm>
-          <a:prstGeom prst="rect">
-            <a:avLst/>
-          </a:prstGeom>
-          <a:noFill/>
-          <a:extLst>
-            <a:ext uri="{909E8E84-426E-40DD-AFC4-6F175D3DCCD1}">
-              <a14:hiddenFill xmlns:a14="http://schemas.microsoft.com/office/drawing/2010/main">
-                <a:solidFill>
-                  <a:srgbClr val="FFFFFF"/>
-                </a:solidFill>
-              </a14:hiddenFill>
-            </a:ext>
-          </a:extLst>
-        </p:spPr>
-      </p:pic>
-      <p:pic>
-        <p:nvPicPr>
-          <p:cNvPr id="18436" name="Picture 4" descr="Scikit-Learn Decision Trees Explained | by Frank Ceballos | Towards Data  Science">
-            <a:extLst>
-              <a:ext uri="{FF2B5EF4-FFF2-40B4-BE49-F238E27FC236}">
-                <a16:creationId xmlns:a16="http://schemas.microsoft.com/office/drawing/2014/main" id="{6C4DFBE6-6050-4796-9389-40A754472B47}"/>
-              </a:ext>
-            </a:extLst>
-          </p:cNvPr>
-          <p:cNvPicPr>
-            <a:picLocks noChangeAspect="1" noChangeArrowheads="1"/>
-          </p:cNvPicPr>
-          <p:nvPr/>
-        </p:nvPicPr>
-        <p:blipFill>
-          <a:blip r:embed="rId4">
-            <a:extLst>
-              <a:ext uri="{28A0092B-C50C-407E-A947-70E740481C1C}">
-                <a14:useLocalDpi xmlns:a14="http://schemas.microsoft.com/office/drawing/2010/main" val="0"/>
-              </a:ext>
-            </a:extLst>
-          </a:blip>
-          <a:stretch>
-            <a:fillRect/>
-          </a:stretch>
-        </p:blipFill>
-        <p:spPr bwMode="auto">
-          <a:xfrm>
-            <a:off x="5881499" y="2753286"/>
-            <a:ext cx="3834901" cy="3319883"/>
-          </a:xfrm>
-          <a:prstGeom prst="rect">
-            <a:avLst/>
-          </a:prstGeom>
-          <a:noFill/>
-          <a:extLst>
-            <a:ext uri="{909E8E84-426E-40DD-AFC4-6F175D3DCCD1}">
-              <a14:hiddenFill xmlns:a14="http://schemas.microsoft.com/office/drawing/2010/main">
-                <a:solidFill>
-                  <a:srgbClr val="FFFFFF"/>
-                </a:solidFill>
-              </a14:hiddenFill>
-            </a:ext>
-          </a:extLst>
-        </p:spPr>
-      </p:pic>
-      <p:sp>
-        <p:nvSpPr>
-          <p:cNvPr id="4" name="CustomShape 3">
-            <a:extLst>
-              <a:ext uri="{FF2B5EF4-FFF2-40B4-BE49-F238E27FC236}">
-                <a16:creationId xmlns:a16="http://schemas.microsoft.com/office/drawing/2014/main" id="{73F969F4-501B-FEEB-36BB-70C8B318D563}"/>
-              </a:ext>
-            </a:extLst>
-          </p:cNvPr>
-          <p:cNvSpPr/>
-          <p:nvPr/>
-        </p:nvSpPr>
-        <p:spPr>
-          <a:xfrm>
-            <a:off x="7608600" y="6886080"/>
-            <a:ext cx="2281680" cy="361440"/>
-          </a:xfrm>
-          <a:prstGeom prst="rect">
-            <a:avLst/>
-          </a:prstGeom>
-          <a:noFill/>
-          <a:ln>
-            <a:noFill/>
-          </a:ln>
-        </p:spPr>
-        <p:style>
-          <a:lnRef idx="0">
-            <a:scrgbClr r="0" g="0" b="0"/>
-          </a:lnRef>
-          <a:fillRef idx="0">
-            <a:scrgbClr r="0" g="0" b="0"/>
-          </a:fillRef>
-          <a:effectRef idx="0">
-            <a:scrgbClr r="0" g="0" b="0"/>
-          </a:effectRef>
-          <a:fontRef idx="minor"/>
-        </p:style>
-        <p:txBody>
-          <a:bodyPr lIns="90000" tIns="45000" rIns="90000" bIns="45000"/>
-          <a:lstStyle/>
-          <a:p>
-            <a:pPr>
-              <a:lnSpc>
-                <a:spcPct val="100000"/>
-              </a:lnSpc>
-            </a:pPr>
-            <a:r>
-              <a:rPr lang="pt-BR" sz="1800" b="0" strike="noStrike" spc="-1" dirty="0">
-                <a:solidFill>
-                  <a:srgbClr val="000000"/>
-                </a:solidFill>
-                <a:latin typeface="Arial"/>
-                <a:ea typeface="DejaVu Sans"/>
-              </a:rPr>
-              <a:t>Aula 04</a:t>
-            </a:r>
-            <a:endParaRPr lang="pt-BR" sz="1800" b="0" strike="noStrike" spc="-1" dirty="0">
-              <a:latin typeface="Arial"/>
-            </a:endParaRPr>
-          </a:p>
-        </p:txBody>
-      </p:sp>
-      <p:sp>
-        <p:nvSpPr>
-          <p:cNvPr id="5" name="CustomShape 2">
-            <a:extLst>
-              <a:ext uri="{FF2B5EF4-FFF2-40B4-BE49-F238E27FC236}">
-                <a16:creationId xmlns:a16="http://schemas.microsoft.com/office/drawing/2014/main" id="{40A20143-0D51-0EFF-0318-8E840C82A42F}"/>
-              </a:ext>
-            </a:extLst>
-          </p:cNvPr>
-          <p:cNvSpPr/>
-          <p:nvPr/>
-        </p:nvSpPr>
-        <p:spPr>
-          <a:xfrm>
-            <a:off x="897120" y="6886080"/>
-            <a:ext cx="6443640" cy="361440"/>
-          </a:xfrm>
-          <a:prstGeom prst="rect">
-            <a:avLst/>
-          </a:prstGeom>
-          <a:noFill/>
-          <a:ln>
-            <a:noFill/>
-          </a:ln>
-        </p:spPr>
-        <p:style>
-          <a:lnRef idx="0">
-            <a:scrgbClr r="0" g="0" b="0"/>
-          </a:lnRef>
-          <a:fillRef idx="0">
-            <a:scrgbClr r="0" g="0" b="0"/>
-          </a:fillRef>
-          <a:effectRef idx="0">
-            <a:scrgbClr r="0" g="0" b="0"/>
-          </a:effectRef>
-          <a:fontRef idx="minor"/>
-        </p:style>
-        <p:txBody>
-          <a:bodyPr lIns="90000" tIns="45000" rIns="90000" bIns="45000"/>
-          <a:lstStyle>
-            <a:defPPr>
-              <a:defRPr lang="pt-BR"/>
-            </a:defPPr>
-            <a:lvl1pPr marL="0" marR="0" indent="0" algn="l" defTabSz="914400" rtl="0" eaLnBrk="1" fontAlgn="auto" latinLnBrk="0" hangingPunct="1">
-              <a:lnSpc>
-                <a:spcPct val="100000"/>
-              </a:lnSpc>
-              <a:spcBef>
-                <a:spcPct val="0"/>
-              </a:spcBef>
-              <a:spcAft>
-                <a:spcPct val="0"/>
-              </a:spcAft>
-              <a:buClrTx/>
-              <a:buSzTx/>
-              <a:buFontTx/>
-              <a:buNone/>
-              <a:defRPr kumimoji="0" sz="1800" b="0" i="0" u="none" strike="noStrike" kern="1200" cap="none" spc="0" normalizeH="0" baseline="0" noProof="0">
-                <a:solidFill>
-                  <a:schemeClr val="tx1"/>
-                </a:solidFill>
-                <a:uLnTx/>
-                <a:uFillTx/>
-                <a:latin typeface="Arial" pitchFamily="34" charset="0"/>
-                <a:ea typeface="DejaVu Sans"/>
-                <a:cs typeface="DejaVu Sans"/>
-                <a:sym typeface="Wingdings" charset="2"/>
-              </a:defRPr>
-            </a:lvl1pPr>
-            <a:lvl2pPr marL="457200" marR="0" indent="0" algn="l" defTabSz="914400" rtl="0" eaLnBrk="1" fontAlgn="auto" latinLnBrk="0" hangingPunct="1">
-              <a:lnSpc>
-                <a:spcPct val="100000"/>
-              </a:lnSpc>
-              <a:spcBef>
-                <a:spcPct val="0"/>
-              </a:spcBef>
-              <a:spcAft>
-                <a:spcPct val="0"/>
-              </a:spcAft>
-              <a:buClrTx/>
-              <a:buSzTx/>
-              <a:buFontTx/>
-              <a:buNone/>
-              <a:defRPr kumimoji="0" sz="1800" b="0" i="0" u="none" strike="noStrike" kern="1200" cap="none" spc="0" normalizeH="0" baseline="0" noProof="0">
-                <a:solidFill>
-                  <a:schemeClr val="tx1"/>
-                </a:solidFill>
-                <a:uLnTx/>
-                <a:uFillTx/>
-                <a:latin typeface="Arial" pitchFamily="34" charset="0"/>
-                <a:ea typeface="DejaVu Sans"/>
-                <a:cs typeface="DejaVu Sans"/>
-                <a:sym typeface="Wingdings" charset="2"/>
-              </a:defRPr>
-            </a:lvl2pPr>
-            <a:lvl3pPr marL="914400" marR="0" indent="0" algn="l" defTabSz="914400" rtl="0" eaLnBrk="1" fontAlgn="auto" latinLnBrk="0" hangingPunct="1">
-              <a:lnSpc>
-                <a:spcPct val="100000"/>
-              </a:lnSpc>
-              <a:spcBef>
-                <a:spcPct val="0"/>
-              </a:spcBef>
-              <a:spcAft>
-                <a:spcPct val="0"/>
-              </a:spcAft>
-              <a:buClrTx/>
-              <a:buSzTx/>
-              <a:buFontTx/>
-              <a:buNone/>
-              <a:defRPr kumimoji="0" sz="1800" b="0" i="0" u="none" strike="noStrike" kern="1200" cap="none" spc="0" normalizeH="0" baseline="0" noProof="0">
-                <a:solidFill>
-                  <a:schemeClr val="tx1"/>
-                </a:solidFill>
-                <a:uLnTx/>
-                <a:uFillTx/>
-                <a:latin typeface="Arial" pitchFamily="34" charset="0"/>
-                <a:ea typeface="DejaVu Sans"/>
-                <a:cs typeface="DejaVu Sans"/>
-                <a:sym typeface="Wingdings" charset="2"/>
-              </a:defRPr>
-            </a:lvl3pPr>
-            <a:lvl4pPr marL="1371600" marR="0" indent="0" algn="l" defTabSz="914400" rtl="0" eaLnBrk="1" fontAlgn="auto" latinLnBrk="0" hangingPunct="1">
-              <a:lnSpc>
-                <a:spcPct val="100000"/>
-              </a:lnSpc>
-              <a:spcBef>
-                <a:spcPct val="0"/>
-              </a:spcBef>
-              <a:spcAft>
-                <a:spcPct val="0"/>
-              </a:spcAft>
-              <a:buClrTx/>
-              <a:buSzTx/>
-              <a:buFontTx/>
-              <a:buNone/>
-              <a:defRPr kumimoji="0" sz="1800" b="0" i="0" u="none" strike="noStrike" kern="1200" cap="none" spc="0" normalizeH="0" baseline="0" noProof="0">
-                <a:solidFill>
-                  <a:schemeClr val="tx1"/>
-                </a:solidFill>
-                <a:uLnTx/>
-                <a:uFillTx/>
-                <a:latin typeface="Arial" pitchFamily="34" charset="0"/>
-                <a:ea typeface="DejaVu Sans"/>
-                <a:cs typeface="DejaVu Sans"/>
-                <a:sym typeface="Wingdings" charset="2"/>
-              </a:defRPr>
-            </a:lvl4pPr>
-            <a:lvl5pPr marL="1828800" marR="0" indent="0" algn="l" defTabSz="914400" rtl="0" eaLnBrk="1" fontAlgn="auto" latinLnBrk="0" hangingPunct="1">
-              <a:lnSpc>
-                <a:spcPct val="100000"/>
-              </a:lnSpc>
-              <a:spcBef>
-                <a:spcPct val="0"/>
-              </a:spcBef>
-              <a:spcAft>
-                <a:spcPct val="0"/>
-              </a:spcAft>
-              <a:buClrTx/>
-              <a:buSzTx/>
-              <a:buFontTx/>
-              <a:buNone/>
-              <a:defRPr kumimoji="0" sz="1800" b="0" i="0" u="none" strike="noStrike" kern="1200" cap="none" spc="0" normalizeH="0" baseline="0" noProof="0">
-                <a:solidFill>
-                  <a:schemeClr val="tx1"/>
-                </a:solidFill>
-                <a:uLnTx/>
-                <a:uFillTx/>
-                <a:latin typeface="Arial" pitchFamily="34" charset="0"/>
-                <a:ea typeface="DejaVu Sans"/>
-                <a:cs typeface="DejaVu Sans"/>
-                <a:sym typeface="Wingdings" charset="2"/>
-              </a:defRPr>
-            </a:lvl5pPr>
-            <a:lvl6pPr marL="2286000" marR="0" indent="0" algn="l" defTabSz="914400" rtl="0" eaLnBrk="1" fontAlgn="auto" latinLnBrk="0" hangingPunct="1">
-              <a:lnSpc>
-                <a:spcPct val="100000"/>
-              </a:lnSpc>
-              <a:spcBef>
-                <a:spcPct val="0"/>
-              </a:spcBef>
-              <a:spcAft>
-                <a:spcPct val="0"/>
-              </a:spcAft>
-              <a:buClrTx/>
-              <a:buSzTx/>
-              <a:buFontTx/>
-              <a:buNone/>
-              <a:defRPr kumimoji="0" sz="1800" b="0" i="0" u="none" strike="noStrike" kern="1200" cap="none" spc="0" normalizeH="0" baseline="0" noProof="0">
-                <a:solidFill>
-                  <a:schemeClr val="tx1"/>
-                </a:solidFill>
-                <a:uLnTx/>
-                <a:uFillTx/>
-                <a:latin typeface="Arial" pitchFamily="34" charset="0"/>
-                <a:ea typeface="DejaVu Sans"/>
-                <a:cs typeface="DejaVu Sans"/>
-                <a:sym typeface="Wingdings" charset="2"/>
-              </a:defRPr>
-            </a:lvl6pPr>
-            <a:lvl7pPr marL="2743200" marR="0" indent="0" algn="l" defTabSz="914400" rtl="0" eaLnBrk="1" fontAlgn="auto" latinLnBrk="0" hangingPunct="1">
-              <a:lnSpc>
-                <a:spcPct val="100000"/>
-              </a:lnSpc>
-              <a:spcBef>
-                <a:spcPct val="0"/>
-              </a:spcBef>
-              <a:spcAft>
-                <a:spcPct val="0"/>
-              </a:spcAft>
-              <a:buClrTx/>
-              <a:buSzTx/>
-              <a:buFontTx/>
-              <a:buNone/>
-              <a:defRPr kumimoji="0" sz="1800" b="0" i="0" u="none" strike="noStrike" kern="1200" cap="none" spc="0" normalizeH="0" baseline="0" noProof="0">
-                <a:solidFill>
-                  <a:schemeClr val="tx1"/>
-                </a:solidFill>
-                <a:uLnTx/>
-                <a:uFillTx/>
-                <a:latin typeface="Arial" pitchFamily="34" charset="0"/>
-                <a:ea typeface="DejaVu Sans"/>
-                <a:cs typeface="DejaVu Sans"/>
-                <a:sym typeface="Wingdings" charset="2"/>
-              </a:defRPr>
-            </a:lvl7pPr>
-            <a:lvl8pPr marL="3200400" marR="0" indent="0" algn="l" defTabSz="914400" rtl="0" eaLnBrk="1" fontAlgn="auto" latinLnBrk="0" hangingPunct="1">
-              <a:lnSpc>
-                <a:spcPct val="100000"/>
-              </a:lnSpc>
-              <a:spcBef>
-                <a:spcPct val="0"/>
-              </a:spcBef>
-              <a:spcAft>
-                <a:spcPct val="0"/>
-              </a:spcAft>
-              <a:buClrTx/>
-              <a:buSzTx/>
-              <a:buFontTx/>
-              <a:buNone/>
-              <a:defRPr kumimoji="0" sz="1800" b="0" i="0" u="none" strike="noStrike" kern="1200" cap="none" spc="0" normalizeH="0" baseline="0" noProof="0">
-                <a:solidFill>
-                  <a:schemeClr val="tx1"/>
-                </a:solidFill>
-                <a:uLnTx/>
-                <a:uFillTx/>
-                <a:latin typeface="Arial" pitchFamily="34" charset="0"/>
-                <a:ea typeface="DejaVu Sans"/>
-                <a:cs typeface="DejaVu Sans"/>
-                <a:sym typeface="Wingdings" charset="2"/>
-              </a:defRPr>
-            </a:lvl8pPr>
-            <a:lvl9pPr marL="3657600" marR="0" indent="0" algn="l" defTabSz="914400" rtl="0" eaLnBrk="1" fontAlgn="auto" latinLnBrk="0" hangingPunct="1">
-              <a:lnSpc>
-                <a:spcPct val="100000"/>
-              </a:lnSpc>
-              <a:spcBef>
-                <a:spcPct val="0"/>
-              </a:spcBef>
-              <a:spcAft>
-                <a:spcPct val="0"/>
-              </a:spcAft>
-              <a:buClrTx/>
-              <a:buSzTx/>
-              <a:buFontTx/>
-              <a:buNone/>
-              <a:defRPr kumimoji="0" sz="1800" b="0" i="0" u="none" strike="noStrike" kern="1200" cap="none" spc="0" normalizeH="0" baseline="0" noProof="0">
-                <a:solidFill>
-                  <a:schemeClr val="tx1"/>
-                </a:solidFill>
-                <a:uLnTx/>
-                <a:uFillTx/>
-                <a:latin typeface="Arial" pitchFamily="34" charset="0"/>
-                <a:ea typeface="DejaVu Sans"/>
-                <a:cs typeface="DejaVu Sans"/>
-                <a:sym typeface="Wingdings" charset="2"/>
-              </a:defRPr>
-            </a:lvl9pPr>
-          </a:lstStyle>
-          <a:p>
-            <a:pPr>
-              <a:lnSpc>
-                <a:spcPct val="100000"/>
-              </a:lnSpc>
-            </a:pPr>
-            <a:r>
-              <a:rPr lang="pt-BR" sz="1800" b="0" strike="noStrike" spc="-1" dirty="0">
-                <a:solidFill>
-                  <a:srgbClr val="000000"/>
-                </a:solidFill>
-                <a:latin typeface="Arial" pitchFamily="34" charset="0"/>
-                <a:ea typeface="DejaVu Sans"/>
-              </a:rPr>
-              <a:t>Visão Computacional - Prof. André Hochuli</a:t>
-            </a:r>
-            <a:endParaRPr lang="pt-BR" sz="1800" b="0" strike="noStrike" spc="-1" dirty="0">
-              <a:latin typeface="Arial" pitchFamily="34" charset="0"/>
-            </a:endParaRPr>
-          </a:p>
-        </p:txBody>
-      </p:sp>
-    </p:spTree>
-    <p:extLst>
-      <p:ext uri="{BB962C8B-B14F-4D97-AF65-F5344CB8AC3E}">
-        <p14:creationId xmlns:p14="http://schemas.microsoft.com/office/powerpoint/2010/main" val="2853748024"/>
-      </p:ext>
-    </p:extLst>
-  </p:cSld>
-  <p:clrMapOvr>
-    <a:masterClrMapping/>
-  </p:clrMapOvr>
-  <p:transition/>
-</p:sld>
-</file>
-
 <file path=ppt/slides/slide17.xml><?xml version="1.0" encoding="utf-8"?>
 <p:sld xmlns:a="http://schemas.openxmlformats.org/drawingml/2006/main" xmlns:r="http://schemas.openxmlformats.org/officeDocument/2006/relationships" xmlns:p="http://schemas.openxmlformats.org/presentationml/2006/main">
   <p:cSld>
@@ -19596,12 +19647,158 @@
           </a:p>
         </p:txBody>
       </p:sp>
+      <p:sp>
+        <p:nvSpPr>
+          <p:cNvPr id="2" name="CaixaDeTexto 1">
+            <a:extLst>
+              <a:ext uri="{FF2B5EF4-FFF2-40B4-BE49-F238E27FC236}">
+                <a16:creationId xmlns:a16="http://schemas.microsoft.com/office/drawing/2014/main" id="{D744B707-1B4A-5A5F-CC17-5C9D8382FBD9}"/>
+              </a:ext>
+            </a:extLst>
+          </p:cNvPr>
+          <p:cNvSpPr txBox="1"/>
+          <p:nvPr/>
+        </p:nvSpPr>
+        <p:spPr>
+          <a:xfrm>
+            <a:off x="200025" y="1742667"/>
+            <a:ext cx="9516375" cy="646331"/>
+          </a:xfrm>
+          <a:prstGeom prst="rect">
+            <a:avLst/>
+          </a:prstGeom>
+          <a:noFill/>
+        </p:spPr>
+        <p:txBody>
+          <a:bodyPr wrap="square" rtlCol="0">
+            <a:spAutoFit/>
+          </a:bodyPr>
+          <a:lstStyle>
+            <a:defPPr>
+              <a:defRPr lang="pt-BR"/>
+            </a:defPPr>
+            <a:lvl1pPr marL="0" algn="l" defTabSz="914400" rtl="0" eaLnBrk="1" latinLnBrk="0" hangingPunct="1">
+              <a:defRPr sz="1800" kern="1200">
+                <a:solidFill>
+                  <a:schemeClr val="tx1"/>
+                </a:solidFill>
+                <a:latin typeface="Arial" pitchFamily="34" charset="0"/>
+                <a:ea typeface="DejaVu Sans"/>
+                <a:cs typeface="DejaVu Sans"/>
+              </a:defRPr>
+            </a:lvl1pPr>
+            <a:lvl2pPr marL="457200" algn="l" defTabSz="914400" rtl="0" eaLnBrk="1" latinLnBrk="0" hangingPunct="1">
+              <a:defRPr sz="1800" kern="1200">
+                <a:solidFill>
+                  <a:schemeClr val="tx1"/>
+                </a:solidFill>
+                <a:latin typeface="Arial" pitchFamily="34" charset="0"/>
+                <a:ea typeface="DejaVu Sans"/>
+                <a:cs typeface="DejaVu Sans"/>
+              </a:defRPr>
+            </a:lvl2pPr>
+            <a:lvl3pPr marL="914400" algn="l" defTabSz="914400" rtl="0" eaLnBrk="1" latinLnBrk="0" hangingPunct="1">
+              <a:defRPr sz="1800" kern="1200">
+                <a:solidFill>
+                  <a:schemeClr val="tx1"/>
+                </a:solidFill>
+                <a:latin typeface="Arial" pitchFamily="34" charset="0"/>
+                <a:ea typeface="DejaVu Sans"/>
+                <a:cs typeface="DejaVu Sans"/>
+              </a:defRPr>
+            </a:lvl3pPr>
+            <a:lvl4pPr marL="1371600" algn="l" defTabSz="914400" rtl="0" eaLnBrk="1" latinLnBrk="0" hangingPunct="1">
+              <a:defRPr sz="1800" kern="1200">
+                <a:solidFill>
+                  <a:schemeClr val="tx1"/>
+                </a:solidFill>
+                <a:latin typeface="Arial" pitchFamily="34" charset="0"/>
+                <a:ea typeface="DejaVu Sans"/>
+                <a:cs typeface="DejaVu Sans"/>
+              </a:defRPr>
+            </a:lvl4pPr>
+            <a:lvl5pPr marL="1828800" algn="l" defTabSz="914400" rtl="0" eaLnBrk="1" latinLnBrk="0" hangingPunct="1">
+              <a:defRPr sz="1800" kern="1200">
+                <a:solidFill>
+                  <a:schemeClr val="tx1"/>
+                </a:solidFill>
+                <a:latin typeface="Arial" pitchFamily="34" charset="0"/>
+                <a:ea typeface="DejaVu Sans"/>
+                <a:cs typeface="DejaVu Sans"/>
+              </a:defRPr>
+            </a:lvl5pPr>
+            <a:lvl6pPr marL="2286000" algn="l" defTabSz="914400" rtl="0" eaLnBrk="1" latinLnBrk="0" hangingPunct="1">
+              <a:defRPr sz="1800" kern="1200">
+                <a:solidFill>
+                  <a:schemeClr val="tx1"/>
+                </a:solidFill>
+                <a:latin typeface="Arial" pitchFamily="34" charset="0"/>
+                <a:ea typeface="DejaVu Sans"/>
+                <a:cs typeface="DejaVu Sans"/>
+              </a:defRPr>
+            </a:lvl6pPr>
+            <a:lvl7pPr marL="2743200" algn="l" defTabSz="914400" rtl="0" eaLnBrk="1" latinLnBrk="0" hangingPunct="1">
+              <a:defRPr sz="1800" kern="1200">
+                <a:solidFill>
+                  <a:schemeClr val="tx1"/>
+                </a:solidFill>
+                <a:latin typeface="Arial" pitchFamily="34" charset="0"/>
+                <a:ea typeface="DejaVu Sans"/>
+                <a:cs typeface="DejaVu Sans"/>
+              </a:defRPr>
+            </a:lvl7pPr>
+            <a:lvl8pPr marL="3200400" algn="l" defTabSz="914400" rtl="0" eaLnBrk="1" latinLnBrk="0" hangingPunct="1">
+              <a:defRPr sz="1800" kern="1200">
+                <a:solidFill>
+                  <a:schemeClr val="tx1"/>
+                </a:solidFill>
+                <a:latin typeface="Arial" pitchFamily="34" charset="0"/>
+                <a:ea typeface="DejaVu Sans"/>
+                <a:cs typeface="DejaVu Sans"/>
+              </a:defRPr>
+            </a:lvl8pPr>
+            <a:lvl9pPr marL="3657600" algn="l" defTabSz="914400" rtl="0" eaLnBrk="1" latinLnBrk="0" hangingPunct="1">
+              <a:defRPr sz="1800" kern="1200">
+                <a:solidFill>
+                  <a:schemeClr val="tx1"/>
+                </a:solidFill>
+                <a:latin typeface="Arial" pitchFamily="34" charset="0"/>
+                <a:ea typeface="DejaVu Sans"/>
+                <a:cs typeface="DejaVu Sans"/>
+              </a:defRPr>
+            </a:lvl9pPr>
+          </a:lstStyle>
+          <a:p>
+            <a:pPr marL="285750" indent="-285750">
+              <a:buFont typeface="Arial" pitchFamily="34" charset="0"/>
+              <a:buChar char="•"/>
+            </a:pPr>
+            <a:r>
+              <a:rPr lang="pt-BR" dirty="0">
+                <a:latin typeface="Calibri" panose="020F0502020204030204" pitchFamily="34" charset="0"/>
+                <a:cs typeface="Calibri" panose="020F0502020204030204" pitchFamily="34" charset="0"/>
+              </a:rPr>
+              <a:t>Determina regras de decisão</a:t>
+            </a:r>
+          </a:p>
+          <a:p>
+            <a:pPr marL="742950" lvl="1" indent="-285750">
+              <a:buFont typeface="Arial" pitchFamily="34" charset="0"/>
+              <a:buChar char="•"/>
+            </a:pPr>
+            <a:endParaRPr lang="en-US" dirty="0">
+              <a:latin typeface="Calibri" panose="020F0502020204030204" pitchFamily="34" charset="0"/>
+              <a:cs typeface="Calibri" panose="020F0502020204030204" pitchFamily="34" charset="0"/>
+            </a:endParaRPr>
+          </a:p>
+        </p:txBody>
+      </p:sp>
       <p:pic>
         <p:nvPicPr>
-          <p:cNvPr id="20482" name="Picture 2" descr="Visualize Decision Tree with Python Sklearn Library - Data Analytics">
+          <p:cNvPr id="18434" name="Picture 2" descr="Plot the decision surface of a decision tree on the iris dataset —  scikit-learn 0.15-git documentation">
             <a:extLst>
               <a:ext uri="{FF2B5EF4-FFF2-40B4-BE49-F238E27FC236}">
-                <a16:creationId xmlns:a16="http://schemas.microsoft.com/office/drawing/2014/main" id="{95B9D5E5-17EA-2C85-A074-1D21774A8632}"/>
+                <a16:creationId xmlns:a16="http://schemas.microsoft.com/office/drawing/2014/main" id="{76E9182F-4596-05EA-2CC7-35F61A35E1B4}"/>
               </a:ext>
             </a:extLst>
           </p:cNvPr>
@@ -19624,8 +19821,8 @@
         </p:blipFill>
         <p:spPr bwMode="auto">
           <a:xfrm>
-            <a:off x="2966720" y="1509446"/>
-            <a:ext cx="5262880" cy="5298877"/>
+            <a:off x="0" y="2306320"/>
+            <a:ext cx="5878724" cy="4409044"/>
           </a:xfrm>
           <a:prstGeom prst="rect">
             <a:avLst/>
@@ -19642,12 +19839,58 @@
           </a:extLst>
         </p:spPr>
       </p:pic>
+      <p:pic>
+        <p:nvPicPr>
+          <p:cNvPr id="18436" name="Picture 4" descr="Scikit-Learn Decision Trees Explained | by Frank Ceballos | Towards Data  Science">
+            <a:extLst>
+              <a:ext uri="{FF2B5EF4-FFF2-40B4-BE49-F238E27FC236}">
+                <a16:creationId xmlns:a16="http://schemas.microsoft.com/office/drawing/2014/main" id="{6C4DFBE6-6050-4796-9389-40A754472B47}"/>
+              </a:ext>
+            </a:extLst>
+          </p:cNvPr>
+          <p:cNvPicPr>
+            <a:picLocks noChangeAspect="1" noChangeArrowheads="1"/>
+          </p:cNvPicPr>
+          <p:nvPr/>
+        </p:nvPicPr>
+        <p:blipFill>
+          <a:blip r:embed="rId4">
+            <a:extLst>
+              <a:ext uri="{28A0092B-C50C-407E-A947-70E740481C1C}">
+                <a14:useLocalDpi xmlns:a14="http://schemas.microsoft.com/office/drawing/2010/main" val="0"/>
+              </a:ext>
+            </a:extLst>
+          </a:blip>
+          <a:stretch>
+            <a:fillRect/>
+          </a:stretch>
+        </p:blipFill>
+        <p:spPr bwMode="auto">
+          <a:xfrm>
+            <a:off x="5881499" y="2753286"/>
+            <a:ext cx="3834901" cy="3319883"/>
+          </a:xfrm>
+          <a:prstGeom prst="rect">
+            <a:avLst/>
+          </a:prstGeom>
+          <a:noFill/>
+          <a:extLst>
+            <a:ext uri="{909E8E84-426E-40DD-AFC4-6F175D3DCCD1}">
+              <a14:hiddenFill xmlns:a14="http://schemas.microsoft.com/office/drawing/2010/main">
+                <a:solidFill>
+                  <a:srgbClr val="FFFFFF"/>
+                </a:solidFill>
+              </a14:hiddenFill>
+            </a:ext>
+          </a:extLst>
+        </p:spPr>
+      </p:pic>
       <p:sp>
         <p:nvSpPr>
-          <p:cNvPr id="3" name="CustomShape 3">
+          <p:cNvPr id="4" name="CustomShape 3">
             <a:extLst>
               <a:ext uri="{FF2B5EF4-FFF2-40B4-BE49-F238E27FC236}">
-                <a16:creationId xmlns:a16="http://schemas.microsoft.com/office/drawing/2014/main" id="{2AB7E196-5324-FFF0-E1D0-89ADB98D4DB9}"/>
+                <a16:creationId xmlns:a16="http://schemas.microsoft.com/office/drawing/2014/main" id="{73F969F4-501B-FEEB-36BB-70C8B318D563}"/>
               </a:ext>
             </a:extLst>
           </p:cNvPr>
@@ -19706,10 +19949,10 @@
       </p:sp>
       <p:sp>
         <p:nvSpPr>
-          <p:cNvPr id="4" name="CustomShape 2">
+          <p:cNvPr id="5" name="CustomShape 2">
             <a:extLst>
               <a:ext uri="{FF2B5EF4-FFF2-40B4-BE49-F238E27FC236}">
-                <a16:creationId xmlns:a16="http://schemas.microsoft.com/office/drawing/2014/main" id="{5548738D-C787-496B-C0BB-92A2794DD5EB}"/>
+                <a16:creationId xmlns:a16="http://schemas.microsoft.com/office/drawing/2014/main" id="{40A20143-0D51-0EFF-0318-8E840C82A42F}"/>
               </a:ext>
             </a:extLst>
           </p:cNvPr>
@@ -20007,7 +20250,7 @@
     </p:spTree>
     <p:extLst>
       <p:ext uri="{BB962C8B-B14F-4D97-AF65-F5344CB8AC3E}">
-        <p14:creationId xmlns:p14="http://schemas.microsoft.com/office/powerpoint/2010/main" val="2357365324"/>
+        <p14:creationId xmlns:p14="http://schemas.microsoft.com/office/powerpoint/2010/main" val="2853748024"/>
       </p:ext>
     </p:extLst>
   </p:cSld>
@@ -20350,7 +20593,7 @@
                 </a:solidFill>
                 <a:latin typeface="Latin Modern Sans"/>
               </a:rPr>
-              <a:t>Support Vector Machine (SVM)</a:t>
+              <a:t>Decision Tree</a:t>
             </a:r>
             <a:endParaRPr lang="en-US" sz="3200" b="0" strike="noStrike" spc="-1" dirty="0">
               <a:latin typeface="Arial" pitchFamily="34" charset="0"/>
@@ -20358,148 +20601,12 @@
           </a:p>
         </p:txBody>
       </p:sp>
-      <p:sp>
-        <p:nvSpPr>
-          <p:cNvPr id="2" name="CaixaDeTexto 1">
+      <p:pic>
+        <p:nvPicPr>
+          <p:cNvPr id="20482" name="Picture 2" descr="Visualize Decision Tree with Python Sklearn Library - Data Analytics">
             <a:extLst>
               <a:ext uri="{FF2B5EF4-FFF2-40B4-BE49-F238E27FC236}">
-                <a16:creationId xmlns:a16="http://schemas.microsoft.com/office/drawing/2014/main" id="{D744B707-1B4A-5A5F-CC17-5C9D8382FBD9}"/>
-              </a:ext>
-            </a:extLst>
-          </p:cNvPr>
-          <p:cNvSpPr txBox="1"/>
-          <p:nvPr/>
-        </p:nvSpPr>
-        <p:spPr>
-          <a:xfrm>
-            <a:off x="200025" y="1742667"/>
-            <a:ext cx="9516375" cy="369332"/>
-          </a:xfrm>
-          <a:prstGeom prst="rect">
-            <a:avLst/>
-          </a:prstGeom>
-          <a:noFill/>
-        </p:spPr>
-        <p:txBody>
-          <a:bodyPr wrap="square" rtlCol="0">
-            <a:spAutoFit/>
-          </a:bodyPr>
-          <a:lstStyle>
-            <a:defPPr>
-              <a:defRPr lang="pt-BR"/>
-            </a:defPPr>
-            <a:lvl1pPr marL="0" algn="l" defTabSz="914400" rtl="0" eaLnBrk="1" latinLnBrk="0" hangingPunct="1">
-              <a:defRPr sz="1800" kern="1200">
-                <a:solidFill>
-                  <a:schemeClr val="tx1"/>
-                </a:solidFill>
-                <a:latin typeface="Arial" pitchFamily="34" charset="0"/>
-                <a:ea typeface="DejaVu Sans"/>
-                <a:cs typeface="DejaVu Sans"/>
-              </a:defRPr>
-            </a:lvl1pPr>
-            <a:lvl2pPr marL="457200" algn="l" defTabSz="914400" rtl="0" eaLnBrk="1" latinLnBrk="0" hangingPunct="1">
-              <a:defRPr sz="1800" kern="1200">
-                <a:solidFill>
-                  <a:schemeClr val="tx1"/>
-                </a:solidFill>
-                <a:latin typeface="Arial" pitchFamily="34" charset="0"/>
-                <a:ea typeface="DejaVu Sans"/>
-                <a:cs typeface="DejaVu Sans"/>
-              </a:defRPr>
-            </a:lvl2pPr>
-            <a:lvl3pPr marL="914400" algn="l" defTabSz="914400" rtl="0" eaLnBrk="1" latinLnBrk="0" hangingPunct="1">
-              <a:defRPr sz="1800" kern="1200">
-                <a:solidFill>
-                  <a:schemeClr val="tx1"/>
-                </a:solidFill>
-                <a:latin typeface="Arial" pitchFamily="34" charset="0"/>
-                <a:ea typeface="DejaVu Sans"/>
-                <a:cs typeface="DejaVu Sans"/>
-              </a:defRPr>
-            </a:lvl3pPr>
-            <a:lvl4pPr marL="1371600" algn="l" defTabSz="914400" rtl="0" eaLnBrk="1" latinLnBrk="0" hangingPunct="1">
-              <a:defRPr sz="1800" kern="1200">
-                <a:solidFill>
-                  <a:schemeClr val="tx1"/>
-                </a:solidFill>
-                <a:latin typeface="Arial" pitchFamily="34" charset="0"/>
-                <a:ea typeface="DejaVu Sans"/>
-                <a:cs typeface="DejaVu Sans"/>
-              </a:defRPr>
-            </a:lvl4pPr>
-            <a:lvl5pPr marL="1828800" algn="l" defTabSz="914400" rtl="0" eaLnBrk="1" latinLnBrk="0" hangingPunct="1">
-              <a:defRPr sz="1800" kern="1200">
-                <a:solidFill>
-                  <a:schemeClr val="tx1"/>
-                </a:solidFill>
-                <a:latin typeface="Arial" pitchFamily="34" charset="0"/>
-                <a:ea typeface="DejaVu Sans"/>
-                <a:cs typeface="DejaVu Sans"/>
-              </a:defRPr>
-            </a:lvl5pPr>
-            <a:lvl6pPr marL="2286000" algn="l" defTabSz="914400" rtl="0" eaLnBrk="1" latinLnBrk="0" hangingPunct="1">
-              <a:defRPr sz="1800" kern="1200">
-                <a:solidFill>
-                  <a:schemeClr val="tx1"/>
-                </a:solidFill>
-                <a:latin typeface="Arial" pitchFamily="34" charset="0"/>
-                <a:ea typeface="DejaVu Sans"/>
-                <a:cs typeface="DejaVu Sans"/>
-              </a:defRPr>
-            </a:lvl6pPr>
-            <a:lvl7pPr marL="2743200" algn="l" defTabSz="914400" rtl="0" eaLnBrk="1" latinLnBrk="0" hangingPunct="1">
-              <a:defRPr sz="1800" kern="1200">
-                <a:solidFill>
-                  <a:schemeClr val="tx1"/>
-                </a:solidFill>
-                <a:latin typeface="Arial" pitchFamily="34" charset="0"/>
-                <a:ea typeface="DejaVu Sans"/>
-                <a:cs typeface="DejaVu Sans"/>
-              </a:defRPr>
-            </a:lvl7pPr>
-            <a:lvl8pPr marL="3200400" algn="l" defTabSz="914400" rtl="0" eaLnBrk="1" latinLnBrk="0" hangingPunct="1">
-              <a:defRPr sz="1800" kern="1200">
-                <a:solidFill>
-                  <a:schemeClr val="tx1"/>
-                </a:solidFill>
-                <a:latin typeface="Arial" pitchFamily="34" charset="0"/>
-                <a:ea typeface="DejaVu Sans"/>
-                <a:cs typeface="DejaVu Sans"/>
-              </a:defRPr>
-            </a:lvl8pPr>
-            <a:lvl9pPr marL="3657600" algn="l" defTabSz="914400" rtl="0" eaLnBrk="1" latinLnBrk="0" hangingPunct="1">
-              <a:defRPr sz="1800" kern="1200">
-                <a:solidFill>
-                  <a:schemeClr val="tx1"/>
-                </a:solidFill>
-                <a:latin typeface="Arial" pitchFamily="34" charset="0"/>
-                <a:ea typeface="DejaVu Sans"/>
-                <a:cs typeface="DejaVu Sans"/>
-              </a:defRPr>
-            </a:lvl9pPr>
-          </a:lstStyle>
-          <a:p>
-            <a:pPr marL="285750" indent="-285750">
-              <a:buFont typeface="Arial" pitchFamily="34" charset="0"/>
-              <a:buChar char="•"/>
-            </a:pPr>
-            <a:r>
-              <a:rPr lang="pt-BR" dirty="0">
-                <a:latin typeface="Calibri" panose="020F0502020204030204" pitchFamily="34" charset="0"/>
-                <a:cs typeface="Calibri" panose="020F0502020204030204" pitchFamily="34" charset="0"/>
-              </a:rPr>
-              <a:t>Fronteiras de decisão é baseado em vetores de suporte</a:t>
-            </a:r>
-          </a:p>
-        </p:txBody>
-      </p:sp>
-      <p:pic>
-        <p:nvPicPr>
-          <p:cNvPr id="7170" name="Picture 2" descr="Support Vector Machine (SVM). Support Vector Machine algorithm… | by Vivek  Salunkhe | Medium">
-            <a:extLst>
-              <a:ext uri="{FF2B5EF4-FFF2-40B4-BE49-F238E27FC236}">
-                <a16:creationId xmlns:a16="http://schemas.microsoft.com/office/drawing/2014/main" id="{5648A464-81C1-C14A-0BC0-21B92E11A8DB}"/>
+                <a16:creationId xmlns:a16="http://schemas.microsoft.com/office/drawing/2014/main" id="{95B9D5E5-17EA-2C85-A074-1D21774A8632}"/>
               </a:ext>
             </a:extLst>
           </p:cNvPr>
@@ -20522,8 +20629,8 @@
         </p:blipFill>
         <p:spPr bwMode="auto">
           <a:xfrm>
-            <a:off x="2730500" y="2322933"/>
-            <a:ext cx="4406900" cy="3868364"/>
+            <a:off x="2966720" y="1509446"/>
+            <a:ext cx="5262880" cy="5298877"/>
           </a:xfrm>
           <a:prstGeom prst="rect">
             <a:avLst/>
@@ -20542,10 +20649,10 @@
       </p:pic>
       <p:sp>
         <p:nvSpPr>
-          <p:cNvPr id="4" name="CustomShape 3">
+          <p:cNvPr id="3" name="CustomShape 3">
             <a:extLst>
               <a:ext uri="{FF2B5EF4-FFF2-40B4-BE49-F238E27FC236}">
-                <a16:creationId xmlns:a16="http://schemas.microsoft.com/office/drawing/2014/main" id="{E03228E7-5F12-7F3A-ECBB-C41E8DCE0049}"/>
+                <a16:creationId xmlns:a16="http://schemas.microsoft.com/office/drawing/2014/main" id="{2AB7E196-5324-FFF0-E1D0-89ADB98D4DB9}"/>
               </a:ext>
             </a:extLst>
           </p:cNvPr>
@@ -20604,10 +20711,10 @@
       </p:sp>
       <p:sp>
         <p:nvSpPr>
-          <p:cNvPr id="5" name="CustomShape 2">
+          <p:cNvPr id="4" name="CustomShape 2">
             <a:extLst>
               <a:ext uri="{FF2B5EF4-FFF2-40B4-BE49-F238E27FC236}">
-                <a16:creationId xmlns:a16="http://schemas.microsoft.com/office/drawing/2014/main" id="{69F7D0AC-D573-03D7-9B78-6FC95D0814F9}"/>
+                <a16:creationId xmlns:a16="http://schemas.microsoft.com/office/drawing/2014/main" id="{5548738D-C787-496B-C0BB-92A2794DD5EB}"/>
               </a:ext>
             </a:extLst>
           </p:cNvPr>
@@ -20905,7 +21012,7 @@
     </p:spTree>
     <p:extLst>
       <p:ext uri="{BB962C8B-B14F-4D97-AF65-F5344CB8AC3E}">
-        <p14:creationId xmlns:p14="http://schemas.microsoft.com/office/powerpoint/2010/main" val="3139828511"/>
+        <p14:creationId xmlns:p14="http://schemas.microsoft.com/office/powerpoint/2010/main" val="2357365324"/>
       </p:ext>
     </p:extLst>
   </p:cSld>
@@ -21383,11 +21490,2191 @@
               <a:buChar char="•"/>
             </a:pPr>
             <a:r>
+              <a:rPr lang="pt-BR" dirty="0">
+                <a:latin typeface="Calibri" panose="020F0502020204030204" pitchFamily="34" charset="0"/>
+                <a:cs typeface="Calibri" panose="020F0502020204030204" pitchFamily="34" charset="0"/>
+              </a:rPr>
+              <a:t>Fronteiras de decisão são baseadas em vetores de suporte</a:t>
+            </a:r>
+          </a:p>
+        </p:txBody>
+      </p:sp>
+      <p:pic>
+        <p:nvPicPr>
+          <p:cNvPr id="7170" name="Picture 2" descr="Support Vector Machine (SVM). Support Vector Machine algorithm… | by Vivek  Salunkhe | Medium">
+            <a:extLst>
+              <a:ext uri="{FF2B5EF4-FFF2-40B4-BE49-F238E27FC236}">
+                <a16:creationId xmlns:a16="http://schemas.microsoft.com/office/drawing/2014/main" id="{5648A464-81C1-C14A-0BC0-21B92E11A8DB}"/>
+              </a:ext>
+            </a:extLst>
+          </p:cNvPr>
+          <p:cNvPicPr>
+            <a:picLocks noChangeAspect="1" noChangeArrowheads="1"/>
+          </p:cNvPicPr>
+          <p:nvPr/>
+        </p:nvPicPr>
+        <p:blipFill>
+          <a:blip r:embed="rId3">
+            <a:extLst>
+              <a:ext uri="{28A0092B-C50C-407E-A947-70E740481C1C}">
+                <a14:useLocalDpi xmlns:a14="http://schemas.microsoft.com/office/drawing/2010/main" val="0"/>
+              </a:ext>
+            </a:extLst>
+          </a:blip>
+          <a:stretch>
+            <a:fillRect/>
+          </a:stretch>
+        </p:blipFill>
+        <p:spPr bwMode="auto">
+          <a:xfrm>
+            <a:off x="2730500" y="2322933"/>
+            <a:ext cx="4406900" cy="3868364"/>
+          </a:xfrm>
+          <a:prstGeom prst="rect">
+            <a:avLst/>
+          </a:prstGeom>
+          <a:noFill/>
+          <a:extLst>
+            <a:ext uri="{909E8E84-426E-40DD-AFC4-6F175D3DCCD1}">
+              <a14:hiddenFill xmlns:a14="http://schemas.microsoft.com/office/drawing/2010/main">
+                <a:solidFill>
+                  <a:srgbClr val="FFFFFF"/>
+                </a:solidFill>
+              </a14:hiddenFill>
+            </a:ext>
+          </a:extLst>
+        </p:spPr>
+      </p:pic>
+      <p:sp>
+        <p:nvSpPr>
+          <p:cNvPr id="4" name="CustomShape 3">
+            <a:extLst>
+              <a:ext uri="{FF2B5EF4-FFF2-40B4-BE49-F238E27FC236}">
+                <a16:creationId xmlns:a16="http://schemas.microsoft.com/office/drawing/2014/main" id="{E03228E7-5F12-7F3A-ECBB-C41E8DCE0049}"/>
+              </a:ext>
+            </a:extLst>
+          </p:cNvPr>
+          <p:cNvSpPr/>
+          <p:nvPr/>
+        </p:nvSpPr>
+        <p:spPr>
+          <a:xfrm>
+            <a:off x="7608600" y="6886080"/>
+            <a:ext cx="2281680" cy="361440"/>
+          </a:xfrm>
+          <a:prstGeom prst="rect">
+            <a:avLst/>
+          </a:prstGeom>
+          <a:noFill/>
+          <a:ln>
+            <a:noFill/>
+          </a:ln>
+        </p:spPr>
+        <p:style>
+          <a:lnRef idx="0">
+            <a:scrgbClr r="0" g="0" b="0"/>
+          </a:lnRef>
+          <a:fillRef idx="0">
+            <a:scrgbClr r="0" g="0" b="0"/>
+          </a:fillRef>
+          <a:effectRef idx="0">
+            <a:scrgbClr r="0" g="0" b="0"/>
+          </a:effectRef>
+          <a:fontRef idx="minor"/>
+        </p:style>
+        <p:txBody>
+          <a:bodyPr lIns="90000" tIns="45000" rIns="90000" bIns="45000"/>
+          <a:lstStyle/>
+          <a:p>
+            <a:pPr>
+              <a:lnSpc>
+                <a:spcPct val="100000"/>
+              </a:lnSpc>
+            </a:pPr>
+            <a:r>
+              <a:rPr lang="pt-BR" sz="1800" b="0" strike="noStrike" spc="-1" dirty="0">
+                <a:solidFill>
+                  <a:srgbClr val="000000"/>
+                </a:solidFill>
+                <a:latin typeface="Arial"/>
+                <a:ea typeface="DejaVu Sans"/>
+              </a:rPr>
+              <a:t>Aula 04</a:t>
+            </a:r>
+            <a:endParaRPr lang="pt-BR" sz="1800" b="0" strike="noStrike" spc="-1" dirty="0">
+              <a:latin typeface="Arial"/>
+            </a:endParaRPr>
+          </a:p>
+        </p:txBody>
+      </p:sp>
+      <p:sp>
+        <p:nvSpPr>
+          <p:cNvPr id="5" name="CustomShape 2">
+            <a:extLst>
+              <a:ext uri="{FF2B5EF4-FFF2-40B4-BE49-F238E27FC236}">
+                <a16:creationId xmlns:a16="http://schemas.microsoft.com/office/drawing/2014/main" id="{69F7D0AC-D573-03D7-9B78-6FC95D0814F9}"/>
+              </a:ext>
+            </a:extLst>
+          </p:cNvPr>
+          <p:cNvSpPr/>
+          <p:nvPr/>
+        </p:nvSpPr>
+        <p:spPr>
+          <a:xfrm>
+            <a:off x="897120" y="6886080"/>
+            <a:ext cx="6443640" cy="361440"/>
+          </a:xfrm>
+          <a:prstGeom prst="rect">
+            <a:avLst/>
+          </a:prstGeom>
+          <a:noFill/>
+          <a:ln>
+            <a:noFill/>
+          </a:ln>
+        </p:spPr>
+        <p:style>
+          <a:lnRef idx="0">
+            <a:scrgbClr r="0" g="0" b="0"/>
+          </a:lnRef>
+          <a:fillRef idx="0">
+            <a:scrgbClr r="0" g="0" b="0"/>
+          </a:fillRef>
+          <a:effectRef idx="0">
+            <a:scrgbClr r="0" g="0" b="0"/>
+          </a:effectRef>
+          <a:fontRef idx="minor"/>
+        </p:style>
+        <p:txBody>
+          <a:bodyPr lIns="90000" tIns="45000" rIns="90000" bIns="45000"/>
+          <a:lstStyle>
+            <a:defPPr>
+              <a:defRPr lang="pt-BR"/>
+            </a:defPPr>
+            <a:lvl1pPr marL="0" marR="0" indent="0" algn="l" defTabSz="914400" rtl="0" eaLnBrk="1" fontAlgn="auto" latinLnBrk="0" hangingPunct="1">
+              <a:lnSpc>
+                <a:spcPct val="100000"/>
+              </a:lnSpc>
+              <a:spcBef>
+                <a:spcPct val="0"/>
+              </a:spcBef>
+              <a:spcAft>
+                <a:spcPct val="0"/>
+              </a:spcAft>
+              <a:buClrTx/>
+              <a:buSzTx/>
+              <a:buFontTx/>
+              <a:buNone/>
+              <a:defRPr kumimoji="0" sz="1800" b="0" i="0" u="none" strike="noStrike" kern="1200" cap="none" spc="0" normalizeH="0" baseline="0" noProof="0">
+                <a:solidFill>
+                  <a:schemeClr val="tx1"/>
+                </a:solidFill>
+                <a:uLnTx/>
+                <a:uFillTx/>
+                <a:latin typeface="Arial" pitchFamily="34" charset="0"/>
+                <a:ea typeface="DejaVu Sans"/>
+                <a:cs typeface="DejaVu Sans"/>
+                <a:sym typeface="Wingdings" charset="2"/>
+              </a:defRPr>
+            </a:lvl1pPr>
+            <a:lvl2pPr marL="457200" marR="0" indent="0" algn="l" defTabSz="914400" rtl="0" eaLnBrk="1" fontAlgn="auto" latinLnBrk="0" hangingPunct="1">
+              <a:lnSpc>
+                <a:spcPct val="100000"/>
+              </a:lnSpc>
+              <a:spcBef>
+                <a:spcPct val="0"/>
+              </a:spcBef>
+              <a:spcAft>
+                <a:spcPct val="0"/>
+              </a:spcAft>
+              <a:buClrTx/>
+              <a:buSzTx/>
+              <a:buFontTx/>
+              <a:buNone/>
+              <a:defRPr kumimoji="0" sz="1800" b="0" i="0" u="none" strike="noStrike" kern="1200" cap="none" spc="0" normalizeH="0" baseline="0" noProof="0">
+                <a:solidFill>
+                  <a:schemeClr val="tx1"/>
+                </a:solidFill>
+                <a:uLnTx/>
+                <a:uFillTx/>
+                <a:latin typeface="Arial" pitchFamily="34" charset="0"/>
+                <a:ea typeface="DejaVu Sans"/>
+                <a:cs typeface="DejaVu Sans"/>
+                <a:sym typeface="Wingdings" charset="2"/>
+              </a:defRPr>
+            </a:lvl2pPr>
+            <a:lvl3pPr marL="914400" marR="0" indent="0" algn="l" defTabSz="914400" rtl="0" eaLnBrk="1" fontAlgn="auto" latinLnBrk="0" hangingPunct="1">
+              <a:lnSpc>
+                <a:spcPct val="100000"/>
+              </a:lnSpc>
+              <a:spcBef>
+                <a:spcPct val="0"/>
+              </a:spcBef>
+              <a:spcAft>
+                <a:spcPct val="0"/>
+              </a:spcAft>
+              <a:buClrTx/>
+              <a:buSzTx/>
+              <a:buFontTx/>
+              <a:buNone/>
+              <a:defRPr kumimoji="0" sz="1800" b="0" i="0" u="none" strike="noStrike" kern="1200" cap="none" spc="0" normalizeH="0" baseline="0" noProof="0">
+                <a:solidFill>
+                  <a:schemeClr val="tx1"/>
+                </a:solidFill>
+                <a:uLnTx/>
+                <a:uFillTx/>
+                <a:latin typeface="Arial" pitchFamily="34" charset="0"/>
+                <a:ea typeface="DejaVu Sans"/>
+                <a:cs typeface="DejaVu Sans"/>
+                <a:sym typeface="Wingdings" charset="2"/>
+              </a:defRPr>
+            </a:lvl3pPr>
+            <a:lvl4pPr marL="1371600" marR="0" indent="0" algn="l" defTabSz="914400" rtl="0" eaLnBrk="1" fontAlgn="auto" latinLnBrk="0" hangingPunct="1">
+              <a:lnSpc>
+                <a:spcPct val="100000"/>
+              </a:lnSpc>
+              <a:spcBef>
+                <a:spcPct val="0"/>
+              </a:spcBef>
+              <a:spcAft>
+                <a:spcPct val="0"/>
+              </a:spcAft>
+              <a:buClrTx/>
+              <a:buSzTx/>
+              <a:buFontTx/>
+              <a:buNone/>
+              <a:defRPr kumimoji="0" sz="1800" b="0" i="0" u="none" strike="noStrike" kern="1200" cap="none" spc="0" normalizeH="0" baseline="0" noProof="0">
+                <a:solidFill>
+                  <a:schemeClr val="tx1"/>
+                </a:solidFill>
+                <a:uLnTx/>
+                <a:uFillTx/>
+                <a:latin typeface="Arial" pitchFamily="34" charset="0"/>
+                <a:ea typeface="DejaVu Sans"/>
+                <a:cs typeface="DejaVu Sans"/>
+                <a:sym typeface="Wingdings" charset="2"/>
+              </a:defRPr>
+            </a:lvl4pPr>
+            <a:lvl5pPr marL="1828800" marR="0" indent="0" algn="l" defTabSz="914400" rtl="0" eaLnBrk="1" fontAlgn="auto" latinLnBrk="0" hangingPunct="1">
+              <a:lnSpc>
+                <a:spcPct val="100000"/>
+              </a:lnSpc>
+              <a:spcBef>
+                <a:spcPct val="0"/>
+              </a:spcBef>
+              <a:spcAft>
+                <a:spcPct val="0"/>
+              </a:spcAft>
+              <a:buClrTx/>
+              <a:buSzTx/>
+              <a:buFontTx/>
+              <a:buNone/>
+              <a:defRPr kumimoji="0" sz="1800" b="0" i="0" u="none" strike="noStrike" kern="1200" cap="none" spc="0" normalizeH="0" baseline="0" noProof="0">
+                <a:solidFill>
+                  <a:schemeClr val="tx1"/>
+                </a:solidFill>
+                <a:uLnTx/>
+                <a:uFillTx/>
+                <a:latin typeface="Arial" pitchFamily="34" charset="0"/>
+                <a:ea typeface="DejaVu Sans"/>
+                <a:cs typeface="DejaVu Sans"/>
+                <a:sym typeface="Wingdings" charset="2"/>
+              </a:defRPr>
+            </a:lvl5pPr>
+            <a:lvl6pPr marL="2286000" marR="0" indent="0" algn="l" defTabSz="914400" rtl="0" eaLnBrk="1" fontAlgn="auto" latinLnBrk="0" hangingPunct="1">
+              <a:lnSpc>
+                <a:spcPct val="100000"/>
+              </a:lnSpc>
+              <a:spcBef>
+                <a:spcPct val="0"/>
+              </a:spcBef>
+              <a:spcAft>
+                <a:spcPct val="0"/>
+              </a:spcAft>
+              <a:buClrTx/>
+              <a:buSzTx/>
+              <a:buFontTx/>
+              <a:buNone/>
+              <a:defRPr kumimoji="0" sz="1800" b="0" i="0" u="none" strike="noStrike" kern="1200" cap="none" spc="0" normalizeH="0" baseline="0" noProof="0">
+                <a:solidFill>
+                  <a:schemeClr val="tx1"/>
+                </a:solidFill>
+                <a:uLnTx/>
+                <a:uFillTx/>
+                <a:latin typeface="Arial" pitchFamily="34" charset="0"/>
+                <a:ea typeface="DejaVu Sans"/>
+                <a:cs typeface="DejaVu Sans"/>
+                <a:sym typeface="Wingdings" charset="2"/>
+              </a:defRPr>
+            </a:lvl6pPr>
+            <a:lvl7pPr marL="2743200" marR="0" indent="0" algn="l" defTabSz="914400" rtl="0" eaLnBrk="1" fontAlgn="auto" latinLnBrk="0" hangingPunct="1">
+              <a:lnSpc>
+                <a:spcPct val="100000"/>
+              </a:lnSpc>
+              <a:spcBef>
+                <a:spcPct val="0"/>
+              </a:spcBef>
+              <a:spcAft>
+                <a:spcPct val="0"/>
+              </a:spcAft>
+              <a:buClrTx/>
+              <a:buSzTx/>
+              <a:buFontTx/>
+              <a:buNone/>
+              <a:defRPr kumimoji="0" sz="1800" b="0" i="0" u="none" strike="noStrike" kern="1200" cap="none" spc="0" normalizeH="0" baseline="0" noProof="0">
+                <a:solidFill>
+                  <a:schemeClr val="tx1"/>
+                </a:solidFill>
+                <a:uLnTx/>
+                <a:uFillTx/>
+                <a:latin typeface="Arial" pitchFamily="34" charset="0"/>
+                <a:ea typeface="DejaVu Sans"/>
+                <a:cs typeface="DejaVu Sans"/>
+                <a:sym typeface="Wingdings" charset="2"/>
+              </a:defRPr>
+            </a:lvl7pPr>
+            <a:lvl8pPr marL="3200400" marR="0" indent="0" algn="l" defTabSz="914400" rtl="0" eaLnBrk="1" fontAlgn="auto" latinLnBrk="0" hangingPunct="1">
+              <a:lnSpc>
+                <a:spcPct val="100000"/>
+              </a:lnSpc>
+              <a:spcBef>
+                <a:spcPct val="0"/>
+              </a:spcBef>
+              <a:spcAft>
+                <a:spcPct val="0"/>
+              </a:spcAft>
+              <a:buClrTx/>
+              <a:buSzTx/>
+              <a:buFontTx/>
+              <a:buNone/>
+              <a:defRPr kumimoji="0" sz="1800" b="0" i="0" u="none" strike="noStrike" kern="1200" cap="none" spc="0" normalizeH="0" baseline="0" noProof="0">
+                <a:solidFill>
+                  <a:schemeClr val="tx1"/>
+                </a:solidFill>
+                <a:uLnTx/>
+                <a:uFillTx/>
+                <a:latin typeface="Arial" pitchFamily="34" charset="0"/>
+                <a:ea typeface="DejaVu Sans"/>
+                <a:cs typeface="DejaVu Sans"/>
+                <a:sym typeface="Wingdings" charset="2"/>
+              </a:defRPr>
+            </a:lvl8pPr>
+            <a:lvl9pPr marL="3657600" marR="0" indent="0" algn="l" defTabSz="914400" rtl="0" eaLnBrk="1" fontAlgn="auto" latinLnBrk="0" hangingPunct="1">
+              <a:lnSpc>
+                <a:spcPct val="100000"/>
+              </a:lnSpc>
+              <a:spcBef>
+                <a:spcPct val="0"/>
+              </a:spcBef>
+              <a:spcAft>
+                <a:spcPct val="0"/>
+              </a:spcAft>
+              <a:buClrTx/>
+              <a:buSzTx/>
+              <a:buFontTx/>
+              <a:buNone/>
+              <a:defRPr kumimoji="0" sz="1800" b="0" i="0" u="none" strike="noStrike" kern="1200" cap="none" spc="0" normalizeH="0" baseline="0" noProof="0">
+                <a:solidFill>
+                  <a:schemeClr val="tx1"/>
+                </a:solidFill>
+                <a:uLnTx/>
+                <a:uFillTx/>
+                <a:latin typeface="Arial" pitchFamily="34" charset="0"/>
+                <a:ea typeface="DejaVu Sans"/>
+                <a:cs typeface="DejaVu Sans"/>
+                <a:sym typeface="Wingdings" charset="2"/>
+              </a:defRPr>
+            </a:lvl9pPr>
+          </a:lstStyle>
+          <a:p>
+            <a:pPr>
+              <a:lnSpc>
+                <a:spcPct val="100000"/>
+              </a:lnSpc>
+            </a:pPr>
+            <a:r>
+              <a:rPr lang="pt-BR" sz="1800" b="0" strike="noStrike" spc="-1" dirty="0">
+                <a:solidFill>
+                  <a:srgbClr val="000000"/>
+                </a:solidFill>
+                <a:latin typeface="Arial" pitchFamily="34" charset="0"/>
+                <a:ea typeface="DejaVu Sans"/>
+              </a:rPr>
+              <a:t>Visão Computacional - Prof. André Hochuli</a:t>
+            </a:r>
+            <a:endParaRPr lang="pt-BR" sz="1800" b="0" strike="noStrike" spc="-1" dirty="0">
+              <a:latin typeface="Arial" pitchFamily="34" charset="0"/>
+            </a:endParaRPr>
+          </a:p>
+        </p:txBody>
+      </p:sp>
+    </p:spTree>
+    <p:extLst>
+      <p:ext uri="{BB962C8B-B14F-4D97-AF65-F5344CB8AC3E}">
+        <p14:creationId xmlns:p14="http://schemas.microsoft.com/office/powerpoint/2010/main" val="3139828511"/>
+      </p:ext>
+    </p:extLst>
+  </p:cSld>
+  <p:clrMapOvr>
+    <a:masterClrMapping/>
+  </p:clrMapOvr>
+  <p:transition/>
+</p:sld>
+</file>
+
+<file path=ppt/slides/slide2.xml><?xml version="1.0" encoding="utf-8"?>
+<p:sld xmlns:a="http://schemas.openxmlformats.org/drawingml/2006/main" xmlns:r="http://schemas.openxmlformats.org/officeDocument/2006/relationships" xmlns:p="http://schemas.openxmlformats.org/presentationml/2006/main">
+  <p:cSld>
+    <p:spTree>
+      <p:nvGrpSpPr>
+        <p:cNvPr id="1" name=""/>
+        <p:cNvGrpSpPr/>
+        <p:nvPr/>
+      </p:nvGrpSpPr>
+      <p:grpSpPr>
+        <a:xfrm>
+          <a:off x="0" y="0"/>
+          <a:ext cx="0" cy="0"/>
+          <a:chOff x="0" y="0"/>
+          <a:chExt cx="0" cy="0"/>
+        </a:xfrm>
+      </p:grpSpPr>
+      <p:sp>
+        <p:nvSpPr>
+          <p:cNvPr id="89" name="CustomShape 1"/>
+          <p:cNvSpPr/>
+          <p:nvPr/>
+        </p:nvSpPr>
+        <p:spPr>
+          <a:xfrm>
+            <a:off x="360000" y="360000"/>
+            <a:ext cx="9356400" cy="896400"/>
+          </a:xfrm>
+          <a:prstGeom prst="rect">
+            <a:avLst/>
+          </a:prstGeom>
+          <a:noFill/>
+          <a:ln>
+            <a:noFill/>
+          </a:ln>
+        </p:spPr>
+        <p:style>
+          <a:lnRef idx="0">
+            <a:scrgbClr r="0" g="0" b="0"/>
+          </a:lnRef>
+          <a:fillRef idx="0">
+            <a:scrgbClr r="0" g="0" b="0"/>
+          </a:fillRef>
+          <a:effectRef idx="0">
+            <a:scrgbClr r="0" g="0" b="0"/>
+          </a:effectRef>
+          <a:fontRef idx="minor"/>
+        </p:style>
+        <p:txBody>
+          <a:bodyPr lIns="0" tIns="0" rIns="0" bIns="0" anchor="b"/>
+          <a:lstStyle>
+            <a:defPPr>
+              <a:defRPr lang="pt-BR"/>
+            </a:defPPr>
+            <a:lvl1pPr marL="0" marR="0" indent="0" algn="l" defTabSz="914400" rtl="0" eaLnBrk="1" fontAlgn="auto" latinLnBrk="0" hangingPunct="1">
+              <a:lnSpc>
+                <a:spcPct val="100000"/>
+              </a:lnSpc>
+              <a:spcBef>
+                <a:spcPct val="0"/>
+              </a:spcBef>
+              <a:spcAft>
+                <a:spcPct val="0"/>
+              </a:spcAft>
+              <a:buClrTx/>
+              <a:buSzTx/>
+              <a:buFontTx/>
+              <a:buNone/>
+              <a:defRPr kumimoji="0" sz="1800" b="0" i="0" u="none" strike="noStrike" kern="1200" cap="none" spc="0" normalizeH="0" baseline="0" noProof="0">
+                <a:solidFill>
+                  <a:schemeClr val="tx1"/>
+                </a:solidFill>
+                <a:uLnTx/>
+                <a:uFillTx/>
+                <a:latin typeface="Arial" pitchFamily="34" charset="0"/>
+                <a:ea typeface="DejaVu Sans"/>
+                <a:cs typeface="DejaVu Sans"/>
+                <a:sym typeface="Wingdings" charset="2"/>
+              </a:defRPr>
+            </a:lvl1pPr>
+            <a:lvl2pPr marL="457200" marR="0" indent="0" algn="l" defTabSz="914400" rtl="0" eaLnBrk="1" fontAlgn="auto" latinLnBrk="0" hangingPunct="1">
+              <a:lnSpc>
+                <a:spcPct val="100000"/>
+              </a:lnSpc>
+              <a:spcBef>
+                <a:spcPct val="0"/>
+              </a:spcBef>
+              <a:spcAft>
+                <a:spcPct val="0"/>
+              </a:spcAft>
+              <a:buClrTx/>
+              <a:buSzTx/>
+              <a:buFontTx/>
+              <a:buNone/>
+              <a:defRPr kumimoji="0" sz="1800" b="0" i="0" u="none" strike="noStrike" kern="1200" cap="none" spc="0" normalizeH="0" baseline="0" noProof="0">
+                <a:solidFill>
+                  <a:schemeClr val="tx1"/>
+                </a:solidFill>
+                <a:uLnTx/>
+                <a:uFillTx/>
+                <a:latin typeface="Arial" pitchFamily="34" charset="0"/>
+                <a:ea typeface="DejaVu Sans"/>
+                <a:cs typeface="DejaVu Sans"/>
+                <a:sym typeface="Wingdings" charset="2"/>
+              </a:defRPr>
+            </a:lvl2pPr>
+            <a:lvl3pPr marL="914400" marR="0" indent="0" algn="l" defTabSz="914400" rtl="0" eaLnBrk="1" fontAlgn="auto" latinLnBrk="0" hangingPunct="1">
+              <a:lnSpc>
+                <a:spcPct val="100000"/>
+              </a:lnSpc>
+              <a:spcBef>
+                <a:spcPct val="0"/>
+              </a:spcBef>
+              <a:spcAft>
+                <a:spcPct val="0"/>
+              </a:spcAft>
+              <a:buClrTx/>
+              <a:buSzTx/>
+              <a:buFontTx/>
+              <a:buNone/>
+              <a:defRPr kumimoji="0" sz="1800" b="0" i="0" u="none" strike="noStrike" kern="1200" cap="none" spc="0" normalizeH="0" baseline="0" noProof="0">
+                <a:solidFill>
+                  <a:schemeClr val="tx1"/>
+                </a:solidFill>
+                <a:uLnTx/>
+                <a:uFillTx/>
+                <a:latin typeface="Arial" pitchFamily="34" charset="0"/>
+                <a:ea typeface="DejaVu Sans"/>
+                <a:cs typeface="DejaVu Sans"/>
+                <a:sym typeface="Wingdings" charset="2"/>
+              </a:defRPr>
+            </a:lvl3pPr>
+            <a:lvl4pPr marL="1371600" marR="0" indent="0" algn="l" defTabSz="914400" rtl="0" eaLnBrk="1" fontAlgn="auto" latinLnBrk="0" hangingPunct="1">
+              <a:lnSpc>
+                <a:spcPct val="100000"/>
+              </a:lnSpc>
+              <a:spcBef>
+                <a:spcPct val="0"/>
+              </a:spcBef>
+              <a:spcAft>
+                <a:spcPct val="0"/>
+              </a:spcAft>
+              <a:buClrTx/>
+              <a:buSzTx/>
+              <a:buFontTx/>
+              <a:buNone/>
+              <a:defRPr kumimoji="0" sz="1800" b="0" i="0" u="none" strike="noStrike" kern="1200" cap="none" spc="0" normalizeH="0" baseline="0" noProof="0">
+                <a:solidFill>
+                  <a:schemeClr val="tx1"/>
+                </a:solidFill>
+                <a:uLnTx/>
+                <a:uFillTx/>
+                <a:latin typeface="Arial" pitchFamily="34" charset="0"/>
+                <a:ea typeface="DejaVu Sans"/>
+                <a:cs typeface="DejaVu Sans"/>
+                <a:sym typeface="Wingdings" charset="2"/>
+              </a:defRPr>
+            </a:lvl4pPr>
+            <a:lvl5pPr marL="1828800" marR="0" indent="0" algn="l" defTabSz="914400" rtl="0" eaLnBrk="1" fontAlgn="auto" latinLnBrk="0" hangingPunct="1">
+              <a:lnSpc>
+                <a:spcPct val="100000"/>
+              </a:lnSpc>
+              <a:spcBef>
+                <a:spcPct val="0"/>
+              </a:spcBef>
+              <a:spcAft>
+                <a:spcPct val="0"/>
+              </a:spcAft>
+              <a:buClrTx/>
+              <a:buSzTx/>
+              <a:buFontTx/>
+              <a:buNone/>
+              <a:defRPr kumimoji="0" sz="1800" b="0" i="0" u="none" strike="noStrike" kern="1200" cap="none" spc="0" normalizeH="0" baseline="0" noProof="0">
+                <a:solidFill>
+                  <a:schemeClr val="tx1"/>
+                </a:solidFill>
+                <a:uLnTx/>
+                <a:uFillTx/>
+                <a:latin typeface="Arial" pitchFamily="34" charset="0"/>
+                <a:ea typeface="DejaVu Sans"/>
+                <a:cs typeface="DejaVu Sans"/>
+                <a:sym typeface="Wingdings" charset="2"/>
+              </a:defRPr>
+            </a:lvl5pPr>
+            <a:lvl6pPr marL="2286000" marR="0" indent="0" algn="l" defTabSz="914400" rtl="0" eaLnBrk="1" fontAlgn="auto" latinLnBrk="0" hangingPunct="1">
+              <a:lnSpc>
+                <a:spcPct val="100000"/>
+              </a:lnSpc>
+              <a:spcBef>
+                <a:spcPct val="0"/>
+              </a:spcBef>
+              <a:spcAft>
+                <a:spcPct val="0"/>
+              </a:spcAft>
+              <a:buClrTx/>
+              <a:buSzTx/>
+              <a:buFontTx/>
+              <a:buNone/>
+              <a:defRPr kumimoji="0" sz="1800" b="0" i="0" u="none" strike="noStrike" kern="1200" cap="none" spc="0" normalizeH="0" baseline="0" noProof="0">
+                <a:solidFill>
+                  <a:schemeClr val="tx1"/>
+                </a:solidFill>
+                <a:uLnTx/>
+                <a:uFillTx/>
+                <a:latin typeface="Arial" pitchFamily="34" charset="0"/>
+                <a:ea typeface="DejaVu Sans"/>
+                <a:cs typeface="DejaVu Sans"/>
+                <a:sym typeface="Wingdings" charset="2"/>
+              </a:defRPr>
+            </a:lvl6pPr>
+            <a:lvl7pPr marL="2743200" marR="0" indent="0" algn="l" defTabSz="914400" rtl="0" eaLnBrk="1" fontAlgn="auto" latinLnBrk="0" hangingPunct="1">
+              <a:lnSpc>
+                <a:spcPct val="100000"/>
+              </a:lnSpc>
+              <a:spcBef>
+                <a:spcPct val="0"/>
+              </a:spcBef>
+              <a:spcAft>
+                <a:spcPct val="0"/>
+              </a:spcAft>
+              <a:buClrTx/>
+              <a:buSzTx/>
+              <a:buFontTx/>
+              <a:buNone/>
+              <a:defRPr kumimoji="0" sz="1800" b="0" i="0" u="none" strike="noStrike" kern="1200" cap="none" spc="0" normalizeH="0" baseline="0" noProof="0">
+                <a:solidFill>
+                  <a:schemeClr val="tx1"/>
+                </a:solidFill>
+                <a:uLnTx/>
+                <a:uFillTx/>
+                <a:latin typeface="Arial" pitchFamily="34" charset="0"/>
+                <a:ea typeface="DejaVu Sans"/>
+                <a:cs typeface="DejaVu Sans"/>
+                <a:sym typeface="Wingdings" charset="2"/>
+              </a:defRPr>
+            </a:lvl7pPr>
+            <a:lvl8pPr marL="3200400" marR="0" indent="0" algn="l" defTabSz="914400" rtl="0" eaLnBrk="1" fontAlgn="auto" latinLnBrk="0" hangingPunct="1">
+              <a:lnSpc>
+                <a:spcPct val="100000"/>
+              </a:lnSpc>
+              <a:spcBef>
+                <a:spcPct val="0"/>
+              </a:spcBef>
+              <a:spcAft>
+                <a:spcPct val="0"/>
+              </a:spcAft>
+              <a:buClrTx/>
+              <a:buSzTx/>
+              <a:buFontTx/>
+              <a:buNone/>
+              <a:defRPr kumimoji="0" sz="1800" b="0" i="0" u="none" strike="noStrike" kern="1200" cap="none" spc="0" normalizeH="0" baseline="0" noProof="0">
+                <a:solidFill>
+                  <a:schemeClr val="tx1"/>
+                </a:solidFill>
+                <a:uLnTx/>
+                <a:uFillTx/>
+                <a:latin typeface="Arial" pitchFamily="34" charset="0"/>
+                <a:ea typeface="DejaVu Sans"/>
+                <a:cs typeface="DejaVu Sans"/>
+                <a:sym typeface="Wingdings" charset="2"/>
+              </a:defRPr>
+            </a:lvl8pPr>
+            <a:lvl9pPr marL="3657600" marR="0" indent="0" algn="l" defTabSz="914400" rtl="0" eaLnBrk="1" fontAlgn="auto" latinLnBrk="0" hangingPunct="1">
+              <a:lnSpc>
+                <a:spcPct val="100000"/>
+              </a:lnSpc>
+              <a:spcBef>
+                <a:spcPct val="0"/>
+              </a:spcBef>
+              <a:spcAft>
+                <a:spcPct val="0"/>
+              </a:spcAft>
+              <a:buClrTx/>
+              <a:buSzTx/>
+              <a:buFontTx/>
+              <a:buNone/>
+              <a:defRPr kumimoji="0" sz="1800" b="0" i="0" u="none" strike="noStrike" kern="1200" cap="none" spc="0" normalizeH="0" baseline="0" noProof="0">
+                <a:solidFill>
+                  <a:schemeClr val="tx1"/>
+                </a:solidFill>
+                <a:uLnTx/>
+                <a:uFillTx/>
+                <a:latin typeface="Arial" pitchFamily="34" charset="0"/>
+                <a:ea typeface="DejaVu Sans"/>
+                <a:cs typeface="DejaVu Sans"/>
+                <a:sym typeface="Wingdings" charset="2"/>
+              </a:defRPr>
+            </a:lvl9pPr>
+          </a:lstStyle>
+          <a:p>
+            <a:pPr>
+              <a:lnSpc>
+                <a:spcPct val="100000"/>
+              </a:lnSpc>
+            </a:pPr>
+            <a:r>
+              <a:rPr lang="pt-BR" sz="3200" b="1" spc="-1" dirty="0">
+                <a:solidFill>
+                  <a:srgbClr val="FFFFFF"/>
+                </a:solidFill>
+                <a:latin typeface="Latin Modern Sans"/>
+              </a:rPr>
+              <a:t>Tópicos</a:t>
+            </a:r>
+            <a:endParaRPr lang="pt-BR" sz="3200" b="0" strike="noStrike" spc="-1" dirty="0">
+              <a:latin typeface="Arial" pitchFamily="34" charset="0"/>
+            </a:endParaRPr>
+          </a:p>
+        </p:txBody>
+      </p:sp>
+      <p:sp>
+        <p:nvSpPr>
+          <p:cNvPr id="92" name="CustomShape 4"/>
+          <p:cNvSpPr/>
+          <p:nvPr/>
+        </p:nvSpPr>
+        <p:spPr>
+          <a:xfrm>
+            <a:off x="360000" y="1980000"/>
+            <a:ext cx="9176400" cy="4676400"/>
+          </a:xfrm>
+          <a:prstGeom prst="rect">
+            <a:avLst/>
+          </a:prstGeom>
+          <a:noFill/>
+          <a:ln>
+            <a:noFill/>
+          </a:ln>
+        </p:spPr>
+        <p:style>
+          <a:lnRef idx="0">
+            <a:scrgbClr r="0" g="0" b="0"/>
+          </a:lnRef>
+          <a:fillRef idx="0">
+            <a:scrgbClr r="0" g="0" b="0"/>
+          </a:fillRef>
+          <a:effectRef idx="0">
+            <a:scrgbClr r="0" g="0" b="0"/>
+          </a:effectRef>
+          <a:fontRef idx="minor"/>
+        </p:style>
+        <p:txBody>
+          <a:bodyPr lIns="0" tIns="0" rIns="0" bIns="0">
+            <a:normAutofit/>
+          </a:bodyPr>
+          <a:lstStyle>
+            <a:defPPr>
+              <a:defRPr lang="pt-BR"/>
+            </a:defPPr>
+            <a:lvl1pPr marL="0" marR="0" indent="0" algn="l" defTabSz="914400" rtl="0" eaLnBrk="1" fontAlgn="auto" latinLnBrk="0" hangingPunct="1">
+              <a:lnSpc>
+                <a:spcPct val="100000"/>
+              </a:lnSpc>
+              <a:spcBef>
+                <a:spcPct val="0"/>
+              </a:spcBef>
+              <a:spcAft>
+                <a:spcPct val="0"/>
+              </a:spcAft>
+              <a:buClrTx/>
+              <a:buSzTx/>
+              <a:buFontTx/>
+              <a:buNone/>
+              <a:defRPr kumimoji="0" sz="1800" b="0" i="0" u="none" strike="noStrike" kern="1200" cap="none" spc="0" normalizeH="0" baseline="0" noProof="0">
+                <a:solidFill>
+                  <a:schemeClr val="tx1"/>
+                </a:solidFill>
+                <a:uLnTx/>
+                <a:uFillTx/>
+                <a:latin typeface="Arial" pitchFamily="34" charset="0"/>
+                <a:ea typeface="DejaVu Sans"/>
+                <a:cs typeface="DejaVu Sans"/>
+                <a:sym typeface="Wingdings" charset="2"/>
+              </a:defRPr>
+            </a:lvl1pPr>
+            <a:lvl2pPr marL="457200" marR="0" indent="0" algn="l" defTabSz="914400" rtl="0" eaLnBrk="1" fontAlgn="auto" latinLnBrk="0" hangingPunct="1">
+              <a:lnSpc>
+                <a:spcPct val="100000"/>
+              </a:lnSpc>
+              <a:spcBef>
+                <a:spcPct val="0"/>
+              </a:spcBef>
+              <a:spcAft>
+                <a:spcPct val="0"/>
+              </a:spcAft>
+              <a:buClrTx/>
+              <a:buSzTx/>
+              <a:buFontTx/>
+              <a:buNone/>
+              <a:defRPr kumimoji="0" sz="1800" b="0" i="0" u="none" strike="noStrike" kern="1200" cap="none" spc="0" normalizeH="0" baseline="0" noProof="0">
+                <a:solidFill>
+                  <a:schemeClr val="tx1"/>
+                </a:solidFill>
+                <a:uLnTx/>
+                <a:uFillTx/>
+                <a:latin typeface="Arial" pitchFamily="34" charset="0"/>
+                <a:ea typeface="DejaVu Sans"/>
+                <a:cs typeface="DejaVu Sans"/>
+                <a:sym typeface="Wingdings" charset="2"/>
+              </a:defRPr>
+            </a:lvl2pPr>
+            <a:lvl3pPr marL="914400" marR="0" indent="0" algn="l" defTabSz="914400" rtl="0" eaLnBrk="1" fontAlgn="auto" latinLnBrk="0" hangingPunct="1">
+              <a:lnSpc>
+                <a:spcPct val="100000"/>
+              </a:lnSpc>
+              <a:spcBef>
+                <a:spcPct val="0"/>
+              </a:spcBef>
+              <a:spcAft>
+                <a:spcPct val="0"/>
+              </a:spcAft>
+              <a:buClrTx/>
+              <a:buSzTx/>
+              <a:buFontTx/>
+              <a:buNone/>
+              <a:defRPr kumimoji="0" sz="1800" b="0" i="0" u="none" strike="noStrike" kern="1200" cap="none" spc="0" normalizeH="0" baseline="0" noProof="0">
+                <a:solidFill>
+                  <a:schemeClr val="tx1"/>
+                </a:solidFill>
+                <a:uLnTx/>
+                <a:uFillTx/>
+                <a:latin typeface="Arial" pitchFamily="34" charset="0"/>
+                <a:ea typeface="DejaVu Sans"/>
+                <a:cs typeface="DejaVu Sans"/>
+                <a:sym typeface="Wingdings" charset="2"/>
+              </a:defRPr>
+            </a:lvl3pPr>
+            <a:lvl4pPr marL="1371600" marR="0" indent="0" algn="l" defTabSz="914400" rtl="0" eaLnBrk="1" fontAlgn="auto" latinLnBrk="0" hangingPunct="1">
+              <a:lnSpc>
+                <a:spcPct val="100000"/>
+              </a:lnSpc>
+              <a:spcBef>
+                <a:spcPct val="0"/>
+              </a:spcBef>
+              <a:spcAft>
+                <a:spcPct val="0"/>
+              </a:spcAft>
+              <a:buClrTx/>
+              <a:buSzTx/>
+              <a:buFontTx/>
+              <a:buNone/>
+              <a:defRPr kumimoji="0" sz="1800" b="0" i="0" u="none" strike="noStrike" kern="1200" cap="none" spc="0" normalizeH="0" baseline="0" noProof="0">
+                <a:solidFill>
+                  <a:schemeClr val="tx1"/>
+                </a:solidFill>
+                <a:uLnTx/>
+                <a:uFillTx/>
+                <a:latin typeface="Arial" pitchFamily="34" charset="0"/>
+                <a:ea typeface="DejaVu Sans"/>
+                <a:cs typeface="DejaVu Sans"/>
+                <a:sym typeface="Wingdings" charset="2"/>
+              </a:defRPr>
+            </a:lvl4pPr>
+            <a:lvl5pPr marL="1828800" marR="0" indent="0" algn="l" defTabSz="914400" rtl="0" eaLnBrk="1" fontAlgn="auto" latinLnBrk="0" hangingPunct="1">
+              <a:lnSpc>
+                <a:spcPct val="100000"/>
+              </a:lnSpc>
+              <a:spcBef>
+                <a:spcPct val="0"/>
+              </a:spcBef>
+              <a:spcAft>
+                <a:spcPct val="0"/>
+              </a:spcAft>
+              <a:buClrTx/>
+              <a:buSzTx/>
+              <a:buFontTx/>
+              <a:buNone/>
+              <a:defRPr kumimoji="0" sz="1800" b="0" i="0" u="none" strike="noStrike" kern="1200" cap="none" spc="0" normalizeH="0" baseline="0" noProof="0">
+                <a:solidFill>
+                  <a:schemeClr val="tx1"/>
+                </a:solidFill>
+                <a:uLnTx/>
+                <a:uFillTx/>
+                <a:latin typeface="Arial" pitchFamily="34" charset="0"/>
+                <a:ea typeface="DejaVu Sans"/>
+                <a:cs typeface="DejaVu Sans"/>
+                <a:sym typeface="Wingdings" charset="2"/>
+              </a:defRPr>
+            </a:lvl5pPr>
+            <a:lvl6pPr marL="2286000" marR="0" indent="0" algn="l" defTabSz="914400" rtl="0" eaLnBrk="1" fontAlgn="auto" latinLnBrk="0" hangingPunct="1">
+              <a:lnSpc>
+                <a:spcPct val="100000"/>
+              </a:lnSpc>
+              <a:spcBef>
+                <a:spcPct val="0"/>
+              </a:spcBef>
+              <a:spcAft>
+                <a:spcPct val="0"/>
+              </a:spcAft>
+              <a:buClrTx/>
+              <a:buSzTx/>
+              <a:buFontTx/>
+              <a:buNone/>
+              <a:defRPr kumimoji="0" sz="1800" b="0" i="0" u="none" strike="noStrike" kern="1200" cap="none" spc="0" normalizeH="0" baseline="0" noProof="0">
+                <a:solidFill>
+                  <a:schemeClr val="tx1"/>
+                </a:solidFill>
+                <a:uLnTx/>
+                <a:uFillTx/>
+                <a:latin typeface="Arial" pitchFamily="34" charset="0"/>
+                <a:ea typeface="DejaVu Sans"/>
+                <a:cs typeface="DejaVu Sans"/>
+                <a:sym typeface="Wingdings" charset="2"/>
+              </a:defRPr>
+            </a:lvl6pPr>
+            <a:lvl7pPr marL="2743200" marR="0" indent="0" algn="l" defTabSz="914400" rtl="0" eaLnBrk="1" fontAlgn="auto" latinLnBrk="0" hangingPunct="1">
+              <a:lnSpc>
+                <a:spcPct val="100000"/>
+              </a:lnSpc>
+              <a:spcBef>
+                <a:spcPct val="0"/>
+              </a:spcBef>
+              <a:spcAft>
+                <a:spcPct val="0"/>
+              </a:spcAft>
+              <a:buClrTx/>
+              <a:buSzTx/>
+              <a:buFontTx/>
+              <a:buNone/>
+              <a:defRPr kumimoji="0" sz="1800" b="0" i="0" u="none" strike="noStrike" kern="1200" cap="none" spc="0" normalizeH="0" baseline="0" noProof="0">
+                <a:solidFill>
+                  <a:schemeClr val="tx1"/>
+                </a:solidFill>
+                <a:uLnTx/>
+                <a:uFillTx/>
+                <a:latin typeface="Arial" pitchFamily="34" charset="0"/>
+                <a:ea typeface="DejaVu Sans"/>
+                <a:cs typeface="DejaVu Sans"/>
+                <a:sym typeface="Wingdings" charset="2"/>
+              </a:defRPr>
+            </a:lvl7pPr>
+            <a:lvl8pPr marL="3200400" marR="0" indent="0" algn="l" defTabSz="914400" rtl="0" eaLnBrk="1" fontAlgn="auto" latinLnBrk="0" hangingPunct="1">
+              <a:lnSpc>
+                <a:spcPct val="100000"/>
+              </a:lnSpc>
+              <a:spcBef>
+                <a:spcPct val="0"/>
+              </a:spcBef>
+              <a:spcAft>
+                <a:spcPct val="0"/>
+              </a:spcAft>
+              <a:buClrTx/>
+              <a:buSzTx/>
+              <a:buFontTx/>
+              <a:buNone/>
+              <a:defRPr kumimoji="0" sz="1800" b="0" i="0" u="none" strike="noStrike" kern="1200" cap="none" spc="0" normalizeH="0" baseline="0" noProof="0">
+                <a:solidFill>
+                  <a:schemeClr val="tx1"/>
+                </a:solidFill>
+                <a:uLnTx/>
+                <a:uFillTx/>
+                <a:latin typeface="Arial" pitchFamily="34" charset="0"/>
+                <a:ea typeface="DejaVu Sans"/>
+                <a:cs typeface="DejaVu Sans"/>
+                <a:sym typeface="Wingdings" charset="2"/>
+              </a:defRPr>
+            </a:lvl8pPr>
+            <a:lvl9pPr marL="3657600" marR="0" indent="0" algn="l" defTabSz="914400" rtl="0" eaLnBrk="1" fontAlgn="auto" latinLnBrk="0" hangingPunct="1">
+              <a:lnSpc>
+                <a:spcPct val="100000"/>
+              </a:lnSpc>
+              <a:spcBef>
+                <a:spcPct val="0"/>
+              </a:spcBef>
+              <a:spcAft>
+                <a:spcPct val="0"/>
+              </a:spcAft>
+              <a:buClrTx/>
+              <a:buSzTx/>
+              <a:buFontTx/>
+              <a:buNone/>
+              <a:defRPr kumimoji="0" sz="1800" b="0" i="0" u="none" strike="noStrike" kern="1200" cap="none" spc="0" normalizeH="0" baseline="0" noProof="0">
+                <a:solidFill>
+                  <a:schemeClr val="tx1"/>
+                </a:solidFill>
+                <a:uLnTx/>
+                <a:uFillTx/>
+                <a:latin typeface="Arial" pitchFamily="34" charset="0"/>
+                <a:ea typeface="DejaVu Sans"/>
+                <a:cs typeface="DejaVu Sans"/>
+                <a:sym typeface="Wingdings" charset="2"/>
+              </a:defRPr>
+            </a:lvl9pPr>
+          </a:lstStyle>
+          <a:p>
+            <a:pPr marL="216000" indent="-212400">
+              <a:lnSpc>
+                <a:spcPct val="100000"/>
+              </a:lnSpc>
+              <a:spcAft>
+                <a:spcPts val="1140"/>
+              </a:spcAft>
+              <a:buClr>
+                <a:srgbClr val="000000"/>
+              </a:buClr>
+              <a:buSzPct val="45000"/>
+              <a:buFont typeface="Wingdings" charset="2"/>
+              <a:buChar char=""/>
+            </a:pPr>
+            <a:r>
+              <a:rPr lang="en-US" sz="2000" spc="-1" dirty="0" err="1">
+                <a:solidFill>
+                  <a:srgbClr val="1C1C1C"/>
+                </a:solidFill>
+                <a:latin typeface="Calibri" panose="020F0502020204030204" pitchFamily="34" charset="0"/>
+                <a:cs typeface="Calibri" panose="020F0502020204030204" pitchFamily="34" charset="0"/>
+              </a:rPr>
+              <a:t>Discussão</a:t>
+            </a:r>
+            <a:r>
+              <a:rPr lang="en-US" sz="2000" spc="-1" dirty="0">
+                <a:solidFill>
+                  <a:srgbClr val="1C1C1C"/>
+                </a:solidFill>
+                <a:latin typeface="Calibri" panose="020F0502020204030204" pitchFamily="34" charset="0"/>
+                <a:cs typeface="Calibri" panose="020F0502020204030204" pitchFamily="34" charset="0"/>
+              </a:rPr>
+              <a:t> </a:t>
+            </a:r>
+            <a:r>
+              <a:rPr lang="en-US" sz="2000" spc="-1" dirty="0" err="1">
+                <a:solidFill>
+                  <a:srgbClr val="1C1C1C"/>
+                </a:solidFill>
+                <a:latin typeface="Calibri" panose="020F0502020204030204" pitchFamily="34" charset="0"/>
+                <a:cs typeface="Calibri" panose="020F0502020204030204" pitchFamily="34" charset="0"/>
+              </a:rPr>
+              <a:t>Inicial</a:t>
+            </a:r>
+            <a:endParaRPr lang="en-US" sz="2000" strike="noStrike" spc="-1" dirty="0">
+              <a:solidFill>
+                <a:srgbClr val="1C1C1C"/>
+              </a:solidFill>
+              <a:latin typeface="Calibri" panose="020F0502020204030204" pitchFamily="34" charset="0"/>
+              <a:cs typeface="Calibri" panose="020F0502020204030204" pitchFamily="34" charset="0"/>
+            </a:endParaRPr>
+          </a:p>
+          <a:p>
+            <a:pPr marL="216000" indent="-212400">
+              <a:lnSpc>
+                <a:spcPct val="100000"/>
+              </a:lnSpc>
+              <a:spcAft>
+                <a:spcPts val="1140"/>
+              </a:spcAft>
+              <a:buClr>
+                <a:srgbClr val="000000"/>
+              </a:buClr>
+              <a:buSzPct val="45000"/>
+              <a:buFont typeface="Wingdings" charset="2"/>
+              <a:buChar char=""/>
+            </a:pPr>
+            <a:endParaRPr lang="en-US" sz="2000" strike="noStrike" spc="-1" dirty="0">
+              <a:solidFill>
+                <a:srgbClr val="1C1C1C"/>
+              </a:solidFill>
+              <a:latin typeface="Calibri" panose="020F0502020204030204" pitchFamily="34" charset="0"/>
+              <a:ea typeface="DejaVu Sans"/>
+              <a:cs typeface="Calibri" panose="020F0502020204030204" pitchFamily="34" charset="0"/>
+            </a:endParaRPr>
+          </a:p>
+          <a:p>
+            <a:pPr marL="216000" indent="-212400">
+              <a:lnSpc>
+                <a:spcPct val="100000"/>
+              </a:lnSpc>
+              <a:spcAft>
+                <a:spcPts val="1140"/>
+              </a:spcAft>
+              <a:buClr>
+                <a:srgbClr val="000000"/>
+              </a:buClr>
+              <a:buSzPct val="45000"/>
+              <a:buFont typeface="Wingdings" charset="2"/>
+              <a:buChar char=""/>
+            </a:pPr>
+            <a:r>
+              <a:rPr lang="en-US" sz="2000" strike="noStrike" spc="-1" dirty="0" err="1">
+                <a:solidFill>
+                  <a:srgbClr val="1C1C1C"/>
+                </a:solidFill>
+                <a:latin typeface="Calibri" panose="020F0502020204030204" pitchFamily="34" charset="0"/>
+                <a:ea typeface="DejaVu Sans"/>
+                <a:cs typeface="Calibri" panose="020F0502020204030204" pitchFamily="34" charset="0"/>
+              </a:rPr>
+              <a:t>Modelos</a:t>
+            </a:r>
+            <a:r>
+              <a:rPr lang="en-US" sz="2000" strike="noStrike" spc="-1" dirty="0">
+                <a:solidFill>
+                  <a:srgbClr val="1C1C1C"/>
+                </a:solidFill>
+                <a:latin typeface="Calibri" panose="020F0502020204030204" pitchFamily="34" charset="0"/>
+                <a:ea typeface="DejaVu Sans"/>
+                <a:cs typeface="Calibri" panose="020F0502020204030204" pitchFamily="34" charset="0"/>
+              </a:rPr>
+              <a:t> de </a:t>
+            </a:r>
+            <a:r>
+              <a:rPr lang="en-US" sz="2000" strike="noStrike" spc="-1" dirty="0" err="1">
+                <a:solidFill>
+                  <a:srgbClr val="1C1C1C"/>
+                </a:solidFill>
+                <a:latin typeface="Calibri" panose="020F0502020204030204" pitchFamily="34" charset="0"/>
+                <a:ea typeface="DejaVu Sans"/>
+                <a:cs typeface="Calibri" panose="020F0502020204030204" pitchFamily="34" charset="0"/>
+              </a:rPr>
+              <a:t>Classificação</a:t>
+            </a:r>
+            <a:endParaRPr lang="en-US" sz="2000" strike="noStrike" spc="-1" dirty="0">
+              <a:solidFill>
+                <a:srgbClr val="1C1C1C"/>
+              </a:solidFill>
+              <a:latin typeface="Calibri" panose="020F0502020204030204" pitchFamily="34" charset="0"/>
+              <a:ea typeface="DejaVu Sans"/>
+              <a:cs typeface="Calibri" panose="020F0502020204030204" pitchFamily="34" charset="0"/>
+            </a:endParaRPr>
+          </a:p>
+          <a:p>
+            <a:pPr marL="673200" lvl="1" indent="-212400">
+              <a:spcAft>
+                <a:spcPts val="1140"/>
+              </a:spcAft>
+              <a:buClr>
+                <a:srgbClr val="000000"/>
+              </a:buClr>
+              <a:buSzPct val="45000"/>
+              <a:buFont typeface="Wingdings" charset="2"/>
+              <a:buChar char=""/>
+            </a:pPr>
+            <a:r>
+              <a:rPr lang="en-US" sz="2000" spc="-1" dirty="0">
+                <a:solidFill>
+                  <a:srgbClr val="1C1C1C"/>
+                </a:solidFill>
+                <a:latin typeface="Calibri" panose="020F0502020204030204" pitchFamily="34" charset="0"/>
+                <a:ea typeface="DejaVu Sans"/>
+                <a:cs typeface="Calibri" panose="020F0502020204030204" pitchFamily="34" charset="0"/>
+              </a:rPr>
+              <a:t>K-NN, Logistic Regression, Decision Trees Naïve Bayes, SVM and MLP </a:t>
+            </a:r>
+          </a:p>
+          <a:p>
+            <a:pPr marL="216000" indent="-212400">
+              <a:spcAft>
+                <a:spcPts val="1140"/>
+              </a:spcAft>
+              <a:buClr>
+                <a:srgbClr val="000000"/>
+              </a:buClr>
+              <a:buSzPct val="45000"/>
+              <a:buFont typeface="Wingdings" charset="2"/>
+              <a:buChar char=""/>
+            </a:pPr>
+            <a:endParaRPr lang="en-US" sz="2000" strike="noStrike" spc="-1" dirty="0">
+              <a:solidFill>
+                <a:srgbClr val="1C1C1C"/>
+              </a:solidFill>
+              <a:latin typeface="Calibri" panose="020F0502020204030204" pitchFamily="34" charset="0"/>
+              <a:ea typeface="DejaVu Sans"/>
+              <a:cs typeface="Calibri" panose="020F0502020204030204" pitchFamily="34" charset="0"/>
+            </a:endParaRPr>
+          </a:p>
+          <a:p>
+            <a:pPr marL="216000" indent="-212400">
+              <a:spcAft>
+                <a:spcPts val="1140"/>
+              </a:spcAft>
+              <a:buClr>
+                <a:srgbClr val="000000"/>
+              </a:buClr>
+              <a:buSzPct val="45000"/>
+              <a:buFont typeface="Wingdings" charset="2"/>
+              <a:buChar char=""/>
+            </a:pPr>
+            <a:r>
+              <a:rPr lang="en-US" sz="2000" strike="noStrike" spc="-1" dirty="0" err="1">
+                <a:solidFill>
+                  <a:srgbClr val="1C1C1C"/>
+                </a:solidFill>
+                <a:latin typeface="Calibri" panose="020F0502020204030204" pitchFamily="34" charset="0"/>
+                <a:ea typeface="DejaVu Sans"/>
+                <a:cs typeface="Calibri" panose="020F0502020204030204" pitchFamily="34" charset="0"/>
+              </a:rPr>
+              <a:t>Métricas</a:t>
+            </a:r>
+            <a:r>
+              <a:rPr lang="en-US" sz="2000" strike="noStrike" spc="-1" dirty="0">
+                <a:solidFill>
+                  <a:srgbClr val="1C1C1C"/>
+                </a:solidFill>
+                <a:latin typeface="Calibri" panose="020F0502020204030204" pitchFamily="34" charset="0"/>
+                <a:ea typeface="DejaVu Sans"/>
+                <a:cs typeface="Calibri" panose="020F0502020204030204" pitchFamily="34" charset="0"/>
+              </a:rPr>
+              <a:t> de </a:t>
+            </a:r>
+            <a:r>
+              <a:rPr lang="en-US" sz="2000" strike="noStrike" spc="-1" dirty="0" err="1">
+                <a:solidFill>
+                  <a:srgbClr val="1C1C1C"/>
+                </a:solidFill>
+                <a:latin typeface="Calibri" panose="020F0502020204030204" pitchFamily="34" charset="0"/>
+                <a:ea typeface="DejaVu Sans"/>
+                <a:cs typeface="Calibri" panose="020F0502020204030204" pitchFamily="34" charset="0"/>
+              </a:rPr>
+              <a:t>Avaliação</a:t>
+            </a:r>
+            <a:endParaRPr lang="en-US" sz="2000" spc="-1" dirty="0">
+              <a:solidFill>
+                <a:srgbClr val="1C1C1C"/>
+              </a:solidFill>
+              <a:latin typeface="Calibri" panose="020F0502020204030204" pitchFamily="34" charset="0"/>
+              <a:ea typeface="DejaVu Sans"/>
+              <a:cs typeface="Calibri" panose="020F0502020204030204" pitchFamily="34" charset="0"/>
+            </a:endParaRPr>
+          </a:p>
+          <a:p>
+            <a:pPr marL="673200" lvl="1" indent="-212400">
+              <a:spcAft>
+                <a:spcPts val="1140"/>
+              </a:spcAft>
+              <a:buClr>
+                <a:srgbClr val="000000"/>
+              </a:buClr>
+              <a:buSzPct val="45000"/>
+              <a:buFont typeface="Wingdings" charset="2"/>
+              <a:buChar char=""/>
+            </a:pPr>
+            <a:r>
+              <a:rPr lang="en-US" sz="2000" strike="noStrike" spc="-1" dirty="0">
+                <a:solidFill>
+                  <a:srgbClr val="1C1C1C"/>
+                </a:solidFill>
+                <a:latin typeface="Calibri" panose="020F0502020204030204" pitchFamily="34" charset="0"/>
+                <a:ea typeface="DejaVu Sans"/>
+                <a:cs typeface="Calibri" panose="020F0502020204030204" pitchFamily="34" charset="0"/>
+              </a:rPr>
+              <a:t>Accuracy, Precision, Recall </a:t>
+            </a:r>
+            <a:r>
+              <a:rPr lang="en-US" sz="2000" spc="-1" dirty="0">
+                <a:solidFill>
+                  <a:srgbClr val="1C1C1C"/>
+                </a:solidFill>
+                <a:latin typeface="Calibri" panose="020F0502020204030204" pitchFamily="34" charset="0"/>
+                <a:ea typeface="DejaVu Sans"/>
+                <a:cs typeface="Calibri" panose="020F0502020204030204" pitchFamily="34" charset="0"/>
+              </a:rPr>
+              <a:t>and F1-Score</a:t>
+            </a:r>
+            <a:endParaRPr lang="en-US" sz="2000" strike="noStrike" spc="-1" dirty="0">
+              <a:solidFill>
+                <a:srgbClr val="1C1C1C"/>
+              </a:solidFill>
+              <a:latin typeface="Calibri" panose="020F0502020204030204" pitchFamily="34" charset="0"/>
+              <a:ea typeface="DejaVu Sans"/>
+              <a:cs typeface="Calibri" panose="020F0502020204030204" pitchFamily="34" charset="0"/>
+            </a:endParaRPr>
+          </a:p>
+          <a:p>
+            <a:pPr marL="216000" indent="-212400">
+              <a:lnSpc>
+                <a:spcPct val="100000"/>
+              </a:lnSpc>
+              <a:spcAft>
+                <a:spcPts val="1140"/>
+              </a:spcAft>
+              <a:buClr>
+                <a:srgbClr val="000000"/>
+              </a:buClr>
+              <a:buSzPct val="45000"/>
+              <a:buFont typeface="Wingdings" charset="2"/>
+              <a:buChar char=""/>
+            </a:pPr>
+            <a:endParaRPr lang="en-US" sz="2000" strike="noStrike" spc="-1" dirty="0">
+              <a:solidFill>
+                <a:srgbClr val="1C1C1C"/>
+              </a:solidFill>
+              <a:latin typeface="Calibri" panose="020F0502020204030204" pitchFamily="34" charset="0"/>
+              <a:cs typeface="Calibri" panose="020F0502020204030204" pitchFamily="34" charset="0"/>
+            </a:endParaRPr>
+          </a:p>
+          <a:p>
+            <a:pPr marL="216000" indent="-212400">
+              <a:lnSpc>
+                <a:spcPct val="100000"/>
+              </a:lnSpc>
+              <a:spcAft>
+                <a:spcPts val="1140"/>
+              </a:spcAft>
+              <a:buClr>
+                <a:srgbClr val="000000"/>
+              </a:buClr>
+              <a:buSzPct val="45000"/>
+              <a:buFont typeface="Wingdings" charset="2"/>
+              <a:buChar char=""/>
+            </a:pPr>
+            <a:r>
+              <a:rPr lang="en-US" sz="2000" strike="noStrike" spc="-1" dirty="0">
+                <a:solidFill>
+                  <a:srgbClr val="1C1C1C"/>
+                </a:solidFill>
+                <a:latin typeface="Calibri" panose="020F0502020204030204" pitchFamily="34" charset="0"/>
+                <a:cs typeface="Calibri" panose="020F0502020204030204" pitchFamily="34" charset="0"/>
+              </a:rPr>
+              <a:t>Practice</a:t>
+            </a:r>
+          </a:p>
+        </p:txBody>
+      </p:sp>
+      <p:sp>
+        <p:nvSpPr>
+          <p:cNvPr id="2" name="CustomShape 2">
+            <a:extLst>
+              <a:ext uri="{FF2B5EF4-FFF2-40B4-BE49-F238E27FC236}">
+                <a16:creationId xmlns:a16="http://schemas.microsoft.com/office/drawing/2014/main" id="{05542946-2205-74EB-20E1-FF911F357950}"/>
+              </a:ext>
+            </a:extLst>
+          </p:cNvPr>
+          <p:cNvSpPr/>
+          <p:nvPr/>
+        </p:nvSpPr>
+        <p:spPr>
+          <a:xfrm>
+            <a:off x="897120" y="6886080"/>
+            <a:ext cx="6443640" cy="361440"/>
+          </a:xfrm>
+          <a:prstGeom prst="rect">
+            <a:avLst/>
+          </a:prstGeom>
+          <a:noFill/>
+          <a:ln>
+            <a:noFill/>
+          </a:ln>
+        </p:spPr>
+        <p:style>
+          <a:lnRef idx="0">
+            <a:scrgbClr r="0" g="0" b="0"/>
+          </a:lnRef>
+          <a:fillRef idx="0">
+            <a:scrgbClr r="0" g="0" b="0"/>
+          </a:fillRef>
+          <a:effectRef idx="0">
+            <a:scrgbClr r="0" g="0" b="0"/>
+          </a:effectRef>
+          <a:fontRef idx="minor"/>
+        </p:style>
+        <p:txBody>
+          <a:bodyPr lIns="90000" tIns="45000" rIns="90000" bIns="45000"/>
+          <a:lstStyle>
+            <a:defPPr>
+              <a:defRPr lang="pt-BR"/>
+            </a:defPPr>
+            <a:lvl1pPr marL="0" marR="0" indent="0" algn="l" defTabSz="914400" rtl="0" eaLnBrk="1" fontAlgn="auto" latinLnBrk="0" hangingPunct="1">
+              <a:lnSpc>
+                <a:spcPct val="100000"/>
+              </a:lnSpc>
+              <a:spcBef>
+                <a:spcPct val="0"/>
+              </a:spcBef>
+              <a:spcAft>
+                <a:spcPct val="0"/>
+              </a:spcAft>
+              <a:buClrTx/>
+              <a:buSzTx/>
+              <a:buFontTx/>
+              <a:buNone/>
+              <a:defRPr kumimoji="0" sz="1800" b="0" i="0" u="none" strike="noStrike" kern="1200" cap="none" spc="0" normalizeH="0" baseline="0" noProof="0">
+                <a:solidFill>
+                  <a:schemeClr val="tx1"/>
+                </a:solidFill>
+                <a:uLnTx/>
+                <a:uFillTx/>
+                <a:latin typeface="Arial" pitchFamily="34" charset="0"/>
+                <a:ea typeface="DejaVu Sans"/>
+                <a:cs typeface="DejaVu Sans"/>
+                <a:sym typeface="Wingdings" charset="2"/>
+              </a:defRPr>
+            </a:lvl1pPr>
+            <a:lvl2pPr marL="457200" marR="0" indent="0" algn="l" defTabSz="914400" rtl="0" eaLnBrk="1" fontAlgn="auto" latinLnBrk="0" hangingPunct="1">
+              <a:lnSpc>
+                <a:spcPct val="100000"/>
+              </a:lnSpc>
+              <a:spcBef>
+                <a:spcPct val="0"/>
+              </a:spcBef>
+              <a:spcAft>
+                <a:spcPct val="0"/>
+              </a:spcAft>
+              <a:buClrTx/>
+              <a:buSzTx/>
+              <a:buFontTx/>
+              <a:buNone/>
+              <a:defRPr kumimoji="0" sz="1800" b="0" i="0" u="none" strike="noStrike" kern="1200" cap="none" spc="0" normalizeH="0" baseline="0" noProof="0">
+                <a:solidFill>
+                  <a:schemeClr val="tx1"/>
+                </a:solidFill>
+                <a:uLnTx/>
+                <a:uFillTx/>
+                <a:latin typeface="Arial" pitchFamily="34" charset="0"/>
+                <a:ea typeface="DejaVu Sans"/>
+                <a:cs typeface="DejaVu Sans"/>
+                <a:sym typeface="Wingdings" charset="2"/>
+              </a:defRPr>
+            </a:lvl2pPr>
+            <a:lvl3pPr marL="914400" marR="0" indent="0" algn="l" defTabSz="914400" rtl="0" eaLnBrk="1" fontAlgn="auto" latinLnBrk="0" hangingPunct="1">
+              <a:lnSpc>
+                <a:spcPct val="100000"/>
+              </a:lnSpc>
+              <a:spcBef>
+                <a:spcPct val="0"/>
+              </a:spcBef>
+              <a:spcAft>
+                <a:spcPct val="0"/>
+              </a:spcAft>
+              <a:buClrTx/>
+              <a:buSzTx/>
+              <a:buFontTx/>
+              <a:buNone/>
+              <a:defRPr kumimoji="0" sz="1800" b="0" i="0" u="none" strike="noStrike" kern="1200" cap="none" spc="0" normalizeH="0" baseline="0" noProof="0">
+                <a:solidFill>
+                  <a:schemeClr val="tx1"/>
+                </a:solidFill>
+                <a:uLnTx/>
+                <a:uFillTx/>
+                <a:latin typeface="Arial" pitchFamily="34" charset="0"/>
+                <a:ea typeface="DejaVu Sans"/>
+                <a:cs typeface="DejaVu Sans"/>
+                <a:sym typeface="Wingdings" charset="2"/>
+              </a:defRPr>
+            </a:lvl3pPr>
+            <a:lvl4pPr marL="1371600" marR="0" indent="0" algn="l" defTabSz="914400" rtl="0" eaLnBrk="1" fontAlgn="auto" latinLnBrk="0" hangingPunct="1">
+              <a:lnSpc>
+                <a:spcPct val="100000"/>
+              </a:lnSpc>
+              <a:spcBef>
+                <a:spcPct val="0"/>
+              </a:spcBef>
+              <a:spcAft>
+                <a:spcPct val="0"/>
+              </a:spcAft>
+              <a:buClrTx/>
+              <a:buSzTx/>
+              <a:buFontTx/>
+              <a:buNone/>
+              <a:defRPr kumimoji="0" sz="1800" b="0" i="0" u="none" strike="noStrike" kern="1200" cap="none" spc="0" normalizeH="0" baseline="0" noProof="0">
+                <a:solidFill>
+                  <a:schemeClr val="tx1"/>
+                </a:solidFill>
+                <a:uLnTx/>
+                <a:uFillTx/>
+                <a:latin typeface="Arial" pitchFamily="34" charset="0"/>
+                <a:ea typeface="DejaVu Sans"/>
+                <a:cs typeface="DejaVu Sans"/>
+                <a:sym typeface="Wingdings" charset="2"/>
+              </a:defRPr>
+            </a:lvl4pPr>
+            <a:lvl5pPr marL="1828800" marR="0" indent="0" algn="l" defTabSz="914400" rtl="0" eaLnBrk="1" fontAlgn="auto" latinLnBrk="0" hangingPunct="1">
+              <a:lnSpc>
+                <a:spcPct val="100000"/>
+              </a:lnSpc>
+              <a:spcBef>
+                <a:spcPct val="0"/>
+              </a:spcBef>
+              <a:spcAft>
+                <a:spcPct val="0"/>
+              </a:spcAft>
+              <a:buClrTx/>
+              <a:buSzTx/>
+              <a:buFontTx/>
+              <a:buNone/>
+              <a:defRPr kumimoji="0" sz="1800" b="0" i="0" u="none" strike="noStrike" kern="1200" cap="none" spc="0" normalizeH="0" baseline="0" noProof="0">
+                <a:solidFill>
+                  <a:schemeClr val="tx1"/>
+                </a:solidFill>
+                <a:uLnTx/>
+                <a:uFillTx/>
+                <a:latin typeface="Arial" pitchFamily="34" charset="0"/>
+                <a:ea typeface="DejaVu Sans"/>
+                <a:cs typeface="DejaVu Sans"/>
+                <a:sym typeface="Wingdings" charset="2"/>
+              </a:defRPr>
+            </a:lvl5pPr>
+            <a:lvl6pPr marL="2286000" marR="0" indent="0" algn="l" defTabSz="914400" rtl="0" eaLnBrk="1" fontAlgn="auto" latinLnBrk="0" hangingPunct="1">
+              <a:lnSpc>
+                <a:spcPct val="100000"/>
+              </a:lnSpc>
+              <a:spcBef>
+                <a:spcPct val="0"/>
+              </a:spcBef>
+              <a:spcAft>
+                <a:spcPct val="0"/>
+              </a:spcAft>
+              <a:buClrTx/>
+              <a:buSzTx/>
+              <a:buFontTx/>
+              <a:buNone/>
+              <a:defRPr kumimoji="0" sz="1800" b="0" i="0" u="none" strike="noStrike" kern="1200" cap="none" spc="0" normalizeH="0" baseline="0" noProof="0">
+                <a:solidFill>
+                  <a:schemeClr val="tx1"/>
+                </a:solidFill>
+                <a:uLnTx/>
+                <a:uFillTx/>
+                <a:latin typeface="Arial" pitchFamily="34" charset="0"/>
+                <a:ea typeface="DejaVu Sans"/>
+                <a:cs typeface="DejaVu Sans"/>
+                <a:sym typeface="Wingdings" charset="2"/>
+              </a:defRPr>
+            </a:lvl6pPr>
+            <a:lvl7pPr marL="2743200" marR="0" indent="0" algn="l" defTabSz="914400" rtl="0" eaLnBrk="1" fontAlgn="auto" latinLnBrk="0" hangingPunct="1">
+              <a:lnSpc>
+                <a:spcPct val="100000"/>
+              </a:lnSpc>
+              <a:spcBef>
+                <a:spcPct val="0"/>
+              </a:spcBef>
+              <a:spcAft>
+                <a:spcPct val="0"/>
+              </a:spcAft>
+              <a:buClrTx/>
+              <a:buSzTx/>
+              <a:buFontTx/>
+              <a:buNone/>
+              <a:defRPr kumimoji="0" sz="1800" b="0" i="0" u="none" strike="noStrike" kern="1200" cap="none" spc="0" normalizeH="0" baseline="0" noProof="0">
+                <a:solidFill>
+                  <a:schemeClr val="tx1"/>
+                </a:solidFill>
+                <a:uLnTx/>
+                <a:uFillTx/>
+                <a:latin typeface="Arial" pitchFamily="34" charset="0"/>
+                <a:ea typeface="DejaVu Sans"/>
+                <a:cs typeface="DejaVu Sans"/>
+                <a:sym typeface="Wingdings" charset="2"/>
+              </a:defRPr>
+            </a:lvl7pPr>
+            <a:lvl8pPr marL="3200400" marR="0" indent="0" algn="l" defTabSz="914400" rtl="0" eaLnBrk="1" fontAlgn="auto" latinLnBrk="0" hangingPunct="1">
+              <a:lnSpc>
+                <a:spcPct val="100000"/>
+              </a:lnSpc>
+              <a:spcBef>
+                <a:spcPct val="0"/>
+              </a:spcBef>
+              <a:spcAft>
+                <a:spcPct val="0"/>
+              </a:spcAft>
+              <a:buClrTx/>
+              <a:buSzTx/>
+              <a:buFontTx/>
+              <a:buNone/>
+              <a:defRPr kumimoji="0" sz="1800" b="0" i="0" u="none" strike="noStrike" kern="1200" cap="none" spc="0" normalizeH="0" baseline="0" noProof="0">
+                <a:solidFill>
+                  <a:schemeClr val="tx1"/>
+                </a:solidFill>
+                <a:uLnTx/>
+                <a:uFillTx/>
+                <a:latin typeface="Arial" pitchFamily="34" charset="0"/>
+                <a:ea typeface="DejaVu Sans"/>
+                <a:cs typeface="DejaVu Sans"/>
+                <a:sym typeface="Wingdings" charset="2"/>
+              </a:defRPr>
+            </a:lvl8pPr>
+            <a:lvl9pPr marL="3657600" marR="0" indent="0" algn="l" defTabSz="914400" rtl="0" eaLnBrk="1" fontAlgn="auto" latinLnBrk="0" hangingPunct="1">
+              <a:lnSpc>
+                <a:spcPct val="100000"/>
+              </a:lnSpc>
+              <a:spcBef>
+                <a:spcPct val="0"/>
+              </a:spcBef>
+              <a:spcAft>
+                <a:spcPct val="0"/>
+              </a:spcAft>
+              <a:buClrTx/>
+              <a:buSzTx/>
+              <a:buFontTx/>
+              <a:buNone/>
+              <a:defRPr kumimoji="0" sz="1800" b="0" i="0" u="none" strike="noStrike" kern="1200" cap="none" spc="0" normalizeH="0" baseline="0" noProof="0">
+                <a:solidFill>
+                  <a:schemeClr val="tx1"/>
+                </a:solidFill>
+                <a:uLnTx/>
+                <a:uFillTx/>
+                <a:latin typeface="Arial" pitchFamily="34" charset="0"/>
+                <a:ea typeface="DejaVu Sans"/>
+                <a:cs typeface="DejaVu Sans"/>
+                <a:sym typeface="Wingdings" charset="2"/>
+              </a:defRPr>
+            </a:lvl9pPr>
+          </a:lstStyle>
+          <a:p>
+            <a:pPr>
+              <a:lnSpc>
+                <a:spcPct val="100000"/>
+              </a:lnSpc>
+            </a:pPr>
+            <a:r>
+              <a:rPr lang="pt-BR" sz="1800" b="0" strike="noStrike" spc="-1" dirty="0">
+                <a:solidFill>
+                  <a:srgbClr val="000000"/>
+                </a:solidFill>
+                <a:latin typeface="Arial" pitchFamily="34" charset="0"/>
+                <a:ea typeface="DejaVu Sans"/>
+              </a:rPr>
+              <a:t>Visão Computacional - Prof. André Hochuli</a:t>
+            </a:r>
+            <a:endParaRPr lang="pt-BR" sz="1800" b="0" strike="noStrike" spc="-1" dirty="0">
+              <a:latin typeface="Arial" pitchFamily="34" charset="0"/>
+            </a:endParaRPr>
+          </a:p>
+        </p:txBody>
+      </p:sp>
+      <p:sp>
+        <p:nvSpPr>
+          <p:cNvPr id="3" name="CustomShape 3">
+            <a:extLst>
+              <a:ext uri="{FF2B5EF4-FFF2-40B4-BE49-F238E27FC236}">
+                <a16:creationId xmlns:a16="http://schemas.microsoft.com/office/drawing/2014/main" id="{2776591C-0AEA-B089-184E-E3E41AEB4AC1}"/>
+              </a:ext>
+            </a:extLst>
+          </p:cNvPr>
+          <p:cNvSpPr/>
+          <p:nvPr/>
+        </p:nvSpPr>
+        <p:spPr>
+          <a:xfrm>
+            <a:off x="7608600" y="6886080"/>
+            <a:ext cx="2281680" cy="361440"/>
+          </a:xfrm>
+          <a:prstGeom prst="rect">
+            <a:avLst/>
+          </a:prstGeom>
+          <a:noFill/>
+          <a:ln>
+            <a:noFill/>
+          </a:ln>
+        </p:spPr>
+        <p:style>
+          <a:lnRef idx="0">
+            <a:scrgbClr r="0" g="0" b="0"/>
+          </a:lnRef>
+          <a:fillRef idx="0">
+            <a:scrgbClr r="0" g="0" b="0"/>
+          </a:fillRef>
+          <a:effectRef idx="0">
+            <a:scrgbClr r="0" g="0" b="0"/>
+          </a:effectRef>
+          <a:fontRef idx="minor"/>
+        </p:style>
+        <p:txBody>
+          <a:bodyPr lIns="90000" tIns="45000" rIns="90000" bIns="45000"/>
+          <a:lstStyle/>
+          <a:p>
+            <a:pPr>
+              <a:lnSpc>
+                <a:spcPct val="100000"/>
+              </a:lnSpc>
+            </a:pPr>
+            <a:r>
+              <a:rPr lang="pt-BR" sz="1800" b="0" strike="noStrike" spc="-1" dirty="0">
+                <a:solidFill>
+                  <a:srgbClr val="000000"/>
+                </a:solidFill>
+                <a:latin typeface="Arial"/>
+                <a:ea typeface="DejaVu Sans"/>
+              </a:rPr>
+              <a:t>Aula 04</a:t>
+            </a:r>
+            <a:endParaRPr lang="pt-BR" sz="1800" b="0" strike="noStrike" spc="-1" dirty="0">
+              <a:latin typeface="Arial"/>
+            </a:endParaRPr>
+          </a:p>
+        </p:txBody>
+      </p:sp>
+    </p:spTree>
+  </p:cSld>
+  <p:clrMapOvr>
+    <a:masterClrMapping/>
+  </p:clrMapOvr>
+  <p:transition/>
+</p:sld>
+</file>
+
+<file path=ppt/slides/slide20.xml><?xml version="1.0" encoding="utf-8"?>
+<p:sld xmlns:a="http://schemas.openxmlformats.org/drawingml/2006/main" xmlns:r="http://schemas.openxmlformats.org/officeDocument/2006/relationships" xmlns:p="http://schemas.openxmlformats.org/presentationml/2006/main">
+  <p:cSld>
+    <p:spTree>
+      <p:nvGrpSpPr>
+        <p:cNvPr id="1" name=""/>
+        <p:cNvGrpSpPr/>
+        <p:nvPr/>
+      </p:nvGrpSpPr>
+      <p:grpSpPr>
+        <a:xfrm>
+          <a:off x="0" y="0"/>
+          <a:ext cx="0" cy="0"/>
+          <a:chOff x="0" y="0"/>
+          <a:chExt cx="0" cy="0"/>
+        </a:xfrm>
+      </p:grpSpPr>
+      <p:sp>
+        <p:nvSpPr>
+          <p:cNvPr id="99" name="CustomShape 1"/>
+          <p:cNvSpPr/>
+          <p:nvPr/>
+        </p:nvSpPr>
+        <p:spPr>
+          <a:xfrm>
+            <a:off x="360000" y="360000"/>
+            <a:ext cx="9356400" cy="896400"/>
+          </a:xfrm>
+          <a:prstGeom prst="rect">
+            <a:avLst/>
+          </a:prstGeom>
+          <a:noFill/>
+          <a:ln>
+            <a:noFill/>
+          </a:ln>
+        </p:spPr>
+        <p:style>
+          <a:lnRef idx="0">
+            <a:scrgbClr r="0" g="0" b="0"/>
+          </a:lnRef>
+          <a:fillRef idx="0">
+            <a:scrgbClr r="0" g="0" b="0"/>
+          </a:fillRef>
+          <a:effectRef idx="0">
+            <a:scrgbClr r="0" g="0" b="0"/>
+          </a:effectRef>
+          <a:fontRef idx="minor"/>
+        </p:style>
+        <p:txBody>
+          <a:bodyPr lIns="0" tIns="0" rIns="0" bIns="0" anchor="b"/>
+          <a:lstStyle>
+            <a:defPPr>
+              <a:defRPr lang="pt-BR"/>
+            </a:defPPr>
+            <a:lvl1pPr marL="0" marR="0" indent="0" algn="l" defTabSz="914400" rtl="0" eaLnBrk="1" fontAlgn="auto" latinLnBrk="0" hangingPunct="1">
+              <a:lnSpc>
+                <a:spcPct val="100000"/>
+              </a:lnSpc>
+              <a:spcBef>
+                <a:spcPct val="0"/>
+              </a:spcBef>
+              <a:spcAft>
+                <a:spcPct val="0"/>
+              </a:spcAft>
+              <a:buClrTx/>
+              <a:buSzTx/>
+              <a:buFontTx/>
+              <a:buNone/>
+              <a:defRPr kumimoji="0" sz="1800" b="0" i="0" u="none" strike="noStrike" kern="1200" cap="none" spc="0" normalizeH="0" baseline="0" noProof="0">
+                <a:solidFill>
+                  <a:schemeClr val="tx1"/>
+                </a:solidFill>
+                <a:uLnTx/>
+                <a:uFillTx/>
+                <a:latin typeface="Arial" pitchFamily="34" charset="0"/>
+                <a:ea typeface="DejaVu Sans"/>
+                <a:cs typeface="DejaVu Sans"/>
+                <a:sym typeface="Wingdings" charset="2"/>
+              </a:defRPr>
+            </a:lvl1pPr>
+            <a:lvl2pPr marL="457200" marR="0" indent="0" algn="l" defTabSz="914400" rtl="0" eaLnBrk="1" fontAlgn="auto" latinLnBrk="0" hangingPunct="1">
+              <a:lnSpc>
+                <a:spcPct val="100000"/>
+              </a:lnSpc>
+              <a:spcBef>
+                <a:spcPct val="0"/>
+              </a:spcBef>
+              <a:spcAft>
+                <a:spcPct val="0"/>
+              </a:spcAft>
+              <a:buClrTx/>
+              <a:buSzTx/>
+              <a:buFontTx/>
+              <a:buNone/>
+              <a:defRPr kumimoji="0" sz="1800" b="0" i="0" u="none" strike="noStrike" kern="1200" cap="none" spc="0" normalizeH="0" baseline="0" noProof="0">
+                <a:solidFill>
+                  <a:schemeClr val="tx1"/>
+                </a:solidFill>
+                <a:uLnTx/>
+                <a:uFillTx/>
+                <a:latin typeface="Arial" pitchFamily="34" charset="0"/>
+                <a:ea typeface="DejaVu Sans"/>
+                <a:cs typeface="DejaVu Sans"/>
+                <a:sym typeface="Wingdings" charset="2"/>
+              </a:defRPr>
+            </a:lvl2pPr>
+            <a:lvl3pPr marL="914400" marR="0" indent="0" algn="l" defTabSz="914400" rtl="0" eaLnBrk="1" fontAlgn="auto" latinLnBrk="0" hangingPunct="1">
+              <a:lnSpc>
+                <a:spcPct val="100000"/>
+              </a:lnSpc>
+              <a:spcBef>
+                <a:spcPct val="0"/>
+              </a:spcBef>
+              <a:spcAft>
+                <a:spcPct val="0"/>
+              </a:spcAft>
+              <a:buClrTx/>
+              <a:buSzTx/>
+              <a:buFontTx/>
+              <a:buNone/>
+              <a:defRPr kumimoji="0" sz="1800" b="0" i="0" u="none" strike="noStrike" kern="1200" cap="none" spc="0" normalizeH="0" baseline="0" noProof="0">
+                <a:solidFill>
+                  <a:schemeClr val="tx1"/>
+                </a:solidFill>
+                <a:uLnTx/>
+                <a:uFillTx/>
+                <a:latin typeface="Arial" pitchFamily="34" charset="0"/>
+                <a:ea typeface="DejaVu Sans"/>
+                <a:cs typeface="DejaVu Sans"/>
+                <a:sym typeface="Wingdings" charset="2"/>
+              </a:defRPr>
+            </a:lvl3pPr>
+            <a:lvl4pPr marL="1371600" marR="0" indent="0" algn="l" defTabSz="914400" rtl="0" eaLnBrk="1" fontAlgn="auto" latinLnBrk="0" hangingPunct="1">
+              <a:lnSpc>
+                <a:spcPct val="100000"/>
+              </a:lnSpc>
+              <a:spcBef>
+                <a:spcPct val="0"/>
+              </a:spcBef>
+              <a:spcAft>
+                <a:spcPct val="0"/>
+              </a:spcAft>
+              <a:buClrTx/>
+              <a:buSzTx/>
+              <a:buFontTx/>
+              <a:buNone/>
+              <a:defRPr kumimoji="0" sz="1800" b="0" i="0" u="none" strike="noStrike" kern="1200" cap="none" spc="0" normalizeH="0" baseline="0" noProof="0">
+                <a:solidFill>
+                  <a:schemeClr val="tx1"/>
+                </a:solidFill>
+                <a:uLnTx/>
+                <a:uFillTx/>
+                <a:latin typeface="Arial" pitchFamily="34" charset="0"/>
+                <a:ea typeface="DejaVu Sans"/>
+                <a:cs typeface="DejaVu Sans"/>
+                <a:sym typeface="Wingdings" charset="2"/>
+              </a:defRPr>
+            </a:lvl4pPr>
+            <a:lvl5pPr marL="1828800" marR="0" indent="0" algn="l" defTabSz="914400" rtl="0" eaLnBrk="1" fontAlgn="auto" latinLnBrk="0" hangingPunct="1">
+              <a:lnSpc>
+                <a:spcPct val="100000"/>
+              </a:lnSpc>
+              <a:spcBef>
+                <a:spcPct val="0"/>
+              </a:spcBef>
+              <a:spcAft>
+                <a:spcPct val="0"/>
+              </a:spcAft>
+              <a:buClrTx/>
+              <a:buSzTx/>
+              <a:buFontTx/>
+              <a:buNone/>
+              <a:defRPr kumimoji="0" sz="1800" b="0" i="0" u="none" strike="noStrike" kern="1200" cap="none" spc="0" normalizeH="0" baseline="0" noProof="0">
+                <a:solidFill>
+                  <a:schemeClr val="tx1"/>
+                </a:solidFill>
+                <a:uLnTx/>
+                <a:uFillTx/>
+                <a:latin typeface="Arial" pitchFamily="34" charset="0"/>
+                <a:ea typeface="DejaVu Sans"/>
+                <a:cs typeface="DejaVu Sans"/>
+                <a:sym typeface="Wingdings" charset="2"/>
+              </a:defRPr>
+            </a:lvl5pPr>
+            <a:lvl6pPr marL="2286000" marR="0" indent="0" algn="l" defTabSz="914400" rtl="0" eaLnBrk="1" fontAlgn="auto" latinLnBrk="0" hangingPunct="1">
+              <a:lnSpc>
+                <a:spcPct val="100000"/>
+              </a:lnSpc>
+              <a:spcBef>
+                <a:spcPct val="0"/>
+              </a:spcBef>
+              <a:spcAft>
+                <a:spcPct val="0"/>
+              </a:spcAft>
+              <a:buClrTx/>
+              <a:buSzTx/>
+              <a:buFontTx/>
+              <a:buNone/>
+              <a:defRPr kumimoji="0" sz="1800" b="0" i="0" u="none" strike="noStrike" kern="1200" cap="none" spc="0" normalizeH="0" baseline="0" noProof="0">
+                <a:solidFill>
+                  <a:schemeClr val="tx1"/>
+                </a:solidFill>
+                <a:uLnTx/>
+                <a:uFillTx/>
+                <a:latin typeface="Arial" pitchFamily="34" charset="0"/>
+                <a:ea typeface="DejaVu Sans"/>
+                <a:cs typeface="DejaVu Sans"/>
+                <a:sym typeface="Wingdings" charset="2"/>
+              </a:defRPr>
+            </a:lvl6pPr>
+            <a:lvl7pPr marL="2743200" marR="0" indent="0" algn="l" defTabSz="914400" rtl="0" eaLnBrk="1" fontAlgn="auto" latinLnBrk="0" hangingPunct="1">
+              <a:lnSpc>
+                <a:spcPct val="100000"/>
+              </a:lnSpc>
+              <a:spcBef>
+                <a:spcPct val="0"/>
+              </a:spcBef>
+              <a:spcAft>
+                <a:spcPct val="0"/>
+              </a:spcAft>
+              <a:buClrTx/>
+              <a:buSzTx/>
+              <a:buFontTx/>
+              <a:buNone/>
+              <a:defRPr kumimoji="0" sz="1800" b="0" i="0" u="none" strike="noStrike" kern="1200" cap="none" spc="0" normalizeH="0" baseline="0" noProof="0">
+                <a:solidFill>
+                  <a:schemeClr val="tx1"/>
+                </a:solidFill>
+                <a:uLnTx/>
+                <a:uFillTx/>
+                <a:latin typeface="Arial" pitchFamily="34" charset="0"/>
+                <a:ea typeface="DejaVu Sans"/>
+                <a:cs typeface="DejaVu Sans"/>
+                <a:sym typeface="Wingdings" charset="2"/>
+              </a:defRPr>
+            </a:lvl7pPr>
+            <a:lvl8pPr marL="3200400" marR="0" indent="0" algn="l" defTabSz="914400" rtl="0" eaLnBrk="1" fontAlgn="auto" latinLnBrk="0" hangingPunct="1">
+              <a:lnSpc>
+                <a:spcPct val="100000"/>
+              </a:lnSpc>
+              <a:spcBef>
+                <a:spcPct val="0"/>
+              </a:spcBef>
+              <a:spcAft>
+                <a:spcPct val="0"/>
+              </a:spcAft>
+              <a:buClrTx/>
+              <a:buSzTx/>
+              <a:buFontTx/>
+              <a:buNone/>
+              <a:defRPr kumimoji="0" sz="1800" b="0" i="0" u="none" strike="noStrike" kern="1200" cap="none" spc="0" normalizeH="0" baseline="0" noProof="0">
+                <a:solidFill>
+                  <a:schemeClr val="tx1"/>
+                </a:solidFill>
+                <a:uLnTx/>
+                <a:uFillTx/>
+                <a:latin typeface="Arial" pitchFamily="34" charset="0"/>
+                <a:ea typeface="DejaVu Sans"/>
+                <a:cs typeface="DejaVu Sans"/>
+                <a:sym typeface="Wingdings" charset="2"/>
+              </a:defRPr>
+            </a:lvl8pPr>
+            <a:lvl9pPr marL="3657600" marR="0" indent="0" algn="l" defTabSz="914400" rtl="0" eaLnBrk="1" fontAlgn="auto" latinLnBrk="0" hangingPunct="1">
+              <a:lnSpc>
+                <a:spcPct val="100000"/>
+              </a:lnSpc>
+              <a:spcBef>
+                <a:spcPct val="0"/>
+              </a:spcBef>
+              <a:spcAft>
+                <a:spcPct val="0"/>
+              </a:spcAft>
+              <a:buClrTx/>
+              <a:buSzTx/>
+              <a:buFontTx/>
+              <a:buNone/>
+              <a:defRPr kumimoji="0" sz="1800" b="0" i="0" u="none" strike="noStrike" kern="1200" cap="none" spc="0" normalizeH="0" baseline="0" noProof="0">
+                <a:solidFill>
+                  <a:schemeClr val="tx1"/>
+                </a:solidFill>
+                <a:uLnTx/>
+                <a:uFillTx/>
+                <a:latin typeface="Arial" pitchFamily="34" charset="0"/>
+                <a:ea typeface="DejaVu Sans"/>
+                <a:cs typeface="DejaVu Sans"/>
+                <a:sym typeface="Wingdings" charset="2"/>
+              </a:defRPr>
+            </a:lvl9pPr>
+          </a:lstStyle>
+          <a:p>
+            <a:r>
+              <a:rPr lang="en-US" sz="3200" b="1" spc="-1" dirty="0" err="1">
+                <a:solidFill>
+                  <a:srgbClr val="FFFFFF"/>
+                </a:solidFill>
+                <a:latin typeface="Latin Modern Sans"/>
+              </a:rPr>
+              <a:t>Modelos</a:t>
+            </a:r>
+            <a:r>
+              <a:rPr lang="en-US" sz="3200" b="1" spc="-1" dirty="0">
+                <a:solidFill>
+                  <a:srgbClr val="FFFFFF"/>
+                </a:solidFill>
+                <a:latin typeface="Latin Modern Sans"/>
+              </a:rPr>
+              <a:t> de </a:t>
+            </a:r>
+            <a:r>
+              <a:rPr lang="en-US" sz="3200" b="1" spc="-1" dirty="0" err="1">
+                <a:solidFill>
+                  <a:srgbClr val="FFFFFF"/>
+                </a:solidFill>
+                <a:latin typeface="Latin Modern Sans"/>
+              </a:rPr>
+              <a:t>Classificação</a:t>
+            </a:r>
+            <a:endParaRPr lang="en-US" sz="3200" b="1" spc="-1" dirty="0">
+              <a:solidFill>
+                <a:srgbClr val="FFFFFF"/>
+              </a:solidFill>
+              <a:latin typeface="Latin Modern Sans"/>
+            </a:endParaRPr>
+          </a:p>
+          <a:p>
+            <a:r>
+              <a:rPr lang="en-US" sz="3200" b="1" strike="noStrike" spc="-1" dirty="0">
+                <a:solidFill>
+                  <a:srgbClr val="FFFFFF"/>
+                </a:solidFill>
+                <a:latin typeface="Latin Modern Sans"/>
+              </a:rPr>
+              <a:t>Support Vector Machine (SVM)</a:t>
+            </a:r>
+            <a:endParaRPr lang="en-US" sz="3200" b="0" strike="noStrike" spc="-1" dirty="0">
+              <a:latin typeface="Arial" pitchFamily="34" charset="0"/>
+            </a:endParaRPr>
+          </a:p>
+        </p:txBody>
+      </p:sp>
+      <p:sp>
+        <p:nvSpPr>
+          <p:cNvPr id="2" name="CaixaDeTexto 1">
+            <a:extLst>
+              <a:ext uri="{FF2B5EF4-FFF2-40B4-BE49-F238E27FC236}">
+                <a16:creationId xmlns:a16="http://schemas.microsoft.com/office/drawing/2014/main" id="{D744B707-1B4A-5A5F-CC17-5C9D8382FBD9}"/>
+              </a:ext>
+            </a:extLst>
+          </p:cNvPr>
+          <p:cNvSpPr txBox="1"/>
+          <p:nvPr/>
+        </p:nvSpPr>
+        <p:spPr>
+          <a:xfrm>
+            <a:off x="200025" y="1742667"/>
+            <a:ext cx="9516375" cy="369332"/>
+          </a:xfrm>
+          <a:prstGeom prst="rect">
+            <a:avLst/>
+          </a:prstGeom>
+          <a:noFill/>
+        </p:spPr>
+        <p:txBody>
+          <a:bodyPr wrap="square" rtlCol="0">
+            <a:spAutoFit/>
+          </a:bodyPr>
+          <a:lstStyle>
+            <a:defPPr>
+              <a:defRPr lang="pt-BR"/>
+            </a:defPPr>
+            <a:lvl1pPr marL="0" algn="l" defTabSz="914400" rtl="0" eaLnBrk="1" latinLnBrk="0" hangingPunct="1">
+              <a:defRPr sz="1800" kern="1200">
+                <a:solidFill>
+                  <a:schemeClr val="tx1"/>
+                </a:solidFill>
+                <a:latin typeface="Arial" pitchFamily="34" charset="0"/>
+                <a:ea typeface="DejaVu Sans"/>
+                <a:cs typeface="DejaVu Sans"/>
+              </a:defRPr>
+            </a:lvl1pPr>
+            <a:lvl2pPr marL="457200" algn="l" defTabSz="914400" rtl="0" eaLnBrk="1" latinLnBrk="0" hangingPunct="1">
+              <a:defRPr sz="1800" kern="1200">
+                <a:solidFill>
+                  <a:schemeClr val="tx1"/>
+                </a:solidFill>
+                <a:latin typeface="Arial" pitchFamily="34" charset="0"/>
+                <a:ea typeface="DejaVu Sans"/>
+                <a:cs typeface="DejaVu Sans"/>
+              </a:defRPr>
+            </a:lvl2pPr>
+            <a:lvl3pPr marL="914400" algn="l" defTabSz="914400" rtl="0" eaLnBrk="1" latinLnBrk="0" hangingPunct="1">
+              <a:defRPr sz="1800" kern="1200">
+                <a:solidFill>
+                  <a:schemeClr val="tx1"/>
+                </a:solidFill>
+                <a:latin typeface="Arial" pitchFamily="34" charset="0"/>
+                <a:ea typeface="DejaVu Sans"/>
+                <a:cs typeface="DejaVu Sans"/>
+              </a:defRPr>
+            </a:lvl3pPr>
+            <a:lvl4pPr marL="1371600" algn="l" defTabSz="914400" rtl="0" eaLnBrk="1" latinLnBrk="0" hangingPunct="1">
+              <a:defRPr sz="1800" kern="1200">
+                <a:solidFill>
+                  <a:schemeClr val="tx1"/>
+                </a:solidFill>
+                <a:latin typeface="Arial" pitchFamily="34" charset="0"/>
+                <a:ea typeface="DejaVu Sans"/>
+                <a:cs typeface="DejaVu Sans"/>
+              </a:defRPr>
+            </a:lvl4pPr>
+            <a:lvl5pPr marL="1828800" algn="l" defTabSz="914400" rtl="0" eaLnBrk="1" latinLnBrk="0" hangingPunct="1">
+              <a:defRPr sz="1800" kern="1200">
+                <a:solidFill>
+                  <a:schemeClr val="tx1"/>
+                </a:solidFill>
+                <a:latin typeface="Arial" pitchFamily="34" charset="0"/>
+                <a:ea typeface="DejaVu Sans"/>
+                <a:cs typeface="DejaVu Sans"/>
+              </a:defRPr>
+            </a:lvl5pPr>
+            <a:lvl6pPr marL="2286000" algn="l" defTabSz="914400" rtl="0" eaLnBrk="1" latinLnBrk="0" hangingPunct="1">
+              <a:defRPr sz="1800" kern="1200">
+                <a:solidFill>
+                  <a:schemeClr val="tx1"/>
+                </a:solidFill>
+                <a:latin typeface="Arial" pitchFamily="34" charset="0"/>
+                <a:ea typeface="DejaVu Sans"/>
+                <a:cs typeface="DejaVu Sans"/>
+              </a:defRPr>
+            </a:lvl6pPr>
+            <a:lvl7pPr marL="2743200" algn="l" defTabSz="914400" rtl="0" eaLnBrk="1" latinLnBrk="0" hangingPunct="1">
+              <a:defRPr sz="1800" kern="1200">
+                <a:solidFill>
+                  <a:schemeClr val="tx1"/>
+                </a:solidFill>
+                <a:latin typeface="Arial" pitchFamily="34" charset="0"/>
+                <a:ea typeface="DejaVu Sans"/>
+                <a:cs typeface="DejaVu Sans"/>
+              </a:defRPr>
+            </a:lvl7pPr>
+            <a:lvl8pPr marL="3200400" algn="l" defTabSz="914400" rtl="0" eaLnBrk="1" latinLnBrk="0" hangingPunct="1">
+              <a:defRPr sz="1800" kern="1200">
+                <a:solidFill>
+                  <a:schemeClr val="tx1"/>
+                </a:solidFill>
+                <a:latin typeface="Arial" pitchFamily="34" charset="0"/>
+                <a:ea typeface="DejaVu Sans"/>
+                <a:cs typeface="DejaVu Sans"/>
+              </a:defRPr>
+            </a:lvl8pPr>
+            <a:lvl9pPr marL="3657600" algn="l" defTabSz="914400" rtl="0" eaLnBrk="1" latinLnBrk="0" hangingPunct="1">
+              <a:defRPr sz="1800" kern="1200">
+                <a:solidFill>
+                  <a:schemeClr val="tx1"/>
+                </a:solidFill>
+                <a:latin typeface="Arial" pitchFamily="34" charset="0"/>
+                <a:ea typeface="DejaVu Sans"/>
+                <a:cs typeface="DejaVu Sans"/>
+              </a:defRPr>
+            </a:lvl9pPr>
+          </a:lstStyle>
+          <a:p>
+            <a:pPr marL="285750" indent="-285750">
+              <a:buFont typeface="Arial" pitchFamily="34" charset="0"/>
+              <a:buChar char="•"/>
+            </a:pPr>
+            <a:r>
               <a:rPr lang="en-US" dirty="0" err="1">
                 <a:latin typeface="Calibri" panose="020F0502020204030204" pitchFamily="34" charset="0"/>
                 <a:cs typeface="Calibri" panose="020F0502020204030204" pitchFamily="34" charset="0"/>
               </a:rPr>
-              <a:t>Fronteira</a:t>
+              <a:t>Fronteiras</a:t>
             </a:r>
             <a:r>
               <a:rPr lang="en-US" dirty="0">
@@ -21408,14 +23695,28 @@
                 <a:latin typeface="Calibri" panose="020F0502020204030204" pitchFamily="34" charset="0"/>
                 <a:cs typeface="Calibri" panose="020F0502020204030204" pitchFamily="34" charset="0"/>
               </a:rPr>
-              <a:t> é </a:t>
+              <a:t> </a:t>
             </a:r>
             <a:r>
               <a:rPr lang="en-US" dirty="0" err="1">
                 <a:latin typeface="Calibri" panose="020F0502020204030204" pitchFamily="34" charset="0"/>
                 <a:cs typeface="Calibri" panose="020F0502020204030204" pitchFamily="34" charset="0"/>
               </a:rPr>
-              <a:t>baseado</a:t>
+              <a:t>são</a:t>
+            </a:r>
+            <a:r>
+              <a:rPr lang="en-US" dirty="0">
+                <a:latin typeface="Calibri" panose="020F0502020204030204" pitchFamily="34" charset="0"/>
+                <a:cs typeface="Calibri" panose="020F0502020204030204" pitchFamily="34" charset="0"/>
+              </a:rPr>
+              <a:t> </a:t>
+            </a:r>
+            <a:r>
+              <a:rPr lang="en-US" dirty="0" err="1">
+                <a:latin typeface="Calibri" panose="020F0502020204030204" pitchFamily="34" charset="0"/>
+                <a:cs typeface="Calibri" panose="020F0502020204030204" pitchFamily="34" charset="0"/>
+              </a:rPr>
+              <a:t>baseadas</a:t>
             </a:r>
             <a:r>
               <a:rPr lang="en-US" dirty="0">
@@ -22578,1289 +24879,7 @@
 </p:sld>
 </file>
 
-<file path=ppt/slides/slide2.xml><?xml version="1.0" encoding="utf-8"?>
-<p:sld xmlns:a="http://schemas.openxmlformats.org/drawingml/2006/main" xmlns:r="http://schemas.openxmlformats.org/officeDocument/2006/relationships" xmlns:p="http://schemas.openxmlformats.org/presentationml/2006/main">
-  <p:cSld>
-    <p:spTree>
-      <p:nvGrpSpPr>
-        <p:cNvPr id="1" name=""/>
-        <p:cNvGrpSpPr/>
-        <p:nvPr/>
-      </p:nvGrpSpPr>
-      <p:grpSpPr>
-        <a:xfrm>
-          <a:off x="0" y="0"/>
-          <a:ext cx="0" cy="0"/>
-          <a:chOff x="0" y="0"/>
-          <a:chExt cx="0" cy="0"/>
-        </a:xfrm>
-      </p:grpSpPr>
-      <p:sp>
-        <p:nvSpPr>
-          <p:cNvPr id="89" name="CustomShape 1"/>
-          <p:cNvSpPr/>
-          <p:nvPr/>
-        </p:nvSpPr>
-        <p:spPr>
-          <a:xfrm>
-            <a:off x="360000" y="360000"/>
-            <a:ext cx="9356400" cy="896400"/>
-          </a:xfrm>
-          <a:prstGeom prst="rect">
-            <a:avLst/>
-          </a:prstGeom>
-          <a:noFill/>
-          <a:ln>
-            <a:noFill/>
-          </a:ln>
-        </p:spPr>
-        <p:style>
-          <a:lnRef idx="0">
-            <a:scrgbClr r="0" g="0" b="0"/>
-          </a:lnRef>
-          <a:fillRef idx="0">
-            <a:scrgbClr r="0" g="0" b="0"/>
-          </a:fillRef>
-          <a:effectRef idx="0">
-            <a:scrgbClr r="0" g="0" b="0"/>
-          </a:effectRef>
-          <a:fontRef idx="minor"/>
-        </p:style>
-        <p:txBody>
-          <a:bodyPr lIns="0" tIns="0" rIns="0" bIns="0" anchor="b"/>
-          <a:lstStyle>
-            <a:defPPr>
-              <a:defRPr lang="pt-BR"/>
-            </a:defPPr>
-            <a:lvl1pPr marL="0" marR="0" indent="0" algn="l" defTabSz="914400" rtl="0" eaLnBrk="1" fontAlgn="auto" latinLnBrk="0" hangingPunct="1">
-              <a:lnSpc>
-                <a:spcPct val="100000"/>
-              </a:lnSpc>
-              <a:spcBef>
-                <a:spcPct val="0"/>
-              </a:spcBef>
-              <a:spcAft>
-                <a:spcPct val="0"/>
-              </a:spcAft>
-              <a:buClrTx/>
-              <a:buSzTx/>
-              <a:buFontTx/>
-              <a:buNone/>
-              <a:defRPr kumimoji="0" sz="1800" b="0" i="0" u="none" strike="noStrike" kern="1200" cap="none" spc="0" normalizeH="0" baseline="0" noProof="0">
-                <a:solidFill>
-                  <a:schemeClr val="tx1"/>
-                </a:solidFill>
-                <a:uLnTx/>
-                <a:uFillTx/>
-                <a:latin typeface="Arial" pitchFamily="34" charset="0"/>
-                <a:ea typeface="DejaVu Sans"/>
-                <a:cs typeface="DejaVu Sans"/>
-                <a:sym typeface="Wingdings" charset="2"/>
-              </a:defRPr>
-            </a:lvl1pPr>
-            <a:lvl2pPr marL="457200" marR="0" indent="0" algn="l" defTabSz="914400" rtl="0" eaLnBrk="1" fontAlgn="auto" latinLnBrk="0" hangingPunct="1">
-              <a:lnSpc>
-                <a:spcPct val="100000"/>
-              </a:lnSpc>
-              <a:spcBef>
-                <a:spcPct val="0"/>
-              </a:spcBef>
-              <a:spcAft>
-                <a:spcPct val="0"/>
-              </a:spcAft>
-              <a:buClrTx/>
-              <a:buSzTx/>
-              <a:buFontTx/>
-              <a:buNone/>
-              <a:defRPr kumimoji="0" sz="1800" b="0" i="0" u="none" strike="noStrike" kern="1200" cap="none" spc="0" normalizeH="0" baseline="0" noProof="0">
-                <a:solidFill>
-                  <a:schemeClr val="tx1"/>
-                </a:solidFill>
-                <a:uLnTx/>
-                <a:uFillTx/>
-                <a:latin typeface="Arial" pitchFamily="34" charset="0"/>
-                <a:ea typeface="DejaVu Sans"/>
-                <a:cs typeface="DejaVu Sans"/>
-                <a:sym typeface="Wingdings" charset="2"/>
-              </a:defRPr>
-            </a:lvl2pPr>
-            <a:lvl3pPr marL="914400" marR="0" indent="0" algn="l" defTabSz="914400" rtl="0" eaLnBrk="1" fontAlgn="auto" latinLnBrk="0" hangingPunct="1">
-              <a:lnSpc>
-                <a:spcPct val="100000"/>
-              </a:lnSpc>
-              <a:spcBef>
-                <a:spcPct val="0"/>
-              </a:spcBef>
-              <a:spcAft>
-                <a:spcPct val="0"/>
-              </a:spcAft>
-              <a:buClrTx/>
-              <a:buSzTx/>
-              <a:buFontTx/>
-              <a:buNone/>
-              <a:defRPr kumimoji="0" sz="1800" b="0" i="0" u="none" strike="noStrike" kern="1200" cap="none" spc="0" normalizeH="0" baseline="0" noProof="0">
-                <a:solidFill>
-                  <a:schemeClr val="tx1"/>
-                </a:solidFill>
-                <a:uLnTx/>
-                <a:uFillTx/>
-                <a:latin typeface="Arial" pitchFamily="34" charset="0"/>
-                <a:ea typeface="DejaVu Sans"/>
-                <a:cs typeface="DejaVu Sans"/>
-                <a:sym typeface="Wingdings" charset="2"/>
-              </a:defRPr>
-            </a:lvl3pPr>
-            <a:lvl4pPr marL="1371600" marR="0" indent="0" algn="l" defTabSz="914400" rtl="0" eaLnBrk="1" fontAlgn="auto" latinLnBrk="0" hangingPunct="1">
-              <a:lnSpc>
-                <a:spcPct val="100000"/>
-              </a:lnSpc>
-              <a:spcBef>
-                <a:spcPct val="0"/>
-              </a:spcBef>
-              <a:spcAft>
-                <a:spcPct val="0"/>
-              </a:spcAft>
-              <a:buClrTx/>
-              <a:buSzTx/>
-              <a:buFontTx/>
-              <a:buNone/>
-              <a:defRPr kumimoji="0" sz="1800" b="0" i="0" u="none" strike="noStrike" kern="1200" cap="none" spc="0" normalizeH="0" baseline="0" noProof="0">
-                <a:solidFill>
-                  <a:schemeClr val="tx1"/>
-                </a:solidFill>
-                <a:uLnTx/>
-                <a:uFillTx/>
-                <a:latin typeface="Arial" pitchFamily="34" charset="0"/>
-                <a:ea typeface="DejaVu Sans"/>
-                <a:cs typeface="DejaVu Sans"/>
-                <a:sym typeface="Wingdings" charset="2"/>
-              </a:defRPr>
-            </a:lvl4pPr>
-            <a:lvl5pPr marL="1828800" marR="0" indent="0" algn="l" defTabSz="914400" rtl="0" eaLnBrk="1" fontAlgn="auto" latinLnBrk="0" hangingPunct="1">
-              <a:lnSpc>
-                <a:spcPct val="100000"/>
-              </a:lnSpc>
-              <a:spcBef>
-                <a:spcPct val="0"/>
-              </a:spcBef>
-              <a:spcAft>
-                <a:spcPct val="0"/>
-              </a:spcAft>
-              <a:buClrTx/>
-              <a:buSzTx/>
-              <a:buFontTx/>
-              <a:buNone/>
-              <a:defRPr kumimoji="0" sz="1800" b="0" i="0" u="none" strike="noStrike" kern="1200" cap="none" spc="0" normalizeH="0" baseline="0" noProof="0">
-                <a:solidFill>
-                  <a:schemeClr val="tx1"/>
-                </a:solidFill>
-                <a:uLnTx/>
-                <a:uFillTx/>
-                <a:latin typeface="Arial" pitchFamily="34" charset="0"/>
-                <a:ea typeface="DejaVu Sans"/>
-                <a:cs typeface="DejaVu Sans"/>
-                <a:sym typeface="Wingdings" charset="2"/>
-              </a:defRPr>
-            </a:lvl5pPr>
-            <a:lvl6pPr marL="2286000" marR="0" indent="0" algn="l" defTabSz="914400" rtl="0" eaLnBrk="1" fontAlgn="auto" latinLnBrk="0" hangingPunct="1">
-              <a:lnSpc>
-                <a:spcPct val="100000"/>
-              </a:lnSpc>
-              <a:spcBef>
-                <a:spcPct val="0"/>
-              </a:spcBef>
-              <a:spcAft>
-                <a:spcPct val="0"/>
-              </a:spcAft>
-              <a:buClrTx/>
-              <a:buSzTx/>
-              <a:buFontTx/>
-              <a:buNone/>
-              <a:defRPr kumimoji="0" sz="1800" b="0" i="0" u="none" strike="noStrike" kern="1200" cap="none" spc="0" normalizeH="0" baseline="0" noProof="0">
-                <a:solidFill>
-                  <a:schemeClr val="tx1"/>
-                </a:solidFill>
-                <a:uLnTx/>
-                <a:uFillTx/>
-                <a:latin typeface="Arial" pitchFamily="34" charset="0"/>
-                <a:ea typeface="DejaVu Sans"/>
-                <a:cs typeface="DejaVu Sans"/>
-                <a:sym typeface="Wingdings" charset="2"/>
-              </a:defRPr>
-            </a:lvl6pPr>
-            <a:lvl7pPr marL="2743200" marR="0" indent="0" algn="l" defTabSz="914400" rtl="0" eaLnBrk="1" fontAlgn="auto" latinLnBrk="0" hangingPunct="1">
-              <a:lnSpc>
-                <a:spcPct val="100000"/>
-              </a:lnSpc>
-              <a:spcBef>
-                <a:spcPct val="0"/>
-              </a:spcBef>
-              <a:spcAft>
-                <a:spcPct val="0"/>
-              </a:spcAft>
-              <a:buClrTx/>
-              <a:buSzTx/>
-              <a:buFontTx/>
-              <a:buNone/>
-              <a:defRPr kumimoji="0" sz="1800" b="0" i="0" u="none" strike="noStrike" kern="1200" cap="none" spc="0" normalizeH="0" baseline="0" noProof="0">
-                <a:solidFill>
-                  <a:schemeClr val="tx1"/>
-                </a:solidFill>
-                <a:uLnTx/>
-                <a:uFillTx/>
-                <a:latin typeface="Arial" pitchFamily="34" charset="0"/>
-                <a:ea typeface="DejaVu Sans"/>
-                <a:cs typeface="DejaVu Sans"/>
-                <a:sym typeface="Wingdings" charset="2"/>
-              </a:defRPr>
-            </a:lvl7pPr>
-            <a:lvl8pPr marL="3200400" marR="0" indent="0" algn="l" defTabSz="914400" rtl="0" eaLnBrk="1" fontAlgn="auto" latinLnBrk="0" hangingPunct="1">
-              <a:lnSpc>
-                <a:spcPct val="100000"/>
-              </a:lnSpc>
-              <a:spcBef>
-                <a:spcPct val="0"/>
-              </a:spcBef>
-              <a:spcAft>
-                <a:spcPct val="0"/>
-              </a:spcAft>
-              <a:buClrTx/>
-              <a:buSzTx/>
-              <a:buFontTx/>
-              <a:buNone/>
-              <a:defRPr kumimoji="0" sz="1800" b="0" i="0" u="none" strike="noStrike" kern="1200" cap="none" spc="0" normalizeH="0" baseline="0" noProof="0">
-                <a:solidFill>
-                  <a:schemeClr val="tx1"/>
-                </a:solidFill>
-                <a:uLnTx/>
-                <a:uFillTx/>
-                <a:latin typeface="Arial" pitchFamily="34" charset="0"/>
-                <a:ea typeface="DejaVu Sans"/>
-                <a:cs typeface="DejaVu Sans"/>
-                <a:sym typeface="Wingdings" charset="2"/>
-              </a:defRPr>
-            </a:lvl8pPr>
-            <a:lvl9pPr marL="3657600" marR="0" indent="0" algn="l" defTabSz="914400" rtl="0" eaLnBrk="1" fontAlgn="auto" latinLnBrk="0" hangingPunct="1">
-              <a:lnSpc>
-                <a:spcPct val="100000"/>
-              </a:lnSpc>
-              <a:spcBef>
-                <a:spcPct val="0"/>
-              </a:spcBef>
-              <a:spcAft>
-                <a:spcPct val="0"/>
-              </a:spcAft>
-              <a:buClrTx/>
-              <a:buSzTx/>
-              <a:buFontTx/>
-              <a:buNone/>
-              <a:defRPr kumimoji="0" sz="1800" b="0" i="0" u="none" strike="noStrike" kern="1200" cap="none" spc="0" normalizeH="0" baseline="0" noProof="0">
-                <a:solidFill>
-                  <a:schemeClr val="tx1"/>
-                </a:solidFill>
-                <a:uLnTx/>
-                <a:uFillTx/>
-                <a:latin typeface="Arial" pitchFamily="34" charset="0"/>
-                <a:ea typeface="DejaVu Sans"/>
-                <a:cs typeface="DejaVu Sans"/>
-                <a:sym typeface="Wingdings" charset="2"/>
-              </a:defRPr>
-            </a:lvl9pPr>
-          </a:lstStyle>
-          <a:p>
-            <a:pPr>
-              <a:lnSpc>
-                <a:spcPct val="100000"/>
-              </a:lnSpc>
-            </a:pPr>
-            <a:r>
-              <a:rPr lang="pt-BR" sz="3200" b="1" spc="-1" dirty="0">
-                <a:solidFill>
-                  <a:srgbClr val="FFFFFF"/>
-                </a:solidFill>
-                <a:latin typeface="Latin Modern Sans"/>
-              </a:rPr>
-              <a:t>Tópicos</a:t>
-            </a:r>
-            <a:endParaRPr lang="pt-BR" sz="3200" b="0" strike="noStrike" spc="-1" dirty="0">
-              <a:latin typeface="Arial" pitchFamily="34" charset="0"/>
-            </a:endParaRPr>
-          </a:p>
-        </p:txBody>
-      </p:sp>
-      <p:sp>
-        <p:nvSpPr>
-          <p:cNvPr id="92" name="CustomShape 4"/>
-          <p:cNvSpPr/>
-          <p:nvPr/>
-        </p:nvSpPr>
-        <p:spPr>
-          <a:xfrm>
-            <a:off x="360000" y="1980000"/>
-            <a:ext cx="9176400" cy="4676400"/>
-          </a:xfrm>
-          <a:prstGeom prst="rect">
-            <a:avLst/>
-          </a:prstGeom>
-          <a:noFill/>
-          <a:ln>
-            <a:noFill/>
-          </a:ln>
-        </p:spPr>
-        <p:style>
-          <a:lnRef idx="0">
-            <a:scrgbClr r="0" g="0" b="0"/>
-          </a:lnRef>
-          <a:fillRef idx="0">
-            <a:scrgbClr r="0" g="0" b="0"/>
-          </a:fillRef>
-          <a:effectRef idx="0">
-            <a:scrgbClr r="0" g="0" b="0"/>
-          </a:effectRef>
-          <a:fontRef idx="minor"/>
-        </p:style>
-        <p:txBody>
-          <a:bodyPr lIns="0" tIns="0" rIns="0" bIns="0">
-            <a:normAutofit/>
-          </a:bodyPr>
-          <a:lstStyle>
-            <a:defPPr>
-              <a:defRPr lang="pt-BR"/>
-            </a:defPPr>
-            <a:lvl1pPr marL="0" marR="0" indent="0" algn="l" defTabSz="914400" rtl="0" eaLnBrk="1" fontAlgn="auto" latinLnBrk="0" hangingPunct="1">
-              <a:lnSpc>
-                <a:spcPct val="100000"/>
-              </a:lnSpc>
-              <a:spcBef>
-                <a:spcPct val="0"/>
-              </a:spcBef>
-              <a:spcAft>
-                <a:spcPct val="0"/>
-              </a:spcAft>
-              <a:buClrTx/>
-              <a:buSzTx/>
-              <a:buFontTx/>
-              <a:buNone/>
-              <a:defRPr kumimoji="0" sz="1800" b="0" i="0" u="none" strike="noStrike" kern="1200" cap="none" spc="0" normalizeH="0" baseline="0" noProof="0">
-                <a:solidFill>
-                  <a:schemeClr val="tx1"/>
-                </a:solidFill>
-                <a:uLnTx/>
-                <a:uFillTx/>
-                <a:latin typeface="Arial" pitchFamily="34" charset="0"/>
-                <a:ea typeface="DejaVu Sans"/>
-                <a:cs typeface="DejaVu Sans"/>
-                <a:sym typeface="Wingdings" charset="2"/>
-              </a:defRPr>
-            </a:lvl1pPr>
-            <a:lvl2pPr marL="457200" marR="0" indent="0" algn="l" defTabSz="914400" rtl="0" eaLnBrk="1" fontAlgn="auto" latinLnBrk="0" hangingPunct="1">
-              <a:lnSpc>
-                <a:spcPct val="100000"/>
-              </a:lnSpc>
-              <a:spcBef>
-                <a:spcPct val="0"/>
-              </a:spcBef>
-              <a:spcAft>
-                <a:spcPct val="0"/>
-              </a:spcAft>
-              <a:buClrTx/>
-              <a:buSzTx/>
-              <a:buFontTx/>
-              <a:buNone/>
-              <a:defRPr kumimoji="0" sz="1800" b="0" i="0" u="none" strike="noStrike" kern="1200" cap="none" spc="0" normalizeH="0" baseline="0" noProof="0">
-                <a:solidFill>
-                  <a:schemeClr val="tx1"/>
-                </a:solidFill>
-                <a:uLnTx/>
-                <a:uFillTx/>
-                <a:latin typeface="Arial" pitchFamily="34" charset="0"/>
-                <a:ea typeface="DejaVu Sans"/>
-                <a:cs typeface="DejaVu Sans"/>
-                <a:sym typeface="Wingdings" charset="2"/>
-              </a:defRPr>
-            </a:lvl2pPr>
-            <a:lvl3pPr marL="914400" marR="0" indent="0" algn="l" defTabSz="914400" rtl="0" eaLnBrk="1" fontAlgn="auto" latinLnBrk="0" hangingPunct="1">
-              <a:lnSpc>
-                <a:spcPct val="100000"/>
-              </a:lnSpc>
-              <a:spcBef>
-                <a:spcPct val="0"/>
-              </a:spcBef>
-              <a:spcAft>
-                <a:spcPct val="0"/>
-              </a:spcAft>
-              <a:buClrTx/>
-              <a:buSzTx/>
-              <a:buFontTx/>
-              <a:buNone/>
-              <a:defRPr kumimoji="0" sz="1800" b="0" i="0" u="none" strike="noStrike" kern="1200" cap="none" spc="0" normalizeH="0" baseline="0" noProof="0">
-                <a:solidFill>
-                  <a:schemeClr val="tx1"/>
-                </a:solidFill>
-                <a:uLnTx/>
-                <a:uFillTx/>
-                <a:latin typeface="Arial" pitchFamily="34" charset="0"/>
-                <a:ea typeface="DejaVu Sans"/>
-                <a:cs typeface="DejaVu Sans"/>
-                <a:sym typeface="Wingdings" charset="2"/>
-              </a:defRPr>
-            </a:lvl3pPr>
-            <a:lvl4pPr marL="1371600" marR="0" indent="0" algn="l" defTabSz="914400" rtl="0" eaLnBrk="1" fontAlgn="auto" latinLnBrk="0" hangingPunct="1">
-              <a:lnSpc>
-                <a:spcPct val="100000"/>
-              </a:lnSpc>
-              <a:spcBef>
-                <a:spcPct val="0"/>
-              </a:spcBef>
-              <a:spcAft>
-                <a:spcPct val="0"/>
-              </a:spcAft>
-              <a:buClrTx/>
-              <a:buSzTx/>
-              <a:buFontTx/>
-              <a:buNone/>
-              <a:defRPr kumimoji="0" sz="1800" b="0" i="0" u="none" strike="noStrike" kern="1200" cap="none" spc="0" normalizeH="0" baseline="0" noProof="0">
-                <a:solidFill>
-                  <a:schemeClr val="tx1"/>
-                </a:solidFill>
-                <a:uLnTx/>
-                <a:uFillTx/>
-                <a:latin typeface="Arial" pitchFamily="34" charset="0"/>
-                <a:ea typeface="DejaVu Sans"/>
-                <a:cs typeface="DejaVu Sans"/>
-                <a:sym typeface="Wingdings" charset="2"/>
-              </a:defRPr>
-            </a:lvl4pPr>
-            <a:lvl5pPr marL="1828800" marR="0" indent="0" algn="l" defTabSz="914400" rtl="0" eaLnBrk="1" fontAlgn="auto" latinLnBrk="0" hangingPunct="1">
-              <a:lnSpc>
-                <a:spcPct val="100000"/>
-              </a:lnSpc>
-              <a:spcBef>
-                <a:spcPct val="0"/>
-              </a:spcBef>
-              <a:spcAft>
-                <a:spcPct val="0"/>
-              </a:spcAft>
-              <a:buClrTx/>
-              <a:buSzTx/>
-              <a:buFontTx/>
-              <a:buNone/>
-              <a:defRPr kumimoji="0" sz="1800" b="0" i="0" u="none" strike="noStrike" kern="1200" cap="none" spc="0" normalizeH="0" baseline="0" noProof="0">
-                <a:solidFill>
-                  <a:schemeClr val="tx1"/>
-                </a:solidFill>
-                <a:uLnTx/>
-                <a:uFillTx/>
-                <a:latin typeface="Arial" pitchFamily="34" charset="0"/>
-                <a:ea typeface="DejaVu Sans"/>
-                <a:cs typeface="DejaVu Sans"/>
-                <a:sym typeface="Wingdings" charset="2"/>
-              </a:defRPr>
-            </a:lvl5pPr>
-            <a:lvl6pPr marL="2286000" marR="0" indent="0" algn="l" defTabSz="914400" rtl="0" eaLnBrk="1" fontAlgn="auto" latinLnBrk="0" hangingPunct="1">
-              <a:lnSpc>
-                <a:spcPct val="100000"/>
-              </a:lnSpc>
-              <a:spcBef>
-                <a:spcPct val="0"/>
-              </a:spcBef>
-              <a:spcAft>
-                <a:spcPct val="0"/>
-              </a:spcAft>
-              <a:buClrTx/>
-              <a:buSzTx/>
-              <a:buFontTx/>
-              <a:buNone/>
-              <a:defRPr kumimoji="0" sz="1800" b="0" i="0" u="none" strike="noStrike" kern="1200" cap="none" spc="0" normalizeH="0" baseline="0" noProof="0">
-                <a:solidFill>
-                  <a:schemeClr val="tx1"/>
-                </a:solidFill>
-                <a:uLnTx/>
-                <a:uFillTx/>
-                <a:latin typeface="Arial" pitchFamily="34" charset="0"/>
-                <a:ea typeface="DejaVu Sans"/>
-                <a:cs typeface="DejaVu Sans"/>
-                <a:sym typeface="Wingdings" charset="2"/>
-              </a:defRPr>
-            </a:lvl6pPr>
-            <a:lvl7pPr marL="2743200" marR="0" indent="0" algn="l" defTabSz="914400" rtl="0" eaLnBrk="1" fontAlgn="auto" latinLnBrk="0" hangingPunct="1">
-              <a:lnSpc>
-                <a:spcPct val="100000"/>
-              </a:lnSpc>
-              <a:spcBef>
-                <a:spcPct val="0"/>
-              </a:spcBef>
-              <a:spcAft>
-                <a:spcPct val="0"/>
-              </a:spcAft>
-              <a:buClrTx/>
-              <a:buSzTx/>
-              <a:buFontTx/>
-              <a:buNone/>
-              <a:defRPr kumimoji="0" sz="1800" b="0" i="0" u="none" strike="noStrike" kern="1200" cap="none" spc="0" normalizeH="0" baseline="0" noProof="0">
-                <a:solidFill>
-                  <a:schemeClr val="tx1"/>
-                </a:solidFill>
-                <a:uLnTx/>
-                <a:uFillTx/>
-                <a:latin typeface="Arial" pitchFamily="34" charset="0"/>
-                <a:ea typeface="DejaVu Sans"/>
-                <a:cs typeface="DejaVu Sans"/>
-                <a:sym typeface="Wingdings" charset="2"/>
-              </a:defRPr>
-            </a:lvl7pPr>
-            <a:lvl8pPr marL="3200400" marR="0" indent="0" algn="l" defTabSz="914400" rtl="0" eaLnBrk="1" fontAlgn="auto" latinLnBrk="0" hangingPunct="1">
-              <a:lnSpc>
-                <a:spcPct val="100000"/>
-              </a:lnSpc>
-              <a:spcBef>
-                <a:spcPct val="0"/>
-              </a:spcBef>
-              <a:spcAft>
-                <a:spcPct val="0"/>
-              </a:spcAft>
-              <a:buClrTx/>
-              <a:buSzTx/>
-              <a:buFontTx/>
-              <a:buNone/>
-              <a:defRPr kumimoji="0" sz="1800" b="0" i="0" u="none" strike="noStrike" kern="1200" cap="none" spc="0" normalizeH="0" baseline="0" noProof="0">
-                <a:solidFill>
-                  <a:schemeClr val="tx1"/>
-                </a:solidFill>
-                <a:uLnTx/>
-                <a:uFillTx/>
-                <a:latin typeface="Arial" pitchFamily="34" charset="0"/>
-                <a:ea typeface="DejaVu Sans"/>
-                <a:cs typeface="DejaVu Sans"/>
-                <a:sym typeface="Wingdings" charset="2"/>
-              </a:defRPr>
-            </a:lvl8pPr>
-            <a:lvl9pPr marL="3657600" marR="0" indent="0" algn="l" defTabSz="914400" rtl="0" eaLnBrk="1" fontAlgn="auto" latinLnBrk="0" hangingPunct="1">
-              <a:lnSpc>
-                <a:spcPct val="100000"/>
-              </a:lnSpc>
-              <a:spcBef>
-                <a:spcPct val="0"/>
-              </a:spcBef>
-              <a:spcAft>
-                <a:spcPct val="0"/>
-              </a:spcAft>
-              <a:buClrTx/>
-              <a:buSzTx/>
-              <a:buFontTx/>
-              <a:buNone/>
-              <a:defRPr kumimoji="0" sz="1800" b="0" i="0" u="none" strike="noStrike" kern="1200" cap="none" spc="0" normalizeH="0" baseline="0" noProof="0">
-                <a:solidFill>
-                  <a:schemeClr val="tx1"/>
-                </a:solidFill>
-                <a:uLnTx/>
-                <a:uFillTx/>
-                <a:latin typeface="Arial" pitchFamily="34" charset="0"/>
-                <a:ea typeface="DejaVu Sans"/>
-                <a:cs typeface="DejaVu Sans"/>
-                <a:sym typeface="Wingdings" charset="2"/>
-              </a:defRPr>
-            </a:lvl9pPr>
-          </a:lstStyle>
-          <a:p>
-            <a:pPr marL="216000" indent="-212400">
-              <a:lnSpc>
-                <a:spcPct val="100000"/>
-              </a:lnSpc>
-              <a:spcAft>
-                <a:spcPts val="1140"/>
-              </a:spcAft>
-              <a:buClr>
-                <a:srgbClr val="000000"/>
-              </a:buClr>
-              <a:buSzPct val="45000"/>
-              <a:buFont typeface="Wingdings" charset="2"/>
-              <a:buChar char=""/>
-            </a:pPr>
-            <a:r>
-              <a:rPr lang="en-US" sz="2000" spc="-1" dirty="0" err="1">
-                <a:solidFill>
-                  <a:srgbClr val="1C1C1C"/>
-                </a:solidFill>
-                <a:latin typeface="Calibri" panose="020F0502020204030204" pitchFamily="34" charset="0"/>
-                <a:cs typeface="Calibri" panose="020F0502020204030204" pitchFamily="34" charset="0"/>
-              </a:rPr>
-              <a:t>Discussão</a:t>
-            </a:r>
-            <a:r>
-              <a:rPr lang="en-US" sz="2000" spc="-1" dirty="0">
-                <a:solidFill>
-                  <a:srgbClr val="1C1C1C"/>
-                </a:solidFill>
-                <a:latin typeface="Calibri" panose="020F0502020204030204" pitchFamily="34" charset="0"/>
-                <a:cs typeface="Calibri" panose="020F0502020204030204" pitchFamily="34" charset="0"/>
-              </a:rPr>
-              <a:t> </a:t>
-            </a:r>
-            <a:r>
-              <a:rPr lang="en-US" sz="2000" spc="-1" dirty="0" err="1">
-                <a:solidFill>
-                  <a:srgbClr val="1C1C1C"/>
-                </a:solidFill>
-                <a:latin typeface="Calibri" panose="020F0502020204030204" pitchFamily="34" charset="0"/>
-                <a:cs typeface="Calibri" panose="020F0502020204030204" pitchFamily="34" charset="0"/>
-              </a:rPr>
-              <a:t>Inicial</a:t>
-            </a:r>
-            <a:endParaRPr lang="en-US" sz="2000" strike="noStrike" spc="-1" dirty="0">
-              <a:solidFill>
-                <a:srgbClr val="1C1C1C"/>
-              </a:solidFill>
-              <a:latin typeface="Calibri" panose="020F0502020204030204" pitchFamily="34" charset="0"/>
-              <a:cs typeface="Calibri" panose="020F0502020204030204" pitchFamily="34" charset="0"/>
-            </a:endParaRPr>
-          </a:p>
-          <a:p>
-            <a:pPr marL="216000" indent="-212400">
-              <a:lnSpc>
-                <a:spcPct val="100000"/>
-              </a:lnSpc>
-              <a:spcAft>
-                <a:spcPts val="1140"/>
-              </a:spcAft>
-              <a:buClr>
-                <a:srgbClr val="000000"/>
-              </a:buClr>
-              <a:buSzPct val="45000"/>
-              <a:buFont typeface="Wingdings" charset="2"/>
-              <a:buChar char=""/>
-            </a:pPr>
-            <a:endParaRPr lang="en-US" sz="2000" strike="noStrike" spc="-1" dirty="0">
-              <a:solidFill>
-                <a:srgbClr val="1C1C1C"/>
-              </a:solidFill>
-              <a:latin typeface="Calibri" panose="020F0502020204030204" pitchFamily="34" charset="0"/>
-              <a:ea typeface="DejaVu Sans"/>
-              <a:cs typeface="Calibri" panose="020F0502020204030204" pitchFamily="34" charset="0"/>
-            </a:endParaRPr>
-          </a:p>
-          <a:p>
-            <a:pPr marL="216000" indent="-212400">
-              <a:lnSpc>
-                <a:spcPct val="100000"/>
-              </a:lnSpc>
-              <a:spcAft>
-                <a:spcPts val="1140"/>
-              </a:spcAft>
-              <a:buClr>
-                <a:srgbClr val="000000"/>
-              </a:buClr>
-              <a:buSzPct val="45000"/>
-              <a:buFont typeface="Wingdings" charset="2"/>
-              <a:buChar char=""/>
-            </a:pPr>
-            <a:r>
-              <a:rPr lang="en-US" sz="2000" strike="noStrike" spc="-1" dirty="0" err="1">
-                <a:solidFill>
-                  <a:srgbClr val="1C1C1C"/>
-                </a:solidFill>
-                <a:latin typeface="Calibri" panose="020F0502020204030204" pitchFamily="34" charset="0"/>
-                <a:ea typeface="DejaVu Sans"/>
-                <a:cs typeface="Calibri" panose="020F0502020204030204" pitchFamily="34" charset="0"/>
-              </a:rPr>
-              <a:t>Modelos</a:t>
-            </a:r>
-            <a:r>
-              <a:rPr lang="en-US" sz="2000" strike="noStrike" spc="-1" dirty="0">
-                <a:solidFill>
-                  <a:srgbClr val="1C1C1C"/>
-                </a:solidFill>
-                <a:latin typeface="Calibri" panose="020F0502020204030204" pitchFamily="34" charset="0"/>
-                <a:ea typeface="DejaVu Sans"/>
-                <a:cs typeface="Calibri" panose="020F0502020204030204" pitchFamily="34" charset="0"/>
-              </a:rPr>
-              <a:t> de </a:t>
-            </a:r>
-            <a:r>
-              <a:rPr lang="en-US" sz="2000" strike="noStrike" spc="-1" dirty="0" err="1">
-                <a:solidFill>
-                  <a:srgbClr val="1C1C1C"/>
-                </a:solidFill>
-                <a:latin typeface="Calibri" panose="020F0502020204030204" pitchFamily="34" charset="0"/>
-                <a:ea typeface="DejaVu Sans"/>
-                <a:cs typeface="Calibri" panose="020F0502020204030204" pitchFamily="34" charset="0"/>
-              </a:rPr>
-              <a:t>Classificação</a:t>
-            </a:r>
-            <a:endParaRPr lang="en-US" sz="2000" strike="noStrike" spc="-1" dirty="0">
-              <a:solidFill>
-                <a:srgbClr val="1C1C1C"/>
-              </a:solidFill>
-              <a:latin typeface="Calibri" panose="020F0502020204030204" pitchFamily="34" charset="0"/>
-              <a:ea typeface="DejaVu Sans"/>
-              <a:cs typeface="Calibri" panose="020F0502020204030204" pitchFamily="34" charset="0"/>
-            </a:endParaRPr>
-          </a:p>
-          <a:p>
-            <a:pPr marL="673200" lvl="1" indent="-212400">
-              <a:spcAft>
-                <a:spcPts val="1140"/>
-              </a:spcAft>
-              <a:buClr>
-                <a:srgbClr val="000000"/>
-              </a:buClr>
-              <a:buSzPct val="45000"/>
-              <a:buFont typeface="Wingdings" charset="2"/>
-              <a:buChar char=""/>
-            </a:pPr>
-            <a:r>
-              <a:rPr lang="en-US" sz="2000" spc="-1" dirty="0">
-                <a:solidFill>
-                  <a:srgbClr val="1C1C1C"/>
-                </a:solidFill>
-                <a:latin typeface="Calibri" panose="020F0502020204030204" pitchFamily="34" charset="0"/>
-                <a:ea typeface="DejaVu Sans"/>
-                <a:cs typeface="Calibri" panose="020F0502020204030204" pitchFamily="34" charset="0"/>
-              </a:rPr>
-              <a:t>K-NN, Logistic Regression, Decision Trees Naïve Bayes, SVM and MLP </a:t>
-            </a:r>
-          </a:p>
-          <a:p>
-            <a:pPr marL="216000" indent="-212400">
-              <a:spcAft>
-                <a:spcPts val="1140"/>
-              </a:spcAft>
-              <a:buClr>
-                <a:srgbClr val="000000"/>
-              </a:buClr>
-              <a:buSzPct val="45000"/>
-              <a:buFont typeface="Wingdings" charset="2"/>
-              <a:buChar char=""/>
-            </a:pPr>
-            <a:endParaRPr lang="en-US" sz="2000" strike="noStrike" spc="-1" dirty="0">
-              <a:solidFill>
-                <a:srgbClr val="1C1C1C"/>
-              </a:solidFill>
-              <a:latin typeface="Calibri" panose="020F0502020204030204" pitchFamily="34" charset="0"/>
-              <a:ea typeface="DejaVu Sans"/>
-              <a:cs typeface="Calibri" panose="020F0502020204030204" pitchFamily="34" charset="0"/>
-            </a:endParaRPr>
-          </a:p>
-          <a:p>
-            <a:pPr marL="216000" indent="-212400">
-              <a:spcAft>
-                <a:spcPts val="1140"/>
-              </a:spcAft>
-              <a:buClr>
-                <a:srgbClr val="000000"/>
-              </a:buClr>
-              <a:buSzPct val="45000"/>
-              <a:buFont typeface="Wingdings" charset="2"/>
-              <a:buChar char=""/>
-            </a:pPr>
-            <a:r>
-              <a:rPr lang="en-US" sz="2000" strike="noStrike" spc="-1" dirty="0" err="1">
-                <a:solidFill>
-                  <a:srgbClr val="1C1C1C"/>
-                </a:solidFill>
-                <a:latin typeface="Calibri" panose="020F0502020204030204" pitchFamily="34" charset="0"/>
-                <a:ea typeface="DejaVu Sans"/>
-                <a:cs typeface="Calibri" panose="020F0502020204030204" pitchFamily="34" charset="0"/>
-              </a:rPr>
-              <a:t>Métricas</a:t>
-            </a:r>
-            <a:r>
-              <a:rPr lang="en-US" sz="2000" strike="noStrike" spc="-1" dirty="0">
-                <a:solidFill>
-                  <a:srgbClr val="1C1C1C"/>
-                </a:solidFill>
-                <a:latin typeface="Calibri" panose="020F0502020204030204" pitchFamily="34" charset="0"/>
-                <a:ea typeface="DejaVu Sans"/>
-                <a:cs typeface="Calibri" panose="020F0502020204030204" pitchFamily="34" charset="0"/>
-              </a:rPr>
-              <a:t> de </a:t>
-            </a:r>
-            <a:r>
-              <a:rPr lang="en-US" sz="2000" strike="noStrike" spc="-1" dirty="0" err="1">
-                <a:solidFill>
-                  <a:srgbClr val="1C1C1C"/>
-                </a:solidFill>
-                <a:latin typeface="Calibri" panose="020F0502020204030204" pitchFamily="34" charset="0"/>
-                <a:ea typeface="DejaVu Sans"/>
-                <a:cs typeface="Calibri" panose="020F0502020204030204" pitchFamily="34" charset="0"/>
-              </a:rPr>
-              <a:t>Avaliação</a:t>
-            </a:r>
-            <a:endParaRPr lang="en-US" sz="2000" spc="-1" dirty="0">
-              <a:solidFill>
-                <a:srgbClr val="1C1C1C"/>
-              </a:solidFill>
-              <a:latin typeface="Calibri" panose="020F0502020204030204" pitchFamily="34" charset="0"/>
-              <a:ea typeface="DejaVu Sans"/>
-              <a:cs typeface="Calibri" panose="020F0502020204030204" pitchFamily="34" charset="0"/>
-            </a:endParaRPr>
-          </a:p>
-          <a:p>
-            <a:pPr marL="673200" lvl="1" indent="-212400">
-              <a:spcAft>
-                <a:spcPts val="1140"/>
-              </a:spcAft>
-              <a:buClr>
-                <a:srgbClr val="000000"/>
-              </a:buClr>
-              <a:buSzPct val="45000"/>
-              <a:buFont typeface="Wingdings" charset="2"/>
-              <a:buChar char=""/>
-            </a:pPr>
-            <a:r>
-              <a:rPr lang="en-US" sz="2000" strike="noStrike" spc="-1" dirty="0">
-                <a:solidFill>
-                  <a:srgbClr val="1C1C1C"/>
-                </a:solidFill>
-                <a:latin typeface="Calibri" panose="020F0502020204030204" pitchFamily="34" charset="0"/>
-                <a:ea typeface="DejaVu Sans"/>
-                <a:cs typeface="Calibri" panose="020F0502020204030204" pitchFamily="34" charset="0"/>
-              </a:rPr>
-              <a:t>Accuracy, Precision, Recall </a:t>
-            </a:r>
-            <a:r>
-              <a:rPr lang="en-US" sz="2000" spc="-1" dirty="0">
-                <a:solidFill>
-                  <a:srgbClr val="1C1C1C"/>
-                </a:solidFill>
-                <a:latin typeface="Calibri" panose="020F0502020204030204" pitchFamily="34" charset="0"/>
-                <a:ea typeface="DejaVu Sans"/>
-                <a:cs typeface="Calibri" panose="020F0502020204030204" pitchFamily="34" charset="0"/>
-              </a:rPr>
-              <a:t>and F1-Score</a:t>
-            </a:r>
-            <a:endParaRPr lang="en-US" sz="2000" strike="noStrike" spc="-1" dirty="0">
-              <a:solidFill>
-                <a:srgbClr val="1C1C1C"/>
-              </a:solidFill>
-              <a:latin typeface="Calibri" panose="020F0502020204030204" pitchFamily="34" charset="0"/>
-              <a:ea typeface="DejaVu Sans"/>
-              <a:cs typeface="Calibri" panose="020F0502020204030204" pitchFamily="34" charset="0"/>
-            </a:endParaRPr>
-          </a:p>
-          <a:p>
-            <a:pPr marL="216000" indent="-212400">
-              <a:lnSpc>
-                <a:spcPct val="100000"/>
-              </a:lnSpc>
-              <a:spcAft>
-                <a:spcPts val="1140"/>
-              </a:spcAft>
-              <a:buClr>
-                <a:srgbClr val="000000"/>
-              </a:buClr>
-              <a:buSzPct val="45000"/>
-              <a:buFont typeface="Wingdings" charset="2"/>
-              <a:buChar char=""/>
-            </a:pPr>
-            <a:endParaRPr lang="en-US" sz="2000" strike="noStrike" spc="-1" dirty="0">
-              <a:solidFill>
-                <a:srgbClr val="1C1C1C"/>
-              </a:solidFill>
-              <a:latin typeface="Calibri" panose="020F0502020204030204" pitchFamily="34" charset="0"/>
-              <a:cs typeface="Calibri" panose="020F0502020204030204" pitchFamily="34" charset="0"/>
-            </a:endParaRPr>
-          </a:p>
-          <a:p>
-            <a:pPr marL="216000" indent="-212400">
-              <a:lnSpc>
-                <a:spcPct val="100000"/>
-              </a:lnSpc>
-              <a:spcAft>
-                <a:spcPts val="1140"/>
-              </a:spcAft>
-              <a:buClr>
-                <a:srgbClr val="000000"/>
-              </a:buClr>
-              <a:buSzPct val="45000"/>
-              <a:buFont typeface="Wingdings" charset="2"/>
-              <a:buChar char=""/>
-            </a:pPr>
-            <a:r>
-              <a:rPr lang="en-US" sz="2000" strike="noStrike" spc="-1" dirty="0">
-                <a:solidFill>
-                  <a:srgbClr val="1C1C1C"/>
-                </a:solidFill>
-                <a:latin typeface="Calibri" panose="020F0502020204030204" pitchFamily="34" charset="0"/>
-                <a:cs typeface="Calibri" panose="020F0502020204030204" pitchFamily="34" charset="0"/>
-              </a:rPr>
-              <a:t>Practice</a:t>
-            </a:r>
-          </a:p>
-        </p:txBody>
-      </p:sp>
-      <p:sp>
-        <p:nvSpPr>
-          <p:cNvPr id="2" name="CustomShape 2">
-            <a:extLst>
-              <a:ext uri="{FF2B5EF4-FFF2-40B4-BE49-F238E27FC236}">
-                <a16:creationId xmlns:a16="http://schemas.microsoft.com/office/drawing/2014/main" id="{05542946-2205-74EB-20E1-FF911F357950}"/>
-              </a:ext>
-            </a:extLst>
-          </p:cNvPr>
-          <p:cNvSpPr/>
-          <p:nvPr/>
-        </p:nvSpPr>
-        <p:spPr>
-          <a:xfrm>
-            <a:off x="897120" y="6886080"/>
-            <a:ext cx="6443640" cy="361440"/>
-          </a:xfrm>
-          <a:prstGeom prst="rect">
-            <a:avLst/>
-          </a:prstGeom>
-          <a:noFill/>
-          <a:ln>
-            <a:noFill/>
-          </a:ln>
-        </p:spPr>
-        <p:style>
-          <a:lnRef idx="0">
-            <a:scrgbClr r="0" g="0" b="0"/>
-          </a:lnRef>
-          <a:fillRef idx="0">
-            <a:scrgbClr r="0" g="0" b="0"/>
-          </a:fillRef>
-          <a:effectRef idx="0">
-            <a:scrgbClr r="0" g="0" b="0"/>
-          </a:effectRef>
-          <a:fontRef idx="minor"/>
-        </p:style>
-        <p:txBody>
-          <a:bodyPr lIns="90000" tIns="45000" rIns="90000" bIns="45000"/>
-          <a:lstStyle>
-            <a:defPPr>
-              <a:defRPr lang="pt-BR"/>
-            </a:defPPr>
-            <a:lvl1pPr marL="0" marR="0" indent="0" algn="l" defTabSz="914400" rtl="0" eaLnBrk="1" fontAlgn="auto" latinLnBrk="0" hangingPunct="1">
-              <a:lnSpc>
-                <a:spcPct val="100000"/>
-              </a:lnSpc>
-              <a:spcBef>
-                <a:spcPct val="0"/>
-              </a:spcBef>
-              <a:spcAft>
-                <a:spcPct val="0"/>
-              </a:spcAft>
-              <a:buClrTx/>
-              <a:buSzTx/>
-              <a:buFontTx/>
-              <a:buNone/>
-              <a:defRPr kumimoji="0" sz="1800" b="0" i="0" u="none" strike="noStrike" kern="1200" cap="none" spc="0" normalizeH="0" baseline="0" noProof="0">
-                <a:solidFill>
-                  <a:schemeClr val="tx1"/>
-                </a:solidFill>
-                <a:uLnTx/>
-                <a:uFillTx/>
-                <a:latin typeface="Arial" pitchFamily="34" charset="0"/>
-                <a:ea typeface="DejaVu Sans"/>
-                <a:cs typeface="DejaVu Sans"/>
-                <a:sym typeface="Wingdings" charset="2"/>
-              </a:defRPr>
-            </a:lvl1pPr>
-            <a:lvl2pPr marL="457200" marR="0" indent="0" algn="l" defTabSz="914400" rtl="0" eaLnBrk="1" fontAlgn="auto" latinLnBrk="0" hangingPunct="1">
-              <a:lnSpc>
-                <a:spcPct val="100000"/>
-              </a:lnSpc>
-              <a:spcBef>
-                <a:spcPct val="0"/>
-              </a:spcBef>
-              <a:spcAft>
-                <a:spcPct val="0"/>
-              </a:spcAft>
-              <a:buClrTx/>
-              <a:buSzTx/>
-              <a:buFontTx/>
-              <a:buNone/>
-              <a:defRPr kumimoji="0" sz="1800" b="0" i="0" u="none" strike="noStrike" kern="1200" cap="none" spc="0" normalizeH="0" baseline="0" noProof="0">
-                <a:solidFill>
-                  <a:schemeClr val="tx1"/>
-                </a:solidFill>
-                <a:uLnTx/>
-                <a:uFillTx/>
-                <a:latin typeface="Arial" pitchFamily="34" charset="0"/>
-                <a:ea typeface="DejaVu Sans"/>
-                <a:cs typeface="DejaVu Sans"/>
-                <a:sym typeface="Wingdings" charset="2"/>
-              </a:defRPr>
-            </a:lvl2pPr>
-            <a:lvl3pPr marL="914400" marR="0" indent="0" algn="l" defTabSz="914400" rtl="0" eaLnBrk="1" fontAlgn="auto" latinLnBrk="0" hangingPunct="1">
-              <a:lnSpc>
-                <a:spcPct val="100000"/>
-              </a:lnSpc>
-              <a:spcBef>
-                <a:spcPct val="0"/>
-              </a:spcBef>
-              <a:spcAft>
-                <a:spcPct val="0"/>
-              </a:spcAft>
-              <a:buClrTx/>
-              <a:buSzTx/>
-              <a:buFontTx/>
-              <a:buNone/>
-              <a:defRPr kumimoji="0" sz="1800" b="0" i="0" u="none" strike="noStrike" kern="1200" cap="none" spc="0" normalizeH="0" baseline="0" noProof="0">
-                <a:solidFill>
-                  <a:schemeClr val="tx1"/>
-                </a:solidFill>
-                <a:uLnTx/>
-                <a:uFillTx/>
-                <a:latin typeface="Arial" pitchFamily="34" charset="0"/>
-                <a:ea typeface="DejaVu Sans"/>
-                <a:cs typeface="DejaVu Sans"/>
-                <a:sym typeface="Wingdings" charset="2"/>
-              </a:defRPr>
-            </a:lvl3pPr>
-            <a:lvl4pPr marL="1371600" marR="0" indent="0" algn="l" defTabSz="914400" rtl="0" eaLnBrk="1" fontAlgn="auto" latinLnBrk="0" hangingPunct="1">
-              <a:lnSpc>
-                <a:spcPct val="100000"/>
-              </a:lnSpc>
-              <a:spcBef>
-                <a:spcPct val="0"/>
-              </a:spcBef>
-              <a:spcAft>
-                <a:spcPct val="0"/>
-              </a:spcAft>
-              <a:buClrTx/>
-              <a:buSzTx/>
-              <a:buFontTx/>
-              <a:buNone/>
-              <a:defRPr kumimoji="0" sz="1800" b="0" i="0" u="none" strike="noStrike" kern="1200" cap="none" spc="0" normalizeH="0" baseline="0" noProof="0">
-                <a:solidFill>
-                  <a:schemeClr val="tx1"/>
-                </a:solidFill>
-                <a:uLnTx/>
-                <a:uFillTx/>
-                <a:latin typeface="Arial" pitchFamily="34" charset="0"/>
-                <a:ea typeface="DejaVu Sans"/>
-                <a:cs typeface="DejaVu Sans"/>
-                <a:sym typeface="Wingdings" charset="2"/>
-              </a:defRPr>
-            </a:lvl4pPr>
-            <a:lvl5pPr marL="1828800" marR="0" indent="0" algn="l" defTabSz="914400" rtl="0" eaLnBrk="1" fontAlgn="auto" latinLnBrk="0" hangingPunct="1">
-              <a:lnSpc>
-                <a:spcPct val="100000"/>
-              </a:lnSpc>
-              <a:spcBef>
-                <a:spcPct val="0"/>
-              </a:spcBef>
-              <a:spcAft>
-                <a:spcPct val="0"/>
-              </a:spcAft>
-              <a:buClrTx/>
-              <a:buSzTx/>
-              <a:buFontTx/>
-              <a:buNone/>
-              <a:defRPr kumimoji="0" sz="1800" b="0" i="0" u="none" strike="noStrike" kern="1200" cap="none" spc="0" normalizeH="0" baseline="0" noProof="0">
-                <a:solidFill>
-                  <a:schemeClr val="tx1"/>
-                </a:solidFill>
-                <a:uLnTx/>
-                <a:uFillTx/>
-                <a:latin typeface="Arial" pitchFamily="34" charset="0"/>
-                <a:ea typeface="DejaVu Sans"/>
-                <a:cs typeface="DejaVu Sans"/>
-                <a:sym typeface="Wingdings" charset="2"/>
-              </a:defRPr>
-            </a:lvl5pPr>
-            <a:lvl6pPr marL="2286000" marR="0" indent="0" algn="l" defTabSz="914400" rtl="0" eaLnBrk="1" fontAlgn="auto" latinLnBrk="0" hangingPunct="1">
-              <a:lnSpc>
-                <a:spcPct val="100000"/>
-              </a:lnSpc>
-              <a:spcBef>
-                <a:spcPct val="0"/>
-              </a:spcBef>
-              <a:spcAft>
-                <a:spcPct val="0"/>
-              </a:spcAft>
-              <a:buClrTx/>
-              <a:buSzTx/>
-              <a:buFontTx/>
-              <a:buNone/>
-              <a:defRPr kumimoji="0" sz="1800" b="0" i="0" u="none" strike="noStrike" kern="1200" cap="none" spc="0" normalizeH="0" baseline="0" noProof="0">
-                <a:solidFill>
-                  <a:schemeClr val="tx1"/>
-                </a:solidFill>
-                <a:uLnTx/>
-                <a:uFillTx/>
-                <a:latin typeface="Arial" pitchFamily="34" charset="0"/>
-                <a:ea typeface="DejaVu Sans"/>
-                <a:cs typeface="DejaVu Sans"/>
-                <a:sym typeface="Wingdings" charset="2"/>
-              </a:defRPr>
-            </a:lvl6pPr>
-            <a:lvl7pPr marL="2743200" marR="0" indent="0" algn="l" defTabSz="914400" rtl="0" eaLnBrk="1" fontAlgn="auto" latinLnBrk="0" hangingPunct="1">
-              <a:lnSpc>
-                <a:spcPct val="100000"/>
-              </a:lnSpc>
-              <a:spcBef>
-                <a:spcPct val="0"/>
-              </a:spcBef>
-              <a:spcAft>
-                <a:spcPct val="0"/>
-              </a:spcAft>
-              <a:buClrTx/>
-              <a:buSzTx/>
-              <a:buFontTx/>
-              <a:buNone/>
-              <a:defRPr kumimoji="0" sz="1800" b="0" i="0" u="none" strike="noStrike" kern="1200" cap="none" spc="0" normalizeH="0" baseline="0" noProof="0">
-                <a:solidFill>
-                  <a:schemeClr val="tx1"/>
-                </a:solidFill>
-                <a:uLnTx/>
-                <a:uFillTx/>
-                <a:latin typeface="Arial" pitchFamily="34" charset="0"/>
-                <a:ea typeface="DejaVu Sans"/>
-                <a:cs typeface="DejaVu Sans"/>
-                <a:sym typeface="Wingdings" charset="2"/>
-              </a:defRPr>
-            </a:lvl7pPr>
-            <a:lvl8pPr marL="3200400" marR="0" indent="0" algn="l" defTabSz="914400" rtl="0" eaLnBrk="1" fontAlgn="auto" latinLnBrk="0" hangingPunct="1">
-              <a:lnSpc>
-                <a:spcPct val="100000"/>
-              </a:lnSpc>
-              <a:spcBef>
-                <a:spcPct val="0"/>
-              </a:spcBef>
-              <a:spcAft>
-                <a:spcPct val="0"/>
-              </a:spcAft>
-              <a:buClrTx/>
-              <a:buSzTx/>
-              <a:buFontTx/>
-              <a:buNone/>
-              <a:defRPr kumimoji="0" sz="1800" b="0" i="0" u="none" strike="noStrike" kern="1200" cap="none" spc="0" normalizeH="0" baseline="0" noProof="0">
-                <a:solidFill>
-                  <a:schemeClr val="tx1"/>
-                </a:solidFill>
-                <a:uLnTx/>
-                <a:uFillTx/>
-                <a:latin typeface="Arial" pitchFamily="34" charset="0"/>
-                <a:ea typeface="DejaVu Sans"/>
-                <a:cs typeface="DejaVu Sans"/>
-                <a:sym typeface="Wingdings" charset="2"/>
-              </a:defRPr>
-            </a:lvl8pPr>
-            <a:lvl9pPr marL="3657600" marR="0" indent="0" algn="l" defTabSz="914400" rtl="0" eaLnBrk="1" fontAlgn="auto" latinLnBrk="0" hangingPunct="1">
-              <a:lnSpc>
-                <a:spcPct val="100000"/>
-              </a:lnSpc>
-              <a:spcBef>
-                <a:spcPct val="0"/>
-              </a:spcBef>
-              <a:spcAft>
-                <a:spcPct val="0"/>
-              </a:spcAft>
-              <a:buClrTx/>
-              <a:buSzTx/>
-              <a:buFontTx/>
-              <a:buNone/>
-              <a:defRPr kumimoji="0" sz="1800" b="0" i="0" u="none" strike="noStrike" kern="1200" cap="none" spc="0" normalizeH="0" baseline="0" noProof="0">
-                <a:solidFill>
-                  <a:schemeClr val="tx1"/>
-                </a:solidFill>
-                <a:uLnTx/>
-                <a:uFillTx/>
-                <a:latin typeface="Arial" pitchFamily="34" charset="0"/>
-                <a:ea typeface="DejaVu Sans"/>
-                <a:cs typeface="DejaVu Sans"/>
-                <a:sym typeface="Wingdings" charset="2"/>
-              </a:defRPr>
-            </a:lvl9pPr>
-          </a:lstStyle>
-          <a:p>
-            <a:pPr>
-              <a:lnSpc>
-                <a:spcPct val="100000"/>
-              </a:lnSpc>
-            </a:pPr>
-            <a:r>
-              <a:rPr lang="pt-BR" sz="1800" b="0" strike="noStrike" spc="-1" dirty="0">
-                <a:solidFill>
-                  <a:srgbClr val="000000"/>
-                </a:solidFill>
-                <a:latin typeface="Arial" pitchFamily="34" charset="0"/>
-                <a:ea typeface="DejaVu Sans"/>
-              </a:rPr>
-              <a:t>Visão Computacional - Prof. André Hochuli</a:t>
-            </a:r>
-            <a:endParaRPr lang="pt-BR" sz="1800" b="0" strike="noStrike" spc="-1" dirty="0">
-              <a:latin typeface="Arial" pitchFamily="34" charset="0"/>
-            </a:endParaRPr>
-          </a:p>
-        </p:txBody>
-      </p:sp>
-      <p:sp>
-        <p:nvSpPr>
-          <p:cNvPr id="3" name="CustomShape 3">
-            <a:extLst>
-              <a:ext uri="{FF2B5EF4-FFF2-40B4-BE49-F238E27FC236}">
-                <a16:creationId xmlns:a16="http://schemas.microsoft.com/office/drawing/2014/main" id="{2776591C-0AEA-B089-184E-E3E41AEB4AC1}"/>
-              </a:ext>
-            </a:extLst>
-          </p:cNvPr>
-          <p:cNvSpPr/>
-          <p:nvPr/>
-        </p:nvSpPr>
-        <p:spPr>
-          <a:xfrm>
-            <a:off x="7608600" y="6886080"/>
-            <a:ext cx="2281680" cy="361440"/>
-          </a:xfrm>
-          <a:prstGeom prst="rect">
-            <a:avLst/>
-          </a:prstGeom>
-          <a:noFill/>
-          <a:ln>
-            <a:noFill/>
-          </a:ln>
-        </p:spPr>
-        <p:style>
-          <a:lnRef idx="0">
-            <a:scrgbClr r="0" g="0" b="0"/>
-          </a:lnRef>
-          <a:fillRef idx="0">
-            <a:scrgbClr r="0" g="0" b="0"/>
-          </a:fillRef>
-          <a:effectRef idx="0">
-            <a:scrgbClr r="0" g="0" b="0"/>
-          </a:effectRef>
-          <a:fontRef idx="minor"/>
-        </p:style>
-        <p:txBody>
-          <a:bodyPr lIns="90000" tIns="45000" rIns="90000" bIns="45000"/>
-          <a:lstStyle/>
-          <a:p>
-            <a:pPr>
-              <a:lnSpc>
-                <a:spcPct val="100000"/>
-              </a:lnSpc>
-            </a:pPr>
-            <a:r>
-              <a:rPr lang="pt-BR" sz="1800" b="0" strike="noStrike" spc="-1" dirty="0">
-                <a:solidFill>
-                  <a:srgbClr val="000000"/>
-                </a:solidFill>
-                <a:latin typeface="Arial"/>
-                <a:ea typeface="DejaVu Sans"/>
-              </a:rPr>
-              <a:t>Aula 04</a:t>
-            </a:r>
-            <a:endParaRPr lang="pt-BR" sz="1800" b="0" strike="noStrike" spc="-1" dirty="0">
-              <a:latin typeface="Arial"/>
-            </a:endParaRPr>
-          </a:p>
-        </p:txBody>
-      </p:sp>
-    </p:spTree>
-  </p:cSld>
-  <p:clrMapOvr>
-    <a:masterClrMapping/>
-  </p:clrMapOvr>
-  <p:transition/>
-</p:sld>
-</file>
-
-<file path=ppt/slides/slide20.xml><?xml version="1.0" encoding="utf-8"?>
+<file path=ppt/slides/slide21.xml><?xml version="1.0" encoding="utf-8"?>
 <p:sld xmlns:a="http://schemas.openxmlformats.org/drawingml/2006/main" xmlns:r="http://schemas.openxmlformats.org/officeDocument/2006/relationships" xmlns:p="http://schemas.openxmlformats.org/presentationml/2006/main">
   <p:cSld>
     <p:spTree>
@@ -24868,7 +25887,7 @@
 </p:sld>
 </file>
 
-<file path=ppt/slides/slide21.xml><?xml version="1.0" encoding="utf-8"?>
+<file path=ppt/slides/slide22.xml><?xml version="1.0" encoding="utf-8"?>
 <p:sld xmlns:a="http://schemas.openxmlformats.org/drawingml/2006/main" xmlns:r="http://schemas.openxmlformats.org/officeDocument/2006/relationships" xmlns:p="http://schemas.openxmlformats.org/presentationml/2006/main">
   <p:cSld>
     <p:spTree>
@@ -25766,7 +26785,7 @@
 </p:sld>
 </file>
 
-<file path=ppt/slides/slide22.xml><?xml version="1.0" encoding="utf-8"?>
+<file path=ppt/slides/slide23.xml><?xml version="1.0" encoding="utf-8"?>
 <p:sld xmlns:a="http://schemas.openxmlformats.org/drawingml/2006/main" xmlns:r="http://schemas.openxmlformats.org/officeDocument/2006/relationships" xmlns:p="http://schemas.openxmlformats.org/presentationml/2006/main">
   <p:cSld>
     <p:spTree>
@@ -26655,7 +27674,7 @@
 </p:sld>
 </file>
 
-<file path=ppt/slides/slide23.xml><?xml version="1.0" encoding="utf-8"?>
+<file path=ppt/slides/slide24.xml><?xml version="1.0" encoding="utf-8"?>
 <p:sld xmlns:a="http://schemas.openxmlformats.org/drawingml/2006/main" xmlns:r="http://schemas.openxmlformats.org/officeDocument/2006/relationships" xmlns:p="http://schemas.openxmlformats.org/presentationml/2006/main">
   <p:cSld>
     <p:spTree>
@@ -27683,7 +28702,7 @@
 </p:sld>
 </file>
 
-<file path=ppt/slides/slide24.xml><?xml version="1.0" encoding="utf-8"?>
+<file path=ppt/slides/slide25.xml><?xml version="1.0" encoding="utf-8"?>
 <p:sld xmlns:a="http://schemas.openxmlformats.org/drawingml/2006/main" xmlns:r="http://schemas.openxmlformats.org/officeDocument/2006/relationships" xmlns:p="http://schemas.openxmlformats.org/presentationml/2006/main">
   <p:cSld>
     <p:spTree>
@@ -29171,7 +30190,7 @@
 </p:sld>
 </file>
 
-<file path=ppt/slides/slide25.xml><?xml version="1.0" encoding="utf-8"?>
+<file path=ppt/slides/slide26.xml><?xml version="1.0" encoding="utf-8"?>
 <p:sld xmlns:a="http://schemas.openxmlformats.org/drawingml/2006/main" xmlns:r="http://schemas.openxmlformats.org/officeDocument/2006/relationships" xmlns:p="http://schemas.openxmlformats.org/presentationml/2006/main">
   <p:cSld>
     <p:spTree>
@@ -29328,11 +30347,18 @@
               <a:buChar char="•"/>
             </a:pPr>
             <a:r>
+              <a:rPr lang="pt-BR" b="1" dirty="0">
+                <a:latin typeface="Calibri" panose="020F0502020204030204" pitchFamily="34" charset="0"/>
+                <a:cs typeface="Calibri" panose="020F0502020204030204" pitchFamily="34" charset="0"/>
+              </a:rPr>
+              <a:t>Instâncias positivas classificadas corretamente </a:t>
+            </a:r>
+            <a:r>
               <a:rPr lang="pt-BR" dirty="0">
                 <a:latin typeface="Calibri" panose="020F0502020204030204" pitchFamily="34" charset="0"/>
                 <a:cs typeface="Calibri" panose="020F0502020204030204" pitchFamily="34" charset="0"/>
               </a:rPr>
-              <a:t>Instâncias positivas classificadas corretamente sobre</a:t>
+              <a:t>sobre</a:t>
             </a:r>
           </a:p>
           <a:p>
@@ -29727,11 +30753,18 @@
               <a:buChar char="•"/>
             </a:pPr>
             <a:r>
+              <a:rPr lang="pt-BR" b="1" dirty="0">
+                <a:latin typeface="Calibri" panose="020F0502020204030204" pitchFamily="34" charset="0"/>
+                <a:cs typeface="Calibri" panose="020F0502020204030204" pitchFamily="34" charset="0"/>
+              </a:rPr>
+              <a:t>Instâncias positivas classificadas corretamente </a:t>
+            </a:r>
+            <a:r>
               <a:rPr lang="pt-BR" dirty="0">
                 <a:latin typeface="Calibri" panose="020F0502020204030204" pitchFamily="34" charset="0"/>
                 <a:cs typeface="Calibri" panose="020F0502020204030204" pitchFamily="34" charset="0"/>
               </a:rPr>
-              <a:t>Instâncias positivas classificadas corretamente sobre o </a:t>
+              <a:t>sobre o </a:t>
             </a:r>
             <a:r>
               <a:rPr lang="pt-BR" b="1" dirty="0">
@@ -30660,7 +31693,7 @@
 </p:sld>
 </file>
 
-<file path=ppt/slides/slide26.xml><?xml version="1.0" encoding="utf-8"?>
+<file path=ppt/slides/slide27.xml><?xml version="1.0" encoding="utf-8"?>
 <p:sld xmlns:a="http://schemas.openxmlformats.org/drawingml/2006/main" xmlns:r="http://schemas.openxmlformats.org/officeDocument/2006/relationships" xmlns:p="http://schemas.openxmlformats.org/presentationml/2006/main">
   <p:cSld>
     <p:spTree>
@@ -32234,7 +33267,7 @@
 </p:sld>
 </file>
 
-<file path=ppt/slides/slide27.xml><?xml version="1.0" encoding="utf-8"?>
+<file path=ppt/slides/slide28.xml><?xml version="1.0" encoding="utf-8"?>
 <p:sld xmlns:a="http://schemas.openxmlformats.org/drawingml/2006/main" xmlns:r="http://schemas.openxmlformats.org/officeDocument/2006/relationships" xmlns:p="http://schemas.openxmlformats.org/presentationml/2006/main">
   <p:cSld>
     <p:spTree>
@@ -35667,21 +36700,7 @@
                 <a:latin typeface="Calibri" panose="020F0502020204030204" pitchFamily="34" charset="0"/>
                 <a:cs typeface="Calibri" panose="020F0502020204030204" pitchFamily="34" charset="0"/>
               </a:rPr>
-              <a:t>Quão </a:t>
-            </a:r>
-            <a:r>
-              <a:rPr lang="pt-BR" dirty="0" err="1">
-                <a:latin typeface="Calibri" panose="020F0502020204030204" pitchFamily="34" charset="0"/>
-                <a:cs typeface="Calibri" panose="020F0502020204030204" pitchFamily="34" charset="0"/>
-              </a:rPr>
-              <a:t>discriminate</a:t>
-            </a:r>
-            <a:r>
-              <a:rPr lang="pt-BR" dirty="0">
-                <a:latin typeface="Calibri" panose="020F0502020204030204" pitchFamily="34" charset="0"/>
-                <a:cs typeface="Calibri" panose="020F0502020204030204" pitchFamily="34" charset="0"/>
-              </a:rPr>
-              <a:t> são as características?</a:t>
+              <a:t>Quão discriminante são as características?</a:t>
             </a:r>
           </a:p>
         </p:txBody>
@@ -38933,6 +39952,910 @@
               </a:rPr>
               <a:t> vs Multi-Class</a:t>
             </a:r>
+          </a:p>
+        </p:txBody>
+      </p:sp>
+      <p:pic>
+        <p:nvPicPr>
+          <p:cNvPr id="14" name="Imagem 13">
+            <a:extLst>
+              <a:ext uri="{FF2B5EF4-FFF2-40B4-BE49-F238E27FC236}">
+                <a16:creationId xmlns:a16="http://schemas.microsoft.com/office/drawing/2014/main" id="{B745FE57-CEAE-EB58-CC08-4A77534B42F4}"/>
+              </a:ext>
+            </a:extLst>
+          </p:cNvPr>
+          <p:cNvPicPr>
+            <a:picLocks noChangeAspect="1"/>
+          </p:cNvPicPr>
+          <p:nvPr/>
+        </p:nvPicPr>
+        <p:blipFill>
+          <a:blip r:embed="rId3"/>
+          <a:stretch>
+            <a:fillRect/>
+          </a:stretch>
+        </p:blipFill>
+        <p:spPr>
+          <a:xfrm>
+            <a:off x="1133476" y="2933700"/>
+            <a:ext cx="3216276" cy="2555694"/>
+          </a:xfrm>
+          <a:prstGeom prst="rect">
+            <a:avLst/>
+          </a:prstGeom>
+        </p:spPr>
+      </p:pic>
+      <p:sp>
+        <p:nvSpPr>
+          <p:cNvPr id="6" name="CustomShape 3">
+            <a:extLst>
+              <a:ext uri="{FF2B5EF4-FFF2-40B4-BE49-F238E27FC236}">
+                <a16:creationId xmlns:a16="http://schemas.microsoft.com/office/drawing/2014/main" id="{5BD8A702-CB0B-64BA-4AF7-D9BC9AF8DA5C}"/>
+              </a:ext>
+            </a:extLst>
+          </p:cNvPr>
+          <p:cNvSpPr/>
+          <p:nvPr/>
+        </p:nvSpPr>
+        <p:spPr>
+          <a:xfrm>
+            <a:off x="7608600" y="6886080"/>
+            <a:ext cx="2281680" cy="361440"/>
+          </a:xfrm>
+          <a:prstGeom prst="rect">
+            <a:avLst/>
+          </a:prstGeom>
+          <a:noFill/>
+          <a:ln>
+            <a:noFill/>
+          </a:ln>
+        </p:spPr>
+        <p:style>
+          <a:lnRef idx="0">
+            <a:scrgbClr r="0" g="0" b="0"/>
+          </a:lnRef>
+          <a:fillRef idx="0">
+            <a:scrgbClr r="0" g="0" b="0"/>
+          </a:fillRef>
+          <a:effectRef idx="0">
+            <a:scrgbClr r="0" g="0" b="0"/>
+          </a:effectRef>
+          <a:fontRef idx="minor"/>
+        </p:style>
+        <p:txBody>
+          <a:bodyPr lIns="90000" tIns="45000" rIns="90000" bIns="45000"/>
+          <a:lstStyle/>
+          <a:p>
+            <a:pPr>
+              <a:lnSpc>
+                <a:spcPct val="100000"/>
+              </a:lnSpc>
+            </a:pPr>
+            <a:r>
+              <a:rPr lang="pt-BR" sz="1800" b="0" strike="noStrike" spc="-1" dirty="0">
+                <a:solidFill>
+                  <a:srgbClr val="000000"/>
+                </a:solidFill>
+                <a:latin typeface="Arial"/>
+                <a:ea typeface="DejaVu Sans"/>
+              </a:rPr>
+              <a:t>Aula 04</a:t>
+            </a:r>
+            <a:endParaRPr lang="pt-BR" sz="1800" b="0" strike="noStrike" spc="-1" dirty="0">
+              <a:latin typeface="Arial"/>
+            </a:endParaRPr>
+          </a:p>
+        </p:txBody>
+      </p:sp>
+      <p:sp>
+        <p:nvSpPr>
+          <p:cNvPr id="7" name="CustomShape 2">
+            <a:extLst>
+              <a:ext uri="{FF2B5EF4-FFF2-40B4-BE49-F238E27FC236}">
+                <a16:creationId xmlns:a16="http://schemas.microsoft.com/office/drawing/2014/main" id="{59BCB8A4-CBD5-82B1-CF70-82EC02E7D37F}"/>
+              </a:ext>
+            </a:extLst>
+          </p:cNvPr>
+          <p:cNvSpPr/>
+          <p:nvPr/>
+        </p:nvSpPr>
+        <p:spPr>
+          <a:xfrm>
+            <a:off x="897120" y="6886080"/>
+            <a:ext cx="6443640" cy="361440"/>
+          </a:xfrm>
+          <a:prstGeom prst="rect">
+            <a:avLst/>
+          </a:prstGeom>
+          <a:noFill/>
+          <a:ln>
+            <a:noFill/>
+          </a:ln>
+        </p:spPr>
+        <p:style>
+          <a:lnRef idx="0">
+            <a:scrgbClr r="0" g="0" b="0"/>
+          </a:lnRef>
+          <a:fillRef idx="0">
+            <a:scrgbClr r="0" g="0" b="0"/>
+          </a:fillRef>
+          <a:effectRef idx="0">
+            <a:scrgbClr r="0" g="0" b="0"/>
+          </a:effectRef>
+          <a:fontRef idx="minor"/>
+        </p:style>
+        <p:txBody>
+          <a:bodyPr lIns="90000" tIns="45000" rIns="90000" bIns="45000"/>
+          <a:lstStyle>
+            <a:defPPr>
+              <a:defRPr lang="pt-BR"/>
+            </a:defPPr>
+            <a:lvl1pPr marL="0" marR="0" indent="0" algn="l" defTabSz="914400" rtl="0" eaLnBrk="1" fontAlgn="auto" latinLnBrk="0" hangingPunct="1">
+              <a:lnSpc>
+                <a:spcPct val="100000"/>
+              </a:lnSpc>
+              <a:spcBef>
+                <a:spcPct val="0"/>
+              </a:spcBef>
+              <a:spcAft>
+                <a:spcPct val="0"/>
+              </a:spcAft>
+              <a:buClrTx/>
+              <a:buSzTx/>
+              <a:buFontTx/>
+              <a:buNone/>
+              <a:defRPr kumimoji="0" sz="1800" b="0" i="0" u="none" strike="noStrike" kern="1200" cap="none" spc="0" normalizeH="0" baseline="0" noProof="0">
+                <a:solidFill>
+                  <a:schemeClr val="tx1"/>
+                </a:solidFill>
+                <a:uLnTx/>
+                <a:uFillTx/>
+                <a:latin typeface="Arial" pitchFamily="34" charset="0"/>
+                <a:ea typeface="DejaVu Sans"/>
+                <a:cs typeface="DejaVu Sans"/>
+                <a:sym typeface="Wingdings" charset="2"/>
+              </a:defRPr>
+            </a:lvl1pPr>
+            <a:lvl2pPr marL="457200" marR="0" indent="0" algn="l" defTabSz="914400" rtl="0" eaLnBrk="1" fontAlgn="auto" latinLnBrk="0" hangingPunct="1">
+              <a:lnSpc>
+                <a:spcPct val="100000"/>
+              </a:lnSpc>
+              <a:spcBef>
+                <a:spcPct val="0"/>
+              </a:spcBef>
+              <a:spcAft>
+                <a:spcPct val="0"/>
+              </a:spcAft>
+              <a:buClrTx/>
+              <a:buSzTx/>
+              <a:buFontTx/>
+              <a:buNone/>
+              <a:defRPr kumimoji="0" sz="1800" b="0" i="0" u="none" strike="noStrike" kern="1200" cap="none" spc="0" normalizeH="0" baseline="0" noProof="0">
+                <a:solidFill>
+                  <a:schemeClr val="tx1"/>
+                </a:solidFill>
+                <a:uLnTx/>
+                <a:uFillTx/>
+                <a:latin typeface="Arial" pitchFamily="34" charset="0"/>
+                <a:ea typeface="DejaVu Sans"/>
+                <a:cs typeface="DejaVu Sans"/>
+                <a:sym typeface="Wingdings" charset="2"/>
+              </a:defRPr>
+            </a:lvl2pPr>
+            <a:lvl3pPr marL="914400" marR="0" indent="0" algn="l" defTabSz="914400" rtl="0" eaLnBrk="1" fontAlgn="auto" latinLnBrk="0" hangingPunct="1">
+              <a:lnSpc>
+                <a:spcPct val="100000"/>
+              </a:lnSpc>
+              <a:spcBef>
+                <a:spcPct val="0"/>
+              </a:spcBef>
+              <a:spcAft>
+                <a:spcPct val="0"/>
+              </a:spcAft>
+              <a:buClrTx/>
+              <a:buSzTx/>
+              <a:buFontTx/>
+              <a:buNone/>
+              <a:defRPr kumimoji="0" sz="1800" b="0" i="0" u="none" strike="noStrike" kern="1200" cap="none" spc="0" normalizeH="0" baseline="0" noProof="0">
+                <a:solidFill>
+                  <a:schemeClr val="tx1"/>
+                </a:solidFill>
+                <a:uLnTx/>
+                <a:uFillTx/>
+                <a:latin typeface="Arial" pitchFamily="34" charset="0"/>
+                <a:ea typeface="DejaVu Sans"/>
+                <a:cs typeface="DejaVu Sans"/>
+                <a:sym typeface="Wingdings" charset="2"/>
+              </a:defRPr>
+            </a:lvl3pPr>
+            <a:lvl4pPr marL="1371600" marR="0" indent="0" algn="l" defTabSz="914400" rtl="0" eaLnBrk="1" fontAlgn="auto" latinLnBrk="0" hangingPunct="1">
+              <a:lnSpc>
+                <a:spcPct val="100000"/>
+              </a:lnSpc>
+              <a:spcBef>
+                <a:spcPct val="0"/>
+              </a:spcBef>
+              <a:spcAft>
+                <a:spcPct val="0"/>
+              </a:spcAft>
+              <a:buClrTx/>
+              <a:buSzTx/>
+              <a:buFontTx/>
+              <a:buNone/>
+              <a:defRPr kumimoji="0" sz="1800" b="0" i="0" u="none" strike="noStrike" kern="1200" cap="none" spc="0" normalizeH="0" baseline="0" noProof="0">
+                <a:solidFill>
+                  <a:schemeClr val="tx1"/>
+                </a:solidFill>
+                <a:uLnTx/>
+                <a:uFillTx/>
+                <a:latin typeface="Arial" pitchFamily="34" charset="0"/>
+                <a:ea typeface="DejaVu Sans"/>
+                <a:cs typeface="DejaVu Sans"/>
+                <a:sym typeface="Wingdings" charset="2"/>
+              </a:defRPr>
+            </a:lvl4pPr>
+            <a:lvl5pPr marL="1828800" marR="0" indent="0" algn="l" defTabSz="914400" rtl="0" eaLnBrk="1" fontAlgn="auto" latinLnBrk="0" hangingPunct="1">
+              <a:lnSpc>
+                <a:spcPct val="100000"/>
+              </a:lnSpc>
+              <a:spcBef>
+                <a:spcPct val="0"/>
+              </a:spcBef>
+              <a:spcAft>
+                <a:spcPct val="0"/>
+              </a:spcAft>
+              <a:buClrTx/>
+              <a:buSzTx/>
+              <a:buFontTx/>
+              <a:buNone/>
+              <a:defRPr kumimoji="0" sz="1800" b="0" i="0" u="none" strike="noStrike" kern="1200" cap="none" spc="0" normalizeH="0" baseline="0" noProof="0">
+                <a:solidFill>
+                  <a:schemeClr val="tx1"/>
+                </a:solidFill>
+                <a:uLnTx/>
+                <a:uFillTx/>
+                <a:latin typeface="Arial" pitchFamily="34" charset="0"/>
+                <a:ea typeface="DejaVu Sans"/>
+                <a:cs typeface="DejaVu Sans"/>
+                <a:sym typeface="Wingdings" charset="2"/>
+              </a:defRPr>
+            </a:lvl5pPr>
+            <a:lvl6pPr marL="2286000" marR="0" indent="0" algn="l" defTabSz="914400" rtl="0" eaLnBrk="1" fontAlgn="auto" latinLnBrk="0" hangingPunct="1">
+              <a:lnSpc>
+                <a:spcPct val="100000"/>
+              </a:lnSpc>
+              <a:spcBef>
+                <a:spcPct val="0"/>
+              </a:spcBef>
+              <a:spcAft>
+                <a:spcPct val="0"/>
+              </a:spcAft>
+              <a:buClrTx/>
+              <a:buSzTx/>
+              <a:buFontTx/>
+              <a:buNone/>
+              <a:defRPr kumimoji="0" sz="1800" b="0" i="0" u="none" strike="noStrike" kern="1200" cap="none" spc="0" normalizeH="0" baseline="0" noProof="0">
+                <a:solidFill>
+                  <a:schemeClr val="tx1"/>
+                </a:solidFill>
+                <a:uLnTx/>
+                <a:uFillTx/>
+                <a:latin typeface="Arial" pitchFamily="34" charset="0"/>
+                <a:ea typeface="DejaVu Sans"/>
+                <a:cs typeface="DejaVu Sans"/>
+                <a:sym typeface="Wingdings" charset="2"/>
+              </a:defRPr>
+            </a:lvl6pPr>
+            <a:lvl7pPr marL="2743200" marR="0" indent="0" algn="l" defTabSz="914400" rtl="0" eaLnBrk="1" fontAlgn="auto" latinLnBrk="0" hangingPunct="1">
+              <a:lnSpc>
+                <a:spcPct val="100000"/>
+              </a:lnSpc>
+              <a:spcBef>
+                <a:spcPct val="0"/>
+              </a:spcBef>
+              <a:spcAft>
+                <a:spcPct val="0"/>
+              </a:spcAft>
+              <a:buClrTx/>
+              <a:buSzTx/>
+              <a:buFontTx/>
+              <a:buNone/>
+              <a:defRPr kumimoji="0" sz="1800" b="0" i="0" u="none" strike="noStrike" kern="1200" cap="none" spc="0" normalizeH="0" baseline="0" noProof="0">
+                <a:solidFill>
+                  <a:schemeClr val="tx1"/>
+                </a:solidFill>
+                <a:uLnTx/>
+                <a:uFillTx/>
+                <a:latin typeface="Arial" pitchFamily="34" charset="0"/>
+                <a:ea typeface="DejaVu Sans"/>
+                <a:cs typeface="DejaVu Sans"/>
+                <a:sym typeface="Wingdings" charset="2"/>
+              </a:defRPr>
+            </a:lvl7pPr>
+            <a:lvl8pPr marL="3200400" marR="0" indent="0" algn="l" defTabSz="914400" rtl="0" eaLnBrk="1" fontAlgn="auto" latinLnBrk="0" hangingPunct="1">
+              <a:lnSpc>
+                <a:spcPct val="100000"/>
+              </a:lnSpc>
+              <a:spcBef>
+                <a:spcPct val="0"/>
+              </a:spcBef>
+              <a:spcAft>
+                <a:spcPct val="0"/>
+              </a:spcAft>
+              <a:buClrTx/>
+              <a:buSzTx/>
+              <a:buFontTx/>
+              <a:buNone/>
+              <a:defRPr kumimoji="0" sz="1800" b="0" i="0" u="none" strike="noStrike" kern="1200" cap="none" spc="0" normalizeH="0" baseline="0" noProof="0">
+                <a:solidFill>
+                  <a:schemeClr val="tx1"/>
+                </a:solidFill>
+                <a:uLnTx/>
+                <a:uFillTx/>
+                <a:latin typeface="Arial" pitchFamily="34" charset="0"/>
+                <a:ea typeface="DejaVu Sans"/>
+                <a:cs typeface="DejaVu Sans"/>
+                <a:sym typeface="Wingdings" charset="2"/>
+              </a:defRPr>
+            </a:lvl8pPr>
+            <a:lvl9pPr marL="3657600" marR="0" indent="0" algn="l" defTabSz="914400" rtl="0" eaLnBrk="1" fontAlgn="auto" latinLnBrk="0" hangingPunct="1">
+              <a:lnSpc>
+                <a:spcPct val="100000"/>
+              </a:lnSpc>
+              <a:spcBef>
+                <a:spcPct val="0"/>
+              </a:spcBef>
+              <a:spcAft>
+                <a:spcPct val="0"/>
+              </a:spcAft>
+              <a:buClrTx/>
+              <a:buSzTx/>
+              <a:buFontTx/>
+              <a:buNone/>
+              <a:defRPr kumimoji="0" sz="1800" b="0" i="0" u="none" strike="noStrike" kern="1200" cap="none" spc="0" normalizeH="0" baseline="0" noProof="0">
+                <a:solidFill>
+                  <a:schemeClr val="tx1"/>
+                </a:solidFill>
+                <a:uLnTx/>
+                <a:uFillTx/>
+                <a:latin typeface="Arial" pitchFamily="34" charset="0"/>
+                <a:ea typeface="DejaVu Sans"/>
+                <a:cs typeface="DejaVu Sans"/>
+                <a:sym typeface="Wingdings" charset="2"/>
+              </a:defRPr>
+            </a:lvl9pPr>
+          </a:lstStyle>
+          <a:p>
+            <a:pPr>
+              <a:lnSpc>
+                <a:spcPct val="100000"/>
+              </a:lnSpc>
+            </a:pPr>
+            <a:r>
+              <a:rPr lang="pt-BR" sz="1800" b="0" strike="noStrike" spc="-1" dirty="0">
+                <a:solidFill>
+                  <a:srgbClr val="000000"/>
+                </a:solidFill>
+                <a:latin typeface="Arial" pitchFamily="34" charset="0"/>
+                <a:ea typeface="DejaVu Sans"/>
+              </a:rPr>
+              <a:t>Visão Computacional - Prof. André Hochuli</a:t>
+            </a:r>
+            <a:endParaRPr lang="pt-BR" sz="1800" b="0" strike="noStrike" spc="-1" dirty="0">
+              <a:latin typeface="Arial" pitchFamily="34" charset="0"/>
+            </a:endParaRPr>
+          </a:p>
+        </p:txBody>
+      </p:sp>
+      <p:pic>
+        <p:nvPicPr>
+          <p:cNvPr id="3" name="Imagem 2">
+            <a:extLst>
+              <a:ext uri="{FF2B5EF4-FFF2-40B4-BE49-F238E27FC236}">
+                <a16:creationId xmlns:a16="http://schemas.microsoft.com/office/drawing/2014/main" id="{903ABCBB-6C33-DA56-6029-9E1B9136B86E}"/>
+              </a:ext>
+            </a:extLst>
+          </p:cNvPr>
+          <p:cNvPicPr>
+            <a:picLocks noChangeAspect="1"/>
+          </p:cNvPicPr>
+          <p:nvPr/>
+        </p:nvPicPr>
+        <p:blipFill>
+          <a:blip r:embed="rId4"/>
+          <a:stretch>
+            <a:fillRect/>
+          </a:stretch>
+        </p:blipFill>
+        <p:spPr>
+          <a:xfrm>
+            <a:off x="5696642" y="2847617"/>
+            <a:ext cx="3216276" cy="2615434"/>
+          </a:xfrm>
+          <a:prstGeom prst="rect">
+            <a:avLst/>
+          </a:prstGeom>
+        </p:spPr>
+      </p:pic>
+    </p:spTree>
+    <p:extLst>
+      <p:ext uri="{BB962C8B-B14F-4D97-AF65-F5344CB8AC3E}">
+        <p14:creationId xmlns:p14="http://schemas.microsoft.com/office/powerpoint/2010/main" val="3075963027"/>
+      </p:ext>
+    </p:extLst>
+  </p:cSld>
+  <p:clrMapOvr>
+    <a:masterClrMapping/>
+  </p:clrMapOvr>
+  <p:transition/>
+</p:sld>
+</file>
+
+<file path=ppt/slides/slide9.xml><?xml version="1.0" encoding="utf-8"?>
+<p:sld xmlns:a="http://schemas.openxmlformats.org/drawingml/2006/main" xmlns:r="http://schemas.openxmlformats.org/officeDocument/2006/relationships" xmlns:p="http://schemas.openxmlformats.org/presentationml/2006/main">
+  <p:cSld>
+    <p:spTree>
+      <p:nvGrpSpPr>
+        <p:cNvPr id="1" name=""/>
+        <p:cNvGrpSpPr/>
+        <p:nvPr/>
+      </p:nvGrpSpPr>
+      <p:grpSpPr>
+        <a:xfrm>
+          <a:off x="0" y="0"/>
+          <a:ext cx="0" cy="0"/>
+          <a:chOff x="0" y="0"/>
+          <a:chExt cx="0" cy="0"/>
+        </a:xfrm>
+      </p:grpSpPr>
+      <p:sp>
+        <p:nvSpPr>
+          <p:cNvPr id="99" name="CustomShape 1"/>
+          <p:cNvSpPr/>
+          <p:nvPr/>
+        </p:nvSpPr>
+        <p:spPr>
+          <a:xfrm>
+            <a:off x="360000" y="360000"/>
+            <a:ext cx="9356400" cy="896400"/>
+          </a:xfrm>
+          <a:prstGeom prst="rect">
+            <a:avLst/>
+          </a:prstGeom>
+          <a:noFill/>
+          <a:ln>
+            <a:noFill/>
+          </a:ln>
+        </p:spPr>
+        <p:style>
+          <a:lnRef idx="0">
+            <a:scrgbClr r="0" g="0" b="0"/>
+          </a:lnRef>
+          <a:fillRef idx="0">
+            <a:scrgbClr r="0" g="0" b="0"/>
+          </a:fillRef>
+          <a:effectRef idx="0">
+            <a:scrgbClr r="0" g="0" b="0"/>
+          </a:effectRef>
+          <a:fontRef idx="minor"/>
+        </p:style>
+        <p:txBody>
+          <a:bodyPr lIns="0" tIns="0" rIns="0" bIns="0" anchor="b"/>
+          <a:lstStyle>
+            <a:defPPr>
+              <a:defRPr lang="pt-BR"/>
+            </a:defPPr>
+            <a:lvl1pPr marL="0" marR="0" indent="0" algn="l" defTabSz="914400" rtl="0" eaLnBrk="1" fontAlgn="auto" latinLnBrk="0" hangingPunct="1">
+              <a:lnSpc>
+                <a:spcPct val="100000"/>
+              </a:lnSpc>
+              <a:spcBef>
+                <a:spcPct val="0"/>
+              </a:spcBef>
+              <a:spcAft>
+                <a:spcPct val="0"/>
+              </a:spcAft>
+              <a:buClrTx/>
+              <a:buSzTx/>
+              <a:buFontTx/>
+              <a:buNone/>
+              <a:defRPr kumimoji="0" sz="1800" b="0" i="0" u="none" strike="noStrike" kern="1200" cap="none" spc="0" normalizeH="0" baseline="0" noProof="0">
+                <a:solidFill>
+                  <a:schemeClr val="tx1"/>
+                </a:solidFill>
+                <a:uLnTx/>
+                <a:uFillTx/>
+                <a:latin typeface="Arial" pitchFamily="34" charset="0"/>
+                <a:ea typeface="DejaVu Sans"/>
+                <a:cs typeface="DejaVu Sans"/>
+                <a:sym typeface="Wingdings" charset="2"/>
+              </a:defRPr>
+            </a:lvl1pPr>
+            <a:lvl2pPr marL="457200" marR="0" indent="0" algn="l" defTabSz="914400" rtl="0" eaLnBrk="1" fontAlgn="auto" latinLnBrk="0" hangingPunct="1">
+              <a:lnSpc>
+                <a:spcPct val="100000"/>
+              </a:lnSpc>
+              <a:spcBef>
+                <a:spcPct val="0"/>
+              </a:spcBef>
+              <a:spcAft>
+                <a:spcPct val="0"/>
+              </a:spcAft>
+              <a:buClrTx/>
+              <a:buSzTx/>
+              <a:buFontTx/>
+              <a:buNone/>
+              <a:defRPr kumimoji="0" sz="1800" b="0" i="0" u="none" strike="noStrike" kern="1200" cap="none" spc="0" normalizeH="0" baseline="0" noProof="0">
+                <a:solidFill>
+                  <a:schemeClr val="tx1"/>
+                </a:solidFill>
+                <a:uLnTx/>
+                <a:uFillTx/>
+                <a:latin typeface="Arial" pitchFamily="34" charset="0"/>
+                <a:ea typeface="DejaVu Sans"/>
+                <a:cs typeface="DejaVu Sans"/>
+                <a:sym typeface="Wingdings" charset="2"/>
+              </a:defRPr>
+            </a:lvl2pPr>
+            <a:lvl3pPr marL="914400" marR="0" indent="0" algn="l" defTabSz="914400" rtl="0" eaLnBrk="1" fontAlgn="auto" latinLnBrk="0" hangingPunct="1">
+              <a:lnSpc>
+                <a:spcPct val="100000"/>
+              </a:lnSpc>
+              <a:spcBef>
+                <a:spcPct val="0"/>
+              </a:spcBef>
+              <a:spcAft>
+                <a:spcPct val="0"/>
+              </a:spcAft>
+              <a:buClrTx/>
+              <a:buSzTx/>
+              <a:buFontTx/>
+              <a:buNone/>
+              <a:defRPr kumimoji="0" sz="1800" b="0" i="0" u="none" strike="noStrike" kern="1200" cap="none" spc="0" normalizeH="0" baseline="0" noProof="0">
+                <a:solidFill>
+                  <a:schemeClr val="tx1"/>
+                </a:solidFill>
+                <a:uLnTx/>
+                <a:uFillTx/>
+                <a:latin typeface="Arial" pitchFamily="34" charset="0"/>
+                <a:ea typeface="DejaVu Sans"/>
+                <a:cs typeface="DejaVu Sans"/>
+                <a:sym typeface="Wingdings" charset="2"/>
+              </a:defRPr>
+            </a:lvl3pPr>
+            <a:lvl4pPr marL="1371600" marR="0" indent="0" algn="l" defTabSz="914400" rtl="0" eaLnBrk="1" fontAlgn="auto" latinLnBrk="0" hangingPunct="1">
+              <a:lnSpc>
+                <a:spcPct val="100000"/>
+              </a:lnSpc>
+              <a:spcBef>
+                <a:spcPct val="0"/>
+              </a:spcBef>
+              <a:spcAft>
+                <a:spcPct val="0"/>
+              </a:spcAft>
+              <a:buClrTx/>
+              <a:buSzTx/>
+              <a:buFontTx/>
+              <a:buNone/>
+              <a:defRPr kumimoji="0" sz="1800" b="0" i="0" u="none" strike="noStrike" kern="1200" cap="none" spc="0" normalizeH="0" baseline="0" noProof="0">
+                <a:solidFill>
+                  <a:schemeClr val="tx1"/>
+                </a:solidFill>
+                <a:uLnTx/>
+                <a:uFillTx/>
+                <a:latin typeface="Arial" pitchFamily="34" charset="0"/>
+                <a:ea typeface="DejaVu Sans"/>
+                <a:cs typeface="DejaVu Sans"/>
+                <a:sym typeface="Wingdings" charset="2"/>
+              </a:defRPr>
+            </a:lvl4pPr>
+            <a:lvl5pPr marL="1828800" marR="0" indent="0" algn="l" defTabSz="914400" rtl="0" eaLnBrk="1" fontAlgn="auto" latinLnBrk="0" hangingPunct="1">
+              <a:lnSpc>
+                <a:spcPct val="100000"/>
+              </a:lnSpc>
+              <a:spcBef>
+                <a:spcPct val="0"/>
+              </a:spcBef>
+              <a:spcAft>
+                <a:spcPct val="0"/>
+              </a:spcAft>
+              <a:buClrTx/>
+              <a:buSzTx/>
+              <a:buFontTx/>
+              <a:buNone/>
+              <a:defRPr kumimoji="0" sz="1800" b="0" i="0" u="none" strike="noStrike" kern="1200" cap="none" spc="0" normalizeH="0" baseline="0" noProof="0">
+                <a:solidFill>
+                  <a:schemeClr val="tx1"/>
+                </a:solidFill>
+                <a:uLnTx/>
+                <a:uFillTx/>
+                <a:latin typeface="Arial" pitchFamily="34" charset="0"/>
+                <a:ea typeface="DejaVu Sans"/>
+                <a:cs typeface="DejaVu Sans"/>
+                <a:sym typeface="Wingdings" charset="2"/>
+              </a:defRPr>
+            </a:lvl5pPr>
+            <a:lvl6pPr marL="2286000" marR="0" indent="0" algn="l" defTabSz="914400" rtl="0" eaLnBrk="1" fontAlgn="auto" latinLnBrk="0" hangingPunct="1">
+              <a:lnSpc>
+                <a:spcPct val="100000"/>
+              </a:lnSpc>
+              <a:spcBef>
+                <a:spcPct val="0"/>
+              </a:spcBef>
+              <a:spcAft>
+                <a:spcPct val="0"/>
+              </a:spcAft>
+              <a:buClrTx/>
+              <a:buSzTx/>
+              <a:buFontTx/>
+              <a:buNone/>
+              <a:defRPr kumimoji="0" sz="1800" b="0" i="0" u="none" strike="noStrike" kern="1200" cap="none" spc="0" normalizeH="0" baseline="0" noProof="0">
+                <a:solidFill>
+                  <a:schemeClr val="tx1"/>
+                </a:solidFill>
+                <a:uLnTx/>
+                <a:uFillTx/>
+                <a:latin typeface="Arial" pitchFamily="34" charset="0"/>
+                <a:ea typeface="DejaVu Sans"/>
+                <a:cs typeface="DejaVu Sans"/>
+                <a:sym typeface="Wingdings" charset="2"/>
+              </a:defRPr>
+            </a:lvl6pPr>
+            <a:lvl7pPr marL="2743200" marR="0" indent="0" algn="l" defTabSz="914400" rtl="0" eaLnBrk="1" fontAlgn="auto" latinLnBrk="0" hangingPunct="1">
+              <a:lnSpc>
+                <a:spcPct val="100000"/>
+              </a:lnSpc>
+              <a:spcBef>
+                <a:spcPct val="0"/>
+              </a:spcBef>
+              <a:spcAft>
+                <a:spcPct val="0"/>
+              </a:spcAft>
+              <a:buClrTx/>
+              <a:buSzTx/>
+              <a:buFontTx/>
+              <a:buNone/>
+              <a:defRPr kumimoji="0" sz="1800" b="0" i="0" u="none" strike="noStrike" kern="1200" cap="none" spc="0" normalizeH="0" baseline="0" noProof="0">
+                <a:solidFill>
+                  <a:schemeClr val="tx1"/>
+                </a:solidFill>
+                <a:uLnTx/>
+                <a:uFillTx/>
+                <a:latin typeface="Arial" pitchFamily="34" charset="0"/>
+                <a:ea typeface="DejaVu Sans"/>
+                <a:cs typeface="DejaVu Sans"/>
+                <a:sym typeface="Wingdings" charset="2"/>
+              </a:defRPr>
+            </a:lvl7pPr>
+            <a:lvl8pPr marL="3200400" marR="0" indent="0" algn="l" defTabSz="914400" rtl="0" eaLnBrk="1" fontAlgn="auto" latinLnBrk="0" hangingPunct="1">
+              <a:lnSpc>
+                <a:spcPct val="100000"/>
+              </a:lnSpc>
+              <a:spcBef>
+                <a:spcPct val="0"/>
+              </a:spcBef>
+              <a:spcAft>
+                <a:spcPct val="0"/>
+              </a:spcAft>
+              <a:buClrTx/>
+              <a:buSzTx/>
+              <a:buFontTx/>
+              <a:buNone/>
+              <a:defRPr kumimoji="0" sz="1800" b="0" i="0" u="none" strike="noStrike" kern="1200" cap="none" spc="0" normalizeH="0" baseline="0" noProof="0">
+                <a:solidFill>
+                  <a:schemeClr val="tx1"/>
+                </a:solidFill>
+                <a:uLnTx/>
+                <a:uFillTx/>
+                <a:latin typeface="Arial" pitchFamily="34" charset="0"/>
+                <a:ea typeface="DejaVu Sans"/>
+                <a:cs typeface="DejaVu Sans"/>
+                <a:sym typeface="Wingdings" charset="2"/>
+              </a:defRPr>
+            </a:lvl8pPr>
+            <a:lvl9pPr marL="3657600" marR="0" indent="0" algn="l" defTabSz="914400" rtl="0" eaLnBrk="1" fontAlgn="auto" latinLnBrk="0" hangingPunct="1">
+              <a:lnSpc>
+                <a:spcPct val="100000"/>
+              </a:lnSpc>
+              <a:spcBef>
+                <a:spcPct val="0"/>
+              </a:spcBef>
+              <a:spcAft>
+                <a:spcPct val="0"/>
+              </a:spcAft>
+              <a:buClrTx/>
+              <a:buSzTx/>
+              <a:buFontTx/>
+              <a:buNone/>
+              <a:defRPr kumimoji="0" sz="1800" b="0" i="0" u="none" strike="noStrike" kern="1200" cap="none" spc="0" normalizeH="0" baseline="0" noProof="0">
+                <a:solidFill>
+                  <a:schemeClr val="tx1"/>
+                </a:solidFill>
+                <a:uLnTx/>
+                <a:uFillTx/>
+                <a:latin typeface="Arial" pitchFamily="34" charset="0"/>
+                <a:ea typeface="DejaVu Sans"/>
+                <a:cs typeface="DejaVu Sans"/>
+                <a:sym typeface="Wingdings" charset="2"/>
+              </a:defRPr>
+            </a:lvl9pPr>
+          </a:lstStyle>
+          <a:p>
+            <a:r>
+              <a:rPr lang="en-US" sz="3200" b="1" spc="-1" dirty="0" err="1">
+                <a:solidFill>
+                  <a:srgbClr val="FFFFFF"/>
+                </a:solidFill>
+                <a:latin typeface="Latin Modern Sans"/>
+              </a:rPr>
+              <a:t>Problema</a:t>
+            </a:r>
+            <a:r>
+              <a:rPr lang="en-US" sz="3200" b="1" spc="-1" dirty="0">
+                <a:solidFill>
+                  <a:srgbClr val="FFFFFF"/>
+                </a:solidFill>
+                <a:latin typeface="Latin Modern Sans"/>
+              </a:rPr>
+              <a:t> </a:t>
+            </a:r>
+            <a:endParaRPr lang="en-US" sz="3200" b="0" strike="noStrike" spc="-1" dirty="0">
+              <a:latin typeface="Arial" pitchFamily="34" charset="0"/>
+            </a:endParaRPr>
+          </a:p>
+        </p:txBody>
+      </p:sp>
+      <p:sp>
+        <p:nvSpPr>
+          <p:cNvPr id="2" name="CaixaDeTexto 1">
+            <a:extLst>
+              <a:ext uri="{FF2B5EF4-FFF2-40B4-BE49-F238E27FC236}">
+                <a16:creationId xmlns:a16="http://schemas.microsoft.com/office/drawing/2014/main" id="{D744B707-1B4A-5A5F-CC17-5C9D8382FBD9}"/>
+              </a:ext>
+            </a:extLst>
+          </p:cNvPr>
+          <p:cNvSpPr txBox="1"/>
+          <p:nvPr/>
+        </p:nvSpPr>
+        <p:spPr>
+          <a:xfrm>
+            <a:off x="200025" y="1742667"/>
+            <a:ext cx="9516375" cy="369332"/>
+          </a:xfrm>
+          <a:prstGeom prst="rect">
+            <a:avLst/>
+          </a:prstGeom>
+          <a:noFill/>
+        </p:spPr>
+        <p:txBody>
+          <a:bodyPr wrap="square" rtlCol="0">
+            <a:spAutoFit/>
+          </a:bodyPr>
+          <a:lstStyle>
+            <a:defPPr>
+              <a:defRPr lang="pt-BR"/>
+            </a:defPPr>
+            <a:lvl1pPr marL="0" algn="l" defTabSz="914400" rtl="0" eaLnBrk="1" latinLnBrk="0" hangingPunct="1">
+              <a:defRPr sz="1800" kern="1200">
+                <a:solidFill>
+                  <a:schemeClr val="tx1"/>
+                </a:solidFill>
+                <a:latin typeface="Arial" pitchFamily="34" charset="0"/>
+                <a:ea typeface="DejaVu Sans"/>
+                <a:cs typeface="DejaVu Sans"/>
+              </a:defRPr>
+            </a:lvl1pPr>
+            <a:lvl2pPr marL="457200" algn="l" defTabSz="914400" rtl="0" eaLnBrk="1" latinLnBrk="0" hangingPunct="1">
+              <a:defRPr sz="1800" kern="1200">
+                <a:solidFill>
+                  <a:schemeClr val="tx1"/>
+                </a:solidFill>
+                <a:latin typeface="Arial" pitchFamily="34" charset="0"/>
+                <a:ea typeface="DejaVu Sans"/>
+                <a:cs typeface="DejaVu Sans"/>
+              </a:defRPr>
+            </a:lvl2pPr>
+            <a:lvl3pPr marL="914400" algn="l" defTabSz="914400" rtl="0" eaLnBrk="1" latinLnBrk="0" hangingPunct="1">
+              <a:defRPr sz="1800" kern="1200">
+                <a:solidFill>
+                  <a:schemeClr val="tx1"/>
+                </a:solidFill>
+                <a:latin typeface="Arial" pitchFamily="34" charset="0"/>
+                <a:ea typeface="DejaVu Sans"/>
+                <a:cs typeface="DejaVu Sans"/>
+              </a:defRPr>
+            </a:lvl3pPr>
+            <a:lvl4pPr marL="1371600" algn="l" defTabSz="914400" rtl="0" eaLnBrk="1" latinLnBrk="0" hangingPunct="1">
+              <a:defRPr sz="1800" kern="1200">
+                <a:solidFill>
+                  <a:schemeClr val="tx1"/>
+                </a:solidFill>
+                <a:latin typeface="Arial" pitchFamily="34" charset="0"/>
+                <a:ea typeface="DejaVu Sans"/>
+                <a:cs typeface="DejaVu Sans"/>
+              </a:defRPr>
+            </a:lvl4pPr>
+            <a:lvl5pPr marL="1828800" algn="l" defTabSz="914400" rtl="0" eaLnBrk="1" latinLnBrk="0" hangingPunct="1">
+              <a:defRPr sz="1800" kern="1200">
+                <a:solidFill>
+                  <a:schemeClr val="tx1"/>
+                </a:solidFill>
+                <a:latin typeface="Arial" pitchFamily="34" charset="0"/>
+                <a:ea typeface="DejaVu Sans"/>
+                <a:cs typeface="DejaVu Sans"/>
+              </a:defRPr>
+            </a:lvl5pPr>
+            <a:lvl6pPr marL="2286000" algn="l" defTabSz="914400" rtl="0" eaLnBrk="1" latinLnBrk="0" hangingPunct="1">
+              <a:defRPr sz="1800" kern="1200">
+                <a:solidFill>
+                  <a:schemeClr val="tx1"/>
+                </a:solidFill>
+                <a:latin typeface="Arial" pitchFamily="34" charset="0"/>
+                <a:ea typeface="DejaVu Sans"/>
+                <a:cs typeface="DejaVu Sans"/>
+              </a:defRPr>
+            </a:lvl6pPr>
+            <a:lvl7pPr marL="2743200" algn="l" defTabSz="914400" rtl="0" eaLnBrk="1" latinLnBrk="0" hangingPunct="1">
+              <a:defRPr sz="1800" kern="1200">
+                <a:solidFill>
+                  <a:schemeClr val="tx1"/>
+                </a:solidFill>
+                <a:latin typeface="Arial" pitchFamily="34" charset="0"/>
+                <a:ea typeface="DejaVu Sans"/>
+                <a:cs typeface="DejaVu Sans"/>
+              </a:defRPr>
+            </a:lvl7pPr>
+            <a:lvl8pPr marL="3200400" algn="l" defTabSz="914400" rtl="0" eaLnBrk="1" latinLnBrk="0" hangingPunct="1">
+              <a:defRPr sz="1800" kern="1200">
+                <a:solidFill>
+                  <a:schemeClr val="tx1"/>
+                </a:solidFill>
+                <a:latin typeface="Arial" pitchFamily="34" charset="0"/>
+                <a:ea typeface="DejaVu Sans"/>
+                <a:cs typeface="DejaVu Sans"/>
+              </a:defRPr>
+            </a:lvl8pPr>
+            <a:lvl9pPr marL="3657600" algn="l" defTabSz="914400" rtl="0" eaLnBrk="1" latinLnBrk="0" hangingPunct="1">
+              <a:defRPr sz="1800" kern="1200">
+                <a:solidFill>
+                  <a:schemeClr val="tx1"/>
+                </a:solidFill>
+                <a:latin typeface="Arial" pitchFamily="34" charset="0"/>
+                <a:ea typeface="DejaVu Sans"/>
+                <a:cs typeface="DejaVu Sans"/>
+              </a:defRPr>
+            </a:lvl9pPr>
+          </a:lstStyle>
+          <a:p>
+            <a:pPr marL="285750" indent="-285750">
+              <a:buFont typeface="Arial" pitchFamily="34" charset="0"/>
+              <a:buChar char="•"/>
+            </a:pPr>
+            <a:r>
+              <a:rPr lang="en-US" dirty="0" err="1">
+                <a:latin typeface="Calibri" panose="020F0502020204030204" pitchFamily="34" charset="0"/>
+                <a:cs typeface="Calibri" panose="020F0502020204030204" pitchFamily="34" charset="0"/>
+              </a:rPr>
+              <a:t>Classificação</a:t>
+            </a:r>
+            <a:r>
+              <a:rPr lang="en-US" dirty="0">
+                <a:latin typeface="Calibri" panose="020F0502020204030204" pitchFamily="34" charset="0"/>
+                <a:cs typeface="Calibri" panose="020F0502020204030204" pitchFamily="34" charset="0"/>
+              </a:rPr>
+              <a:t> </a:t>
+            </a:r>
+            <a:r>
+              <a:rPr lang="en-US" dirty="0" err="1">
+                <a:latin typeface="Calibri" panose="020F0502020204030204" pitchFamily="34" charset="0"/>
+                <a:cs typeface="Calibri" panose="020F0502020204030204" pitchFamily="34" charset="0"/>
+              </a:rPr>
+              <a:t>Binária</a:t>
+            </a:r>
+            <a:endParaRPr lang="en-US" dirty="0">
+              <a:latin typeface="Calibri" panose="020F0502020204030204" pitchFamily="34" charset="0"/>
+              <a:cs typeface="Calibri" panose="020F0502020204030204" pitchFamily="34" charset="0"/>
+            </a:endParaRPr>
           </a:p>
         </p:txBody>
       </p:sp>
@@ -39697,900 +41620,7 @@
     </p:spTree>
     <p:extLst>
       <p:ext uri="{BB962C8B-B14F-4D97-AF65-F5344CB8AC3E}">
-        <p14:creationId xmlns:p14="http://schemas.microsoft.com/office/powerpoint/2010/main" val="3075963027"/>
-      </p:ext>
-    </p:extLst>
-  </p:cSld>
-  <p:clrMapOvr>
-    <a:masterClrMapping/>
-  </p:clrMapOvr>
-  <p:transition/>
-</p:sld>
-</file>
-
-<file path=ppt/slides/slide9.xml><?xml version="1.0" encoding="utf-8"?>
-<p:sld xmlns:a="http://schemas.openxmlformats.org/drawingml/2006/main" xmlns:r="http://schemas.openxmlformats.org/officeDocument/2006/relationships" xmlns:p="http://schemas.openxmlformats.org/presentationml/2006/main">
-  <p:cSld>
-    <p:spTree>
-      <p:nvGrpSpPr>
-        <p:cNvPr id="1" name=""/>
-        <p:cNvGrpSpPr/>
-        <p:nvPr/>
-      </p:nvGrpSpPr>
-      <p:grpSpPr>
-        <a:xfrm>
-          <a:off x="0" y="0"/>
-          <a:ext cx="0" cy="0"/>
-          <a:chOff x="0" y="0"/>
-          <a:chExt cx="0" cy="0"/>
-        </a:xfrm>
-      </p:grpSpPr>
-      <p:sp>
-        <p:nvSpPr>
-          <p:cNvPr id="99" name="CustomShape 1"/>
-          <p:cNvSpPr/>
-          <p:nvPr/>
-        </p:nvSpPr>
-        <p:spPr>
-          <a:xfrm>
-            <a:off x="360000" y="360000"/>
-            <a:ext cx="9356400" cy="896400"/>
-          </a:xfrm>
-          <a:prstGeom prst="rect">
-            <a:avLst/>
-          </a:prstGeom>
-          <a:noFill/>
-          <a:ln>
-            <a:noFill/>
-          </a:ln>
-        </p:spPr>
-        <p:style>
-          <a:lnRef idx="0">
-            <a:scrgbClr r="0" g="0" b="0"/>
-          </a:lnRef>
-          <a:fillRef idx="0">
-            <a:scrgbClr r="0" g="0" b="0"/>
-          </a:fillRef>
-          <a:effectRef idx="0">
-            <a:scrgbClr r="0" g="0" b="0"/>
-          </a:effectRef>
-          <a:fontRef idx="minor"/>
-        </p:style>
-        <p:txBody>
-          <a:bodyPr lIns="0" tIns="0" rIns="0" bIns="0" anchor="b"/>
-          <a:lstStyle>
-            <a:defPPr>
-              <a:defRPr lang="pt-BR"/>
-            </a:defPPr>
-            <a:lvl1pPr marL="0" marR="0" indent="0" algn="l" defTabSz="914400" rtl="0" eaLnBrk="1" fontAlgn="auto" latinLnBrk="0" hangingPunct="1">
-              <a:lnSpc>
-                <a:spcPct val="100000"/>
-              </a:lnSpc>
-              <a:spcBef>
-                <a:spcPct val="0"/>
-              </a:spcBef>
-              <a:spcAft>
-                <a:spcPct val="0"/>
-              </a:spcAft>
-              <a:buClrTx/>
-              <a:buSzTx/>
-              <a:buFontTx/>
-              <a:buNone/>
-              <a:defRPr kumimoji="0" sz="1800" b="0" i="0" u="none" strike="noStrike" kern="1200" cap="none" spc="0" normalizeH="0" baseline="0" noProof="0">
-                <a:solidFill>
-                  <a:schemeClr val="tx1"/>
-                </a:solidFill>
-                <a:uLnTx/>
-                <a:uFillTx/>
-                <a:latin typeface="Arial" pitchFamily="34" charset="0"/>
-                <a:ea typeface="DejaVu Sans"/>
-                <a:cs typeface="DejaVu Sans"/>
-                <a:sym typeface="Wingdings" charset="2"/>
-              </a:defRPr>
-            </a:lvl1pPr>
-            <a:lvl2pPr marL="457200" marR="0" indent="0" algn="l" defTabSz="914400" rtl="0" eaLnBrk="1" fontAlgn="auto" latinLnBrk="0" hangingPunct="1">
-              <a:lnSpc>
-                <a:spcPct val="100000"/>
-              </a:lnSpc>
-              <a:spcBef>
-                <a:spcPct val="0"/>
-              </a:spcBef>
-              <a:spcAft>
-                <a:spcPct val="0"/>
-              </a:spcAft>
-              <a:buClrTx/>
-              <a:buSzTx/>
-              <a:buFontTx/>
-              <a:buNone/>
-              <a:defRPr kumimoji="0" sz="1800" b="0" i="0" u="none" strike="noStrike" kern="1200" cap="none" spc="0" normalizeH="0" baseline="0" noProof="0">
-                <a:solidFill>
-                  <a:schemeClr val="tx1"/>
-                </a:solidFill>
-                <a:uLnTx/>
-                <a:uFillTx/>
-                <a:latin typeface="Arial" pitchFamily="34" charset="0"/>
-                <a:ea typeface="DejaVu Sans"/>
-                <a:cs typeface="DejaVu Sans"/>
-                <a:sym typeface="Wingdings" charset="2"/>
-              </a:defRPr>
-            </a:lvl2pPr>
-            <a:lvl3pPr marL="914400" marR="0" indent="0" algn="l" defTabSz="914400" rtl="0" eaLnBrk="1" fontAlgn="auto" latinLnBrk="0" hangingPunct="1">
-              <a:lnSpc>
-                <a:spcPct val="100000"/>
-              </a:lnSpc>
-              <a:spcBef>
-                <a:spcPct val="0"/>
-              </a:spcBef>
-              <a:spcAft>
-                <a:spcPct val="0"/>
-              </a:spcAft>
-              <a:buClrTx/>
-              <a:buSzTx/>
-              <a:buFontTx/>
-              <a:buNone/>
-              <a:defRPr kumimoji="0" sz="1800" b="0" i="0" u="none" strike="noStrike" kern="1200" cap="none" spc="0" normalizeH="0" baseline="0" noProof="0">
-                <a:solidFill>
-                  <a:schemeClr val="tx1"/>
-                </a:solidFill>
-                <a:uLnTx/>
-                <a:uFillTx/>
-                <a:latin typeface="Arial" pitchFamily="34" charset="0"/>
-                <a:ea typeface="DejaVu Sans"/>
-                <a:cs typeface="DejaVu Sans"/>
-                <a:sym typeface="Wingdings" charset="2"/>
-              </a:defRPr>
-            </a:lvl3pPr>
-            <a:lvl4pPr marL="1371600" marR="0" indent="0" algn="l" defTabSz="914400" rtl="0" eaLnBrk="1" fontAlgn="auto" latinLnBrk="0" hangingPunct="1">
-              <a:lnSpc>
-                <a:spcPct val="100000"/>
-              </a:lnSpc>
-              <a:spcBef>
-                <a:spcPct val="0"/>
-              </a:spcBef>
-              <a:spcAft>
-                <a:spcPct val="0"/>
-              </a:spcAft>
-              <a:buClrTx/>
-              <a:buSzTx/>
-              <a:buFontTx/>
-              <a:buNone/>
-              <a:defRPr kumimoji="0" sz="1800" b="0" i="0" u="none" strike="noStrike" kern="1200" cap="none" spc="0" normalizeH="0" baseline="0" noProof="0">
-                <a:solidFill>
-                  <a:schemeClr val="tx1"/>
-                </a:solidFill>
-                <a:uLnTx/>
-                <a:uFillTx/>
-                <a:latin typeface="Arial" pitchFamily="34" charset="0"/>
-                <a:ea typeface="DejaVu Sans"/>
-                <a:cs typeface="DejaVu Sans"/>
-                <a:sym typeface="Wingdings" charset="2"/>
-              </a:defRPr>
-            </a:lvl4pPr>
-            <a:lvl5pPr marL="1828800" marR="0" indent="0" algn="l" defTabSz="914400" rtl="0" eaLnBrk="1" fontAlgn="auto" latinLnBrk="0" hangingPunct="1">
-              <a:lnSpc>
-                <a:spcPct val="100000"/>
-              </a:lnSpc>
-              <a:spcBef>
-                <a:spcPct val="0"/>
-              </a:spcBef>
-              <a:spcAft>
-                <a:spcPct val="0"/>
-              </a:spcAft>
-              <a:buClrTx/>
-              <a:buSzTx/>
-              <a:buFontTx/>
-              <a:buNone/>
-              <a:defRPr kumimoji="0" sz="1800" b="0" i="0" u="none" strike="noStrike" kern="1200" cap="none" spc="0" normalizeH="0" baseline="0" noProof="0">
-                <a:solidFill>
-                  <a:schemeClr val="tx1"/>
-                </a:solidFill>
-                <a:uLnTx/>
-                <a:uFillTx/>
-                <a:latin typeface="Arial" pitchFamily="34" charset="0"/>
-                <a:ea typeface="DejaVu Sans"/>
-                <a:cs typeface="DejaVu Sans"/>
-                <a:sym typeface="Wingdings" charset="2"/>
-              </a:defRPr>
-            </a:lvl5pPr>
-            <a:lvl6pPr marL="2286000" marR="0" indent="0" algn="l" defTabSz="914400" rtl="0" eaLnBrk="1" fontAlgn="auto" latinLnBrk="0" hangingPunct="1">
-              <a:lnSpc>
-                <a:spcPct val="100000"/>
-              </a:lnSpc>
-              <a:spcBef>
-                <a:spcPct val="0"/>
-              </a:spcBef>
-              <a:spcAft>
-                <a:spcPct val="0"/>
-              </a:spcAft>
-              <a:buClrTx/>
-              <a:buSzTx/>
-              <a:buFontTx/>
-              <a:buNone/>
-              <a:defRPr kumimoji="0" sz="1800" b="0" i="0" u="none" strike="noStrike" kern="1200" cap="none" spc="0" normalizeH="0" baseline="0" noProof="0">
-                <a:solidFill>
-                  <a:schemeClr val="tx1"/>
-                </a:solidFill>
-                <a:uLnTx/>
-                <a:uFillTx/>
-                <a:latin typeface="Arial" pitchFamily="34" charset="0"/>
-                <a:ea typeface="DejaVu Sans"/>
-                <a:cs typeface="DejaVu Sans"/>
-                <a:sym typeface="Wingdings" charset="2"/>
-              </a:defRPr>
-            </a:lvl6pPr>
-            <a:lvl7pPr marL="2743200" marR="0" indent="0" algn="l" defTabSz="914400" rtl="0" eaLnBrk="1" fontAlgn="auto" latinLnBrk="0" hangingPunct="1">
-              <a:lnSpc>
-                <a:spcPct val="100000"/>
-              </a:lnSpc>
-              <a:spcBef>
-                <a:spcPct val="0"/>
-              </a:spcBef>
-              <a:spcAft>
-                <a:spcPct val="0"/>
-              </a:spcAft>
-              <a:buClrTx/>
-              <a:buSzTx/>
-              <a:buFontTx/>
-              <a:buNone/>
-              <a:defRPr kumimoji="0" sz="1800" b="0" i="0" u="none" strike="noStrike" kern="1200" cap="none" spc="0" normalizeH="0" baseline="0" noProof="0">
-                <a:solidFill>
-                  <a:schemeClr val="tx1"/>
-                </a:solidFill>
-                <a:uLnTx/>
-                <a:uFillTx/>
-                <a:latin typeface="Arial" pitchFamily="34" charset="0"/>
-                <a:ea typeface="DejaVu Sans"/>
-                <a:cs typeface="DejaVu Sans"/>
-                <a:sym typeface="Wingdings" charset="2"/>
-              </a:defRPr>
-            </a:lvl7pPr>
-            <a:lvl8pPr marL="3200400" marR="0" indent="0" algn="l" defTabSz="914400" rtl="0" eaLnBrk="1" fontAlgn="auto" latinLnBrk="0" hangingPunct="1">
-              <a:lnSpc>
-                <a:spcPct val="100000"/>
-              </a:lnSpc>
-              <a:spcBef>
-                <a:spcPct val="0"/>
-              </a:spcBef>
-              <a:spcAft>
-                <a:spcPct val="0"/>
-              </a:spcAft>
-              <a:buClrTx/>
-              <a:buSzTx/>
-              <a:buFontTx/>
-              <a:buNone/>
-              <a:defRPr kumimoji="0" sz="1800" b="0" i="0" u="none" strike="noStrike" kern="1200" cap="none" spc="0" normalizeH="0" baseline="0" noProof="0">
-                <a:solidFill>
-                  <a:schemeClr val="tx1"/>
-                </a:solidFill>
-                <a:uLnTx/>
-                <a:uFillTx/>
-                <a:latin typeface="Arial" pitchFamily="34" charset="0"/>
-                <a:ea typeface="DejaVu Sans"/>
-                <a:cs typeface="DejaVu Sans"/>
-                <a:sym typeface="Wingdings" charset="2"/>
-              </a:defRPr>
-            </a:lvl8pPr>
-            <a:lvl9pPr marL="3657600" marR="0" indent="0" algn="l" defTabSz="914400" rtl="0" eaLnBrk="1" fontAlgn="auto" latinLnBrk="0" hangingPunct="1">
-              <a:lnSpc>
-                <a:spcPct val="100000"/>
-              </a:lnSpc>
-              <a:spcBef>
-                <a:spcPct val="0"/>
-              </a:spcBef>
-              <a:spcAft>
-                <a:spcPct val="0"/>
-              </a:spcAft>
-              <a:buClrTx/>
-              <a:buSzTx/>
-              <a:buFontTx/>
-              <a:buNone/>
-              <a:defRPr kumimoji="0" sz="1800" b="0" i="0" u="none" strike="noStrike" kern="1200" cap="none" spc="0" normalizeH="0" baseline="0" noProof="0">
-                <a:solidFill>
-                  <a:schemeClr val="tx1"/>
-                </a:solidFill>
-                <a:uLnTx/>
-                <a:uFillTx/>
-                <a:latin typeface="Arial" pitchFamily="34" charset="0"/>
-                <a:ea typeface="DejaVu Sans"/>
-                <a:cs typeface="DejaVu Sans"/>
-                <a:sym typeface="Wingdings" charset="2"/>
-              </a:defRPr>
-            </a:lvl9pPr>
-          </a:lstStyle>
-          <a:p>
-            <a:r>
-              <a:rPr lang="en-US" sz="3200" b="1" spc="-1" dirty="0" err="1">
-                <a:solidFill>
-                  <a:srgbClr val="FFFFFF"/>
-                </a:solidFill>
-                <a:latin typeface="Latin Modern Sans"/>
-              </a:rPr>
-              <a:t>Problema</a:t>
-            </a:r>
-            <a:r>
-              <a:rPr lang="en-US" sz="3200" b="1" spc="-1" dirty="0">
-                <a:solidFill>
-                  <a:srgbClr val="FFFFFF"/>
-                </a:solidFill>
-                <a:latin typeface="Latin Modern Sans"/>
-              </a:rPr>
-              <a:t> </a:t>
-            </a:r>
-            <a:endParaRPr lang="en-US" sz="3200" b="0" strike="noStrike" spc="-1" dirty="0">
-              <a:latin typeface="Arial" pitchFamily="34" charset="0"/>
-            </a:endParaRPr>
-          </a:p>
-        </p:txBody>
-      </p:sp>
-      <p:sp>
-        <p:nvSpPr>
-          <p:cNvPr id="2" name="CaixaDeTexto 1">
-            <a:extLst>
-              <a:ext uri="{FF2B5EF4-FFF2-40B4-BE49-F238E27FC236}">
-                <a16:creationId xmlns:a16="http://schemas.microsoft.com/office/drawing/2014/main" id="{D744B707-1B4A-5A5F-CC17-5C9D8382FBD9}"/>
-              </a:ext>
-            </a:extLst>
-          </p:cNvPr>
-          <p:cNvSpPr txBox="1"/>
-          <p:nvPr/>
-        </p:nvSpPr>
-        <p:spPr>
-          <a:xfrm>
-            <a:off x="200025" y="1742667"/>
-            <a:ext cx="9516375" cy="369332"/>
-          </a:xfrm>
-          <a:prstGeom prst="rect">
-            <a:avLst/>
-          </a:prstGeom>
-          <a:noFill/>
-        </p:spPr>
-        <p:txBody>
-          <a:bodyPr wrap="square" rtlCol="0">
-            <a:spAutoFit/>
-          </a:bodyPr>
-          <a:lstStyle>
-            <a:defPPr>
-              <a:defRPr lang="pt-BR"/>
-            </a:defPPr>
-            <a:lvl1pPr marL="0" algn="l" defTabSz="914400" rtl="0" eaLnBrk="1" latinLnBrk="0" hangingPunct="1">
-              <a:defRPr sz="1800" kern="1200">
-                <a:solidFill>
-                  <a:schemeClr val="tx1"/>
-                </a:solidFill>
-                <a:latin typeface="Arial" pitchFamily="34" charset="0"/>
-                <a:ea typeface="DejaVu Sans"/>
-                <a:cs typeface="DejaVu Sans"/>
-              </a:defRPr>
-            </a:lvl1pPr>
-            <a:lvl2pPr marL="457200" algn="l" defTabSz="914400" rtl="0" eaLnBrk="1" latinLnBrk="0" hangingPunct="1">
-              <a:defRPr sz="1800" kern="1200">
-                <a:solidFill>
-                  <a:schemeClr val="tx1"/>
-                </a:solidFill>
-                <a:latin typeface="Arial" pitchFamily="34" charset="0"/>
-                <a:ea typeface="DejaVu Sans"/>
-                <a:cs typeface="DejaVu Sans"/>
-              </a:defRPr>
-            </a:lvl2pPr>
-            <a:lvl3pPr marL="914400" algn="l" defTabSz="914400" rtl="0" eaLnBrk="1" latinLnBrk="0" hangingPunct="1">
-              <a:defRPr sz="1800" kern="1200">
-                <a:solidFill>
-                  <a:schemeClr val="tx1"/>
-                </a:solidFill>
-                <a:latin typeface="Arial" pitchFamily="34" charset="0"/>
-                <a:ea typeface="DejaVu Sans"/>
-                <a:cs typeface="DejaVu Sans"/>
-              </a:defRPr>
-            </a:lvl3pPr>
-            <a:lvl4pPr marL="1371600" algn="l" defTabSz="914400" rtl="0" eaLnBrk="1" latinLnBrk="0" hangingPunct="1">
-              <a:defRPr sz="1800" kern="1200">
-                <a:solidFill>
-                  <a:schemeClr val="tx1"/>
-                </a:solidFill>
-                <a:latin typeface="Arial" pitchFamily="34" charset="0"/>
-                <a:ea typeface="DejaVu Sans"/>
-                <a:cs typeface="DejaVu Sans"/>
-              </a:defRPr>
-            </a:lvl4pPr>
-            <a:lvl5pPr marL="1828800" algn="l" defTabSz="914400" rtl="0" eaLnBrk="1" latinLnBrk="0" hangingPunct="1">
-              <a:defRPr sz="1800" kern="1200">
-                <a:solidFill>
-                  <a:schemeClr val="tx1"/>
-                </a:solidFill>
-                <a:latin typeface="Arial" pitchFamily="34" charset="0"/>
-                <a:ea typeface="DejaVu Sans"/>
-                <a:cs typeface="DejaVu Sans"/>
-              </a:defRPr>
-            </a:lvl5pPr>
-            <a:lvl6pPr marL="2286000" algn="l" defTabSz="914400" rtl="0" eaLnBrk="1" latinLnBrk="0" hangingPunct="1">
-              <a:defRPr sz="1800" kern="1200">
-                <a:solidFill>
-                  <a:schemeClr val="tx1"/>
-                </a:solidFill>
-                <a:latin typeface="Arial" pitchFamily="34" charset="0"/>
-                <a:ea typeface="DejaVu Sans"/>
-                <a:cs typeface="DejaVu Sans"/>
-              </a:defRPr>
-            </a:lvl6pPr>
-            <a:lvl7pPr marL="2743200" algn="l" defTabSz="914400" rtl="0" eaLnBrk="1" latinLnBrk="0" hangingPunct="1">
-              <a:defRPr sz="1800" kern="1200">
-                <a:solidFill>
-                  <a:schemeClr val="tx1"/>
-                </a:solidFill>
-                <a:latin typeface="Arial" pitchFamily="34" charset="0"/>
-                <a:ea typeface="DejaVu Sans"/>
-                <a:cs typeface="DejaVu Sans"/>
-              </a:defRPr>
-            </a:lvl7pPr>
-            <a:lvl8pPr marL="3200400" algn="l" defTabSz="914400" rtl="0" eaLnBrk="1" latinLnBrk="0" hangingPunct="1">
-              <a:defRPr sz="1800" kern="1200">
-                <a:solidFill>
-                  <a:schemeClr val="tx1"/>
-                </a:solidFill>
-                <a:latin typeface="Arial" pitchFamily="34" charset="0"/>
-                <a:ea typeface="DejaVu Sans"/>
-                <a:cs typeface="DejaVu Sans"/>
-              </a:defRPr>
-            </a:lvl8pPr>
-            <a:lvl9pPr marL="3657600" algn="l" defTabSz="914400" rtl="0" eaLnBrk="1" latinLnBrk="0" hangingPunct="1">
-              <a:defRPr sz="1800" kern="1200">
-                <a:solidFill>
-                  <a:schemeClr val="tx1"/>
-                </a:solidFill>
-                <a:latin typeface="Arial" pitchFamily="34" charset="0"/>
-                <a:ea typeface="DejaVu Sans"/>
-                <a:cs typeface="DejaVu Sans"/>
-              </a:defRPr>
-            </a:lvl9pPr>
-          </a:lstStyle>
-          <a:p>
-            <a:pPr marL="285750" indent="-285750">
-              <a:buFont typeface="Arial" pitchFamily="34" charset="0"/>
-              <a:buChar char="•"/>
-            </a:pPr>
-            <a:r>
-              <a:rPr lang="en-US" dirty="0" err="1">
-                <a:latin typeface="Calibri" panose="020F0502020204030204" pitchFamily="34" charset="0"/>
-                <a:cs typeface="Calibri" panose="020F0502020204030204" pitchFamily="34" charset="0"/>
-              </a:rPr>
-              <a:t>Binária</a:t>
-            </a:r>
-            <a:r>
-              <a:rPr lang="en-US" dirty="0">
-                <a:latin typeface="Calibri" panose="020F0502020204030204" pitchFamily="34" charset="0"/>
-                <a:cs typeface="Calibri" panose="020F0502020204030204" pitchFamily="34" charset="0"/>
-              </a:rPr>
-              <a:t> vs Multi-Class </a:t>
-            </a:r>
-          </a:p>
-        </p:txBody>
-      </p:sp>
-      <p:pic>
-        <p:nvPicPr>
-          <p:cNvPr id="4" name="Imagem 3">
-            <a:extLst>
-              <a:ext uri="{FF2B5EF4-FFF2-40B4-BE49-F238E27FC236}">
-                <a16:creationId xmlns:a16="http://schemas.microsoft.com/office/drawing/2014/main" id="{6321143F-BCBA-5F7C-8CD6-6F9089C0E8A8}"/>
-              </a:ext>
-            </a:extLst>
-          </p:cNvPr>
-          <p:cNvPicPr>
-            <a:picLocks noChangeAspect="1"/>
-          </p:cNvPicPr>
-          <p:nvPr/>
-        </p:nvPicPr>
-        <p:blipFill>
-          <a:blip r:embed="rId3"/>
-          <a:stretch>
-            <a:fillRect/>
-          </a:stretch>
-        </p:blipFill>
-        <p:spPr>
-          <a:xfrm>
-            <a:off x="3752515" y="1730476"/>
-            <a:ext cx="2800350" cy="2277208"/>
-          </a:xfrm>
-          <a:prstGeom prst="rect">
-            <a:avLst/>
-          </a:prstGeom>
-        </p:spPr>
-      </p:pic>
-      <p:pic>
-        <p:nvPicPr>
-          <p:cNvPr id="7" name="Imagem 6">
-            <a:extLst>
-              <a:ext uri="{FF2B5EF4-FFF2-40B4-BE49-F238E27FC236}">
-                <a16:creationId xmlns:a16="http://schemas.microsoft.com/office/drawing/2014/main" id="{3F444AF5-2364-D745-42A2-546503E64A05}"/>
-              </a:ext>
-            </a:extLst>
-          </p:cNvPr>
-          <p:cNvPicPr>
-            <a:picLocks noChangeAspect="1"/>
-          </p:cNvPicPr>
-          <p:nvPr/>
-        </p:nvPicPr>
-        <p:blipFill>
-          <a:blip r:embed="rId4"/>
-          <a:stretch>
-            <a:fillRect/>
-          </a:stretch>
-        </p:blipFill>
-        <p:spPr>
-          <a:xfrm>
-            <a:off x="1016985" y="4112254"/>
-            <a:ext cx="8042430" cy="2670844"/>
-          </a:xfrm>
-          <a:prstGeom prst="rect">
-            <a:avLst/>
-          </a:prstGeom>
-        </p:spPr>
-      </p:pic>
-      <p:sp>
-        <p:nvSpPr>
-          <p:cNvPr id="5" name="CustomShape 3">
-            <a:extLst>
-              <a:ext uri="{FF2B5EF4-FFF2-40B4-BE49-F238E27FC236}">
-                <a16:creationId xmlns:a16="http://schemas.microsoft.com/office/drawing/2014/main" id="{14DC5279-5721-9C4D-AD5C-0120E8E3DF17}"/>
-              </a:ext>
-            </a:extLst>
-          </p:cNvPr>
-          <p:cNvSpPr/>
-          <p:nvPr/>
-        </p:nvSpPr>
-        <p:spPr>
-          <a:xfrm>
-            <a:off x="7608600" y="6886080"/>
-            <a:ext cx="2281680" cy="361440"/>
-          </a:xfrm>
-          <a:prstGeom prst="rect">
-            <a:avLst/>
-          </a:prstGeom>
-          <a:noFill/>
-          <a:ln>
-            <a:noFill/>
-          </a:ln>
-        </p:spPr>
-        <p:style>
-          <a:lnRef idx="0">
-            <a:scrgbClr r="0" g="0" b="0"/>
-          </a:lnRef>
-          <a:fillRef idx="0">
-            <a:scrgbClr r="0" g="0" b="0"/>
-          </a:fillRef>
-          <a:effectRef idx="0">
-            <a:scrgbClr r="0" g="0" b="0"/>
-          </a:effectRef>
-          <a:fontRef idx="minor"/>
-        </p:style>
-        <p:txBody>
-          <a:bodyPr lIns="90000" tIns="45000" rIns="90000" bIns="45000"/>
-          <a:lstStyle/>
-          <a:p>
-            <a:pPr>
-              <a:lnSpc>
-                <a:spcPct val="100000"/>
-              </a:lnSpc>
-            </a:pPr>
-            <a:r>
-              <a:rPr lang="pt-BR" sz="1800" b="0" strike="noStrike" spc="-1" dirty="0">
-                <a:solidFill>
-                  <a:srgbClr val="000000"/>
-                </a:solidFill>
-                <a:latin typeface="Arial"/>
-                <a:ea typeface="DejaVu Sans"/>
-              </a:rPr>
-              <a:t>Aula 04</a:t>
-            </a:r>
-            <a:endParaRPr lang="pt-BR" sz="1800" b="0" strike="noStrike" spc="-1" dirty="0">
-              <a:latin typeface="Arial"/>
-            </a:endParaRPr>
-          </a:p>
-        </p:txBody>
-      </p:sp>
-      <p:sp>
-        <p:nvSpPr>
-          <p:cNvPr id="6" name="CustomShape 2">
-            <a:extLst>
-              <a:ext uri="{FF2B5EF4-FFF2-40B4-BE49-F238E27FC236}">
-                <a16:creationId xmlns:a16="http://schemas.microsoft.com/office/drawing/2014/main" id="{610E0372-25B2-1ACA-C146-D1655DD130A7}"/>
-              </a:ext>
-            </a:extLst>
-          </p:cNvPr>
-          <p:cNvSpPr/>
-          <p:nvPr/>
-        </p:nvSpPr>
-        <p:spPr>
-          <a:xfrm>
-            <a:off x="897120" y="6886080"/>
-            <a:ext cx="6443640" cy="361440"/>
-          </a:xfrm>
-          <a:prstGeom prst="rect">
-            <a:avLst/>
-          </a:prstGeom>
-          <a:noFill/>
-          <a:ln>
-            <a:noFill/>
-          </a:ln>
-        </p:spPr>
-        <p:style>
-          <a:lnRef idx="0">
-            <a:scrgbClr r="0" g="0" b="0"/>
-          </a:lnRef>
-          <a:fillRef idx="0">
-            <a:scrgbClr r="0" g="0" b="0"/>
-          </a:fillRef>
-          <a:effectRef idx="0">
-            <a:scrgbClr r="0" g="0" b="0"/>
-          </a:effectRef>
-          <a:fontRef idx="minor"/>
-        </p:style>
-        <p:txBody>
-          <a:bodyPr lIns="90000" tIns="45000" rIns="90000" bIns="45000"/>
-          <a:lstStyle>
-            <a:defPPr>
-              <a:defRPr lang="pt-BR"/>
-            </a:defPPr>
-            <a:lvl1pPr marL="0" marR="0" indent="0" algn="l" defTabSz="914400" rtl="0" eaLnBrk="1" fontAlgn="auto" latinLnBrk="0" hangingPunct="1">
-              <a:lnSpc>
-                <a:spcPct val="100000"/>
-              </a:lnSpc>
-              <a:spcBef>
-                <a:spcPct val="0"/>
-              </a:spcBef>
-              <a:spcAft>
-                <a:spcPct val="0"/>
-              </a:spcAft>
-              <a:buClrTx/>
-              <a:buSzTx/>
-              <a:buFontTx/>
-              <a:buNone/>
-              <a:defRPr kumimoji="0" sz="1800" b="0" i="0" u="none" strike="noStrike" kern="1200" cap="none" spc="0" normalizeH="0" baseline="0" noProof="0">
-                <a:solidFill>
-                  <a:schemeClr val="tx1"/>
-                </a:solidFill>
-                <a:uLnTx/>
-                <a:uFillTx/>
-                <a:latin typeface="Arial" pitchFamily="34" charset="0"/>
-                <a:ea typeface="DejaVu Sans"/>
-                <a:cs typeface="DejaVu Sans"/>
-                <a:sym typeface="Wingdings" charset="2"/>
-              </a:defRPr>
-            </a:lvl1pPr>
-            <a:lvl2pPr marL="457200" marR="0" indent="0" algn="l" defTabSz="914400" rtl="0" eaLnBrk="1" fontAlgn="auto" latinLnBrk="0" hangingPunct="1">
-              <a:lnSpc>
-                <a:spcPct val="100000"/>
-              </a:lnSpc>
-              <a:spcBef>
-                <a:spcPct val="0"/>
-              </a:spcBef>
-              <a:spcAft>
-                <a:spcPct val="0"/>
-              </a:spcAft>
-              <a:buClrTx/>
-              <a:buSzTx/>
-              <a:buFontTx/>
-              <a:buNone/>
-              <a:defRPr kumimoji="0" sz="1800" b="0" i="0" u="none" strike="noStrike" kern="1200" cap="none" spc="0" normalizeH="0" baseline="0" noProof="0">
-                <a:solidFill>
-                  <a:schemeClr val="tx1"/>
-                </a:solidFill>
-                <a:uLnTx/>
-                <a:uFillTx/>
-                <a:latin typeface="Arial" pitchFamily="34" charset="0"/>
-                <a:ea typeface="DejaVu Sans"/>
-                <a:cs typeface="DejaVu Sans"/>
-                <a:sym typeface="Wingdings" charset="2"/>
-              </a:defRPr>
-            </a:lvl2pPr>
-            <a:lvl3pPr marL="914400" marR="0" indent="0" algn="l" defTabSz="914400" rtl="0" eaLnBrk="1" fontAlgn="auto" latinLnBrk="0" hangingPunct="1">
-              <a:lnSpc>
-                <a:spcPct val="100000"/>
-              </a:lnSpc>
-              <a:spcBef>
-                <a:spcPct val="0"/>
-              </a:spcBef>
-              <a:spcAft>
-                <a:spcPct val="0"/>
-              </a:spcAft>
-              <a:buClrTx/>
-              <a:buSzTx/>
-              <a:buFontTx/>
-              <a:buNone/>
-              <a:defRPr kumimoji="0" sz="1800" b="0" i="0" u="none" strike="noStrike" kern="1200" cap="none" spc="0" normalizeH="0" baseline="0" noProof="0">
-                <a:solidFill>
-                  <a:schemeClr val="tx1"/>
-                </a:solidFill>
-                <a:uLnTx/>
-                <a:uFillTx/>
-                <a:latin typeface="Arial" pitchFamily="34" charset="0"/>
-                <a:ea typeface="DejaVu Sans"/>
-                <a:cs typeface="DejaVu Sans"/>
-                <a:sym typeface="Wingdings" charset="2"/>
-              </a:defRPr>
-            </a:lvl3pPr>
-            <a:lvl4pPr marL="1371600" marR="0" indent="0" algn="l" defTabSz="914400" rtl="0" eaLnBrk="1" fontAlgn="auto" latinLnBrk="0" hangingPunct="1">
-              <a:lnSpc>
-                <a:spcPct val="100000"/>
-              </a:lnSpc>
-              <a:spcBef>
-                <a:spcPct val="0"/>
-              </a:spcBef>
-              <a:spcAft>
-                <a:spcPct val="0"/>
-              </a:spcAft>
-              <a:buClrTx/>
-              <a:buSzTx/>
-              <a:buFontTx/>
-              <a:buNone/>
-              <a:defRPr kumimoji="0" sz="1800" b="0" i="0" u="none" strike="noStrike" kern="1200" cap="none" spc="0" normalizeH="0" baseline="0" noProof="0">
-                <a:solidFill>
-                  <a:schemeClr val="tx1"/>
-                </a:solidFill>
-                <a:uLnTx/>
-                <a:uFillTx/>
-                <a:latin typeface="Arial" pitchFamily="34" charset="0"/>
-                <a:ea typeface="DejaVu Sans"/>
-                <a:cs typeface="DejaVu Sans"/>
-                <a:sym typeface="Wingdings" charset="2"/>
-              </a:defRPr>
-            </a:lvl4pPr>
-            <a:lvl5pPr marL="1828800" marR="0" indent="0" algn="l" defTabSz="914400" rtl="0" eaLnBrk="1" fontAlgn="auto" latinLnBrk="0" hangingPunct="1">
-              <a:lnSpc>
-                <a:spcPct val="100000"/>
-              </a:lnSpc>
-              <a:spcBef>
-                <a:spcPct val="0"/>
-              </a:spcBef>
-              <a:spcAft>
-                <a:spcPct val="0"/>
-              </a:spcAft>
-              <a:buClrTx/>
-              <a:buSzTx/>
-              <a:buFontTx/>
-              <a:buNone/>
-              <a:defRPr kumimoji="0" sz="1800" b="0" i="0" u="none" strike="noStrike" kern="1200" cap="none" spc="0" normalizeH="0" baseline="0" noProof="0">
-                <a:solidFill>
-                  <a:schemeClr val="tx1"/>
-                </a:solidFill>
-                <a:uLnTx/>
-                <a:uFillTx/>
-                <a:latin typeface="Arial" pitchFamily="34" charset="0"/>
-                <a:ea typeface="DejaVu Sans"/>
-                <a:cs typeface="DejaVu Sans"/>
-                <a:sym typeface="Wingdings" charset="2"/>
-              </a:defRPr>
-            </a:lvl5pPr>
-            <a:lvl6pPr marL="2286000" marR="0" indent="0" algn="l" defTabSz="914400" rtl="0" eaLnBrk="1" fontAlgn="auto" latinLnBrk="0" hangingPunct="1">
-              <a:lnSpc>
-                <a:spcPct val="100000"/>
-              </a:lnSpc>
-              <a:spcBef>
-                <a:spcPct val="0"/>
-              </a:spcBef>
-              <a:spcAft>
-                <a:spcPct val="0"/>
-              </a:spcAft>
-              <a:buClrTx/>
-              <a:buSzTx/>
-              <a:buFontTx/>
-              <a:buNone/>
-              <a:defRPr kumimoji="0" sz="1800" b="0" i="0" u="none" strike="noStrike" kern="1200" cap="none" spc="0" normalizeH="0" baseline="0" noProof="0">
-                <a:solidFill>
-                  <a:schemeClr val="tx1"/>
-                </a:solidFill>
-                <a:uLnTx/>
-                <a:uFillTx/>
-                <a:latin typeface="Arial" pitchFamily="34" charset="0"/>
-                <a:ea typeface="DejaVu Sans"/>
-                <a:cs typeface="DejaVu Sans"/>
-                <a:sym typeface="Wingdings" charset="2"/>
-              </a:defRPr>
-            </a:lvl6pPr>
-            <a:lvl7pPr marL="2743200" marR="0" indent="0" algn="l" defTabSz="914400" rtl="0" eaLnBrk="1" fontAlgn="auto" latinLnBrk="0" hangingPunct="1">
-              <a:lnSpc>
-                <a:spcPct val="100000"/>
-              </a:lnSpc>
-              <a:spcBef>
-                <a:spcPct val="0"/>
-              </a:spcBef>
-              <a:spcAft>
-                <a:spcPct val="0"/>
-              </a:spcAft>
-              <a:buClrTx/>
-              <a:buSzTx/>
-              <a:buFontTx/>
-              <a:buNone/>
-              <a:defRPr kumimoji="0" sz="1800" b="0" i="0" u="none" strike="noStrike" kern="1200" cap="none" spc="0" normalizeH="0" baseline="0" noProof="0">
-                <a:solidFill>
-                  <a:schemeClr val="tx1"/>
-                </a:solidFill>
-                <a:uLnTx/>
-                <a:uFillTx/>
-                <a:latin typeface="Arial" pitchFamily="34" charset="0"/>
-                <a:ea typeface="DejaVu Sans"/>
-                <a:cs typeface="DejaVu Sans"/>
-                <a:sym typeface="Wingdings" charset="2"/>
-              </a:defRPr>
-            </a:lvl7pPr>
-            <a:lvl8pPr marL="3200400" marR="0" indent="0" algn="l" defTabSz="914400" rtl="0" eaLnBrk="1" fontAlgn="auto" latinLnBrk="0" hangingPunct="1">
-              <a:lnSpc>
-                <a:spcPct val="100000"/>
-              </a:lnSpc>
-              <a:spcBef>
-                <a:spcPct val="0"/>
-              </a:spcBef>
-              <a:spcAft>
-                <a:spcPct val="0"/>
-              </a:spcAft>
-              <a:buClrTx/>
-              <a:buSzTx/>
-              <a:buFontTx/>
-              <a:buNone/>
-              <a:defRPr kumimoji="0" sz="1800" b="0" i="0" u="none" strike="noStrike" kern="1200" cap="none" spc="0" normalizeH="0" baseline="0" noProof="0">
-                <a:solidFill>
-                  <a:schemeClr val="tx1"/>
-                </a:solidFill>
-                <a:uLnTx/>
-                <a:uFillTx/>
-                <a:latin typeface="Arial" pitchFamily="34" charset="0"/>
-                <a:ea typeface="DejaVu Sans"/>
-                <a:cs typeface="DejaVu Sans"/>
-                <a:sym typeface="Wingdings" charset="2"/>
-              </a:defRPr>
-            </a:lvl8pPr>
-            <a:lvl9pPr marL="3657600" marR="0" indent="0" algn="l" defTabSz="914400" rtl="0" eaLnBrk="1" fontAlgn="auto" latinLnBrk="0" hangingPunct="1">
-              <a:lnSpc>
-                <a:spcPct val="100000"/>
-              </a:lnSpc>
-              <a:spcBef>
-                <a:spcPct val="0"/>
-              </a:spcBef>
-              <a:spcAft>
-                <a:spcPct val="0"/>
-              </a:spcAft>
-              <a:buClrTx/>
-              <a:buSzTx/>
-              <a:buFontTx/>
-              <a:buNone/>
-              <a:defRPr kumimoji="0" sz="1800" b="0" i="0" u="none" strike="noStrike" kern="1200" cap="none" spc="0" normalizeH="0" baseline="0" noProof="0">
-                <a:solidFill>
-                  <a:schemeClr val="tx1"/>
-                </a:solidFill>
-                <a:uLnTx/>
-                <a:uFillTx/>
-                <a:latin typeface="Arial" pitchFamily="34" charset="0"/>
-                <a:ea typeface="DejaVu Sans"/>
-                <a:cs typeface="DejaVu Sans"/>
-                <a:sym typeface="Wingdings" charset="2"/>
-              </a:defRPr>
-            </a:lvl9pPr>
-          </a:lstStyle>
-          <a:p>
-            <a:pPr>
-              <a:lnSpc>
-                <a:spcPct val="100000"/>
-              </a:lnSpc>
-            </a:pPr>
-            <a:r>
-              <a:rPr lang="pt-BR" sz="1800" b="0" strike="noStrike" spc="-1" dirty="0">
-                <a:solidFill>
-                  <a:srgbClr val="000000"/>
-                </a:solidFill>
-                <a:latin typeface="Arial" pitchFamily="34" charset="0"/>
-                <a:ea typeface="DejaVu Sans"/>
-              </a:rPr>
-              <a:t>Visão Computacional - Prof. André Hochuli</a:t>
-            </a:r>
-            <a:endParaRPr lang="pt-BR" sz="1800" b="0" strike="noStrike" spc="-1" dirty="0">
-              <a:latin typeface="Arial" pitchFamily="34" charset="0"/>
-            </a:endParaRPr>
-          </a:p>
-        </p:txBody>
-      </p:sp>
-    </p:spTree>
-    <p:extLst>
-      <p:ext uri="{BB962C8B-B14F-4D97-AF65-F5344CB8AC3E}">
-        <p14:creationId xmlns:p14="http://schemas.microsoft.com/office/powerpoint/2010/main" val="487614696"/>
+        <p14:creationId xmlns:p14="http://schemas.microsoft.com/office/powerpoint/2010/main" val="3235941553"/>
       </p:ext>
     </p:extLst>
   </p:cSld>
